--- a/ppt/learnr.pptx
+++ b/ppt/learnr.pptx
@@ -5,10 +5,10 @@
     <p:sldMasterId id="2147483648" r:id="rId1"/>
   </p:sldMasterIdLst>
   <p:notesMasterIdLst>
-    <p:notesMasterId r:id="rId44"/>
+    <p:notesMasterId r:id="rId48"/>
   </p:notesMasterIdLst>
   <p:handoutMasterIdLst>
-    <p:handoutMasterId r:id="rId45"/>
+    <p:handoutMasterId r:id="rId49"/>
   </p:handoutMasterIdLst>
   <p:sldIdLst>
     <p:sldId id="273" r:id="rId2"/>
@@ -42,17 +42,21 @@
     <p:sldId id="280" r:id="rId30"/>
     <p:sldId id="281" r:id="rId31"/>
     <p:sldId id="282" r:id="rId32"/>
-    <p:sldId id="283" r:id="rId33"/>
-    <p:sldId id="284" r:id="rId34"/>
-    <p:sldId id="285" r:id="rId35"/>
-    <p:sldId id="286" r:id="rId36"/>
-    <p:sldId id="287" r:id="rId37"/>
-    <p:sldId id="288" r:id="rId38"/>
-    <p:sldId id="289" r:id="rId39"/>
-    <p:sldId id="294" r:id="rId40"/>
-    <p:sldId id="290" r:id="rId41"/>
-    <p:sldId id="291" r:id="rId42"/>
-    <p:sldId id="297" r:id="rId43"/>
+    <p:sldId id="299" r:id="rId33"/>
+    <p:sldId id="300" r:id="rId34"/>
+    <p:sldId id="283" r:id="rId35"/>
+    <p:sldId id="284" r:id="rId36"/>
+    <p:sldId id="285" r:id="rId37"/>
+    <p:sldId id="286" r:id="rId38"/>
+    <p:sldId id="287" r:id="rId39"/>
+    <p:sldId id="288" r:id="rId40"/>
+    <p:sldId id="289" r:id="rId41"/>
+    <p:sldId id="294" r:id="rId42"/>
+    <p:sldId id="290" r:id="rId43"/>
+    <p:sldId id="301" r:id="rId44"/>
+    <p:sldId id="302" r:id="rId45"/>
+    <p:sldId id="291" r:id="rId46"/>
+    <p:sldId id="297" r:id="rId47"/>
   </p:sldIdLst>
   <p:sldSz cx="12192000" cy="6858000"/>
   <p:notesSz cx="6858000" cy="9144000"/>
@@ -217,7 +221,7 @@
             </a:lvl1pPr>
           </a:lstStyle>
           <a:p>
-            <a:endParaRPr lang="en-US"/>
+            <a:endParaRPr lang="en-US" dirty="0"/>
           </a:p>
         </p:txBody>
       </p:sp>
@@ -256,9 +260,9 @@
           <a:p>
             <a:fld id="{ECA8BD75-C6FA-4CE2-A65B-750E38AD4792}" type="datetimeFigureOut">
               <a:rPr lang="en-US" smtClean="0"/>
-              <a:t>6/18/2020</a:t>
+              <a:t>6/25/2020</a:t>
             </a:fld>
-            <a:endParaRPr lang="en-US"/>
+            <a:endParaRPr lang="en-US" dirty="0"/>
           </a:p>
         </p:txBody>
       </p:sp>
@@ -295,7 +299,7 @@
             </a:lvl1pPr>
           </a:lstStyle>
           <a:p>
-            <a:endParaRPr lang="en-US"/>
+            <a:endParaRPr lang="en-US" dirty="0"/>
           </a:p>
         </p:txBody>
       </p:sp>
@@ -336,7 +340,7 @@
               <a:rPr lang="en-US" smtClean="0"/>
               <a:t>‹#›</a:t>
             </a:fld>
-            <a:endParaRPr lang="en-US"/>
+            <a:endParaRPr lang="en-US" dirty="0"/>
           </a:p>
         </p:txBody>
       </p:sp>
@@ -400,7 +404,7 @@
             </a:lvl1pPr>
           </a:lstStyle>
           <a:p>
-            <a:endParaRPr lang="en-US"/>
+            <a:endParaRPr lang="en-US" dirty="0"/>
           </a:p>
         </p:txBody>
       </p:sp>
@@ -433,9 +437,9 @@
           <a:p>
             <a:fld id="{6E2BB2C7-3904-4CAC-9DC7-E899595B9ECF}" type="datetimeFigureOut">
               <a:rPr lang="en-US" smtClean="0"/>
-              <a:t>6/18/2020</a:t>
+              <a:t>6/25/2020</a:t>
             </a:fld>
-            <a:endParaRPr lang="en-US"/>
+            <a:endParaRPr lang="en-US" dirty="0"/>
           </a:p>
         </p:txBody>
       </p:sp>
@@ -468,7 +472,7 @@
           <a:bodyPr vert="horz" lIns="91440" tIns="45720" rIns="91440" bIns="45720" rtlCol="0" anchor="ctr"/>
           <a:lstStyle/>
           <a:p>
-            <a:endParaRPr lang="en-US"/>
+            <a:endParaRPr lang="en-US" dirty="0"/>
           </a:p>
         </p:txBody>
       </p:sp>
@@ -558,7 +562,7 @@
             </a:lvl1pPr>
           </a:lstStyle>
           <a:p>
-            <a:endParaRPr lang="en-US"/>
+            <a:endParaRPr lang="en-US" dirty="0"/>
           </a:p>
         </p:txBody>
       </p:sp>
@@ -593,7 +597,7 @@
               <a:rPr lang="en-US" smtClean="0"/>
               <a:t>‹#›</a:t>
             </a:fld>
-            <a:endParaRPr lang="en-US"/>
+            <a:endParaRPr lang="en-US" dirty="0"/>
           </a:p>
         </p:txBody>
       </p:sp>
@@ -845,11 +849,11 @@
           <a:bodyPr/>
           <a:lstStyle/>
           <a:p>
-            <a:fld id="{34D72D11-1D2A-4F31-8779-074F5E6BE7E2}" type="datetime1">
+            <a:fld id="{6F4E9593-EA13-4E30-B6FE-A6E57B675955}" type="datetime1">
               <a:rPr lang="en-US" smtClean="0"/>
-              <a:t>6/18/2020</a:t>
+              <a:t>6/26/2020</a:t>
             </a:fld>
-            <a:endParaRPr lang="en-US"/>
+            <a:endParaRPr lang="en-US" dirty="0"/>
           </a:p>
         </p:txBody>
       </p:sp>
@@ -874,7 +878,11 @@
           <a:bodyPr/>
           <a:lstStyle/>
           <a:p>
-            <a:endParaRPr lang="en-US"/>
+            <a:r>
+              <a:rPr lang="en-US"/>
+              <a:t>https://github.com/chrisaberson/IntroStatsTutorials</a:t>
+            </a:r>
+            <a:endParaRPr lang="en-US" dirty="0"/>
           </a:p>
         </p:txBody>
       </p:sp>
@@ -903,7 +911,7 @@
               <a:rPr lang="en-US" smtClean="0"/>
               <a:t>‹#›</a:t>
             </a:fld>
-            <a:endParaRPr lang="en-US"/>
+            <a:endParaRPr lang="en-US" dirty="0"/>
           </a:p>
         </p:txBody>
       </p:sp>
@@ -1043,11 +1051,11 @@
           <a:bodyPr/>
           <a:lstStyle/>
           <a:p>
-            <a:fld id="{B898F3CD-6336-4A62-868F-0D39D3BEECED}" type="datetime1">
+            <a:fld id="{0E165FE6-50F7-4328-8BEF-B1BE1AB8147C}" type="datetime1">
               <a:rPr lang="en-US" smtClean="0"/>
-              <a:t>6/18/2020</a:t>
+              <a:t>6/26/2020</a:t>
             </a:fld>
-            <a:endParaRPr lang="en-US"/>
+            <a:endParaRPr lang="en-US" dirty="0"/>
           </a:p>
         </p:txBody>
       </p:sp>
@@ -1072,7 +1080,11 @@
           <a:bodyPr/>
           <a:lstStyle/>
           <a:p>
-            <a:endParaRPr lang="en-US"/>
+            <a:r>
+              <a:rPr lang="en-US"/>
+              <a:t>https://github.com/chrisaberson/IntroStatsTutorials</a:t>
+            </a:r>
+            <a:endParaRPr lang="en-US" dirty="0"/>
           </a:p>
         </p:txBody>
       </p:sp>
@@ -1101,7 +1113,7 @@
               <a:rPr lang="en-US" smtClean="0"/>
               <a:t>‹#›</a:t>
             </a:fld>
-            <a:endParaRPr lang="en-US"/>
+            <a:endParaRPr lang="en-US" dirty="0"/>
           </a:p>
         </p:txBody>
       </p:sp>
@@ -1251,11 +1263,11 @@
           <a:bodyPr/>
           <a:lstStyle/>
           <a:p>
-            <a:fld id="{34A84131-0B4E-421D-A022-1DA0105D3ABE}" type="datetime1">
+            <a:fld id="{223BA425-46DC-4030-AE82-511227762B37}" type="datetime1">
               <a:rPr lang="en-US" smtClean="0"/>
-              <a:t>6/18/2020</a:t>
+              <a:t>6/26/2020</a:t>
             </a:fld>
-            <a:endParaRPr lang="en-US"/>
+            <a:endParaRPr lang="en-US" dirty="0"/>
           </a:p>
         </p:txBody>
       </p:sp>
@@ -1280,7 +1292,11 @@
           <a:bodyPr/>
           <a:lstStyle/>
           <a:p>
-            <a:endParaRPr lang="en-US"/>
+            <a:r>
+              <a:rPr lang="en-US"/>
+              <a:t>https://github.com/chrisaberson/IntroStatsTutorials</a:t>
+            </a:r>
+            <a:endParaRPr lang="en-US" dirty="0"/>
           </a:p>
         </p:txBody>
       </p:sp>
@@ -1309,7 +1325,7 @@
               <a:rPr lang="en-US" smtClean="0"/>
               <a:t>‹#›</a:t>
             </a:fld>
-            <a:endParaRPr lang="en-US"/>
+            <a:endParaRPr lang="en-US" dirty="0"/>
           </a:p>
         </p:txBody>
       </p:sp>
@@ -1494,11 +1510,11 @@
             </a:lvl1pPr>
           </a:lstStyle>
           <a:p>
-            <a:fld id="{11AB414B-BD32-44E0-B2A7-B8BDEFFA2AEC}" type="datetime1">
+            <a:fld id="{78822F03-E847-4DDF-B3EC-15F3E91A843B}" type="datetime1">
               <a:rPr lang="en-US" smtClean="0"/>
-              <a:t>6/18/2020</a:t>
+              <a:t>6/26/2020</a:t>
             </a:fld>
-            <a:endParaRPr lang="en-US"/>
+            <a:endParaRPr lang="en-US" dirty="0"/>
           </a:p>
         </p:txBody>
       </p:sp>
@@ -1530,7 +1546,11 @@
             </a:lvl1pPr>
           </a:lstStyle>
           <a:p>
-            <a:endParaRPr lang="en-US"/>
+            <a:r>
+              <a:rPr lang="en-US"/>
+              <a:t>https://github.com/chrisaberson/IntroStatsTutorials</a:t>
+            </a:r>
+            <a:endParaRPr lang="en-US" dirty="0"/>
           </a:p>
         </p:txBody>
       </p:sp>
@@ -1567,7 +1587,7 @@
               <a:pPr/>
               <a:t>‹#›</a:t>
             </a:fld>
-            <a:endParaRPr lang="en-US"/>
+            <a:endParaRPr lang="en-US" dirty="0"/>
           </a:p>
         </p:txBody>
       </p:sp>
@@ -1784,11 +1804,11 @@
           <a:bodyPr/>
           <a:lstStyle/>
           <a:p>
-            <a:fld id="{2795B869-53C5-4626-AF27-9ECC59125854}" type="datetime1">
+            <a:fld id="{CC23D73B-64C7-46BF-A532-3F7C698996A2}" type="datetime1">
               <a:rPr lang="en-US" smtClean="0"/>
-              <a:t>6/18/2020</a:t>
+              <a:t>6/26/2020</a:t>
             </a:fld>
-            <a:endParaRPr lang="en-US"/>
+            <a:endParaRPr lang="en-US" dirty="0"/>
           </a:p>
         </p:txBody>
       </p:sp>
@@ -1813,7 +1833,11 @@
           <a:bodyPr/>
           <a:lstStyle/>
           <a:p>
-            <a:endParaRPr lang="en-US"/>
+            <a:r>
+              <a:rPr lang="en-US"/>
+              <a:t>https://github.com/chrisaberson/IntroStatsTutorials</a:t>
+            </a:r>
+            <a:endParaRPr lang="en-US" dirty="0"/>
           </a:p>
         </p:txBody>
       </p:sp>
@@ -1842,7 +1866,7 @@
               <a:rPr lang="en-US" smtClean="0"/>
               <a:t>‹#›</a:t>
             </a:fld>
-            <a:endParaRPr lang="en-US"/>
+            <a:endParaRPr lang="en-US" dirty="0"/>
           </a:p>
         </p:txBody>
       </p:sp>
@@ -2049,11 +2073,11 @@
           <a:bodyPr/>
           <a:lstStyle/>
           <a:p>
-            <a:fld id="{1E79429F-AC0B-4F28-B152-90BE80A2E0AE}" type="datetime1">
+            <a:fld id="{2426F9B8-AC99-4F7D-AC2A-16062D05F162}" type="datetime1">
               <a:rPr lang="en-US" smtClean="0"/>
-              <a:t>6/18/2020</a:t>
+              <a:t>6/26/2020</a:t>
             </a:fld>
-            <a:endParaRPr lang="en-US"/>
+            <a:endParaRPr lang="en-US" dirty="0"/>
           </a:p>
         </p:txBody>
       </p:sp>
@@ -2078,7 +2102,11 @@
           <a:bodyPr/>
           <a:lstStyle/>
           <a:p>
-            <a:endParaRPr lang="en-US"/>
+            <a:r>
+              <a:rPr lang="en-US"/>
+              <a:t>https://github.com/chrisaberson/IntroStatsTutorials</a:t>
+            </a:r>
+            <a:endParaRPr lang="en-US" dirty="0"/>
           </a:p>
         </p:txBody>
       </p:sp>
@@ -2107,7 +2135,7 @@
               <a:rPr lang="en-US" smtClean="0"/>
               <a:t>‹#›</a:t>
             </a:fld>
-            <a:endParaRPr lang="en-US"/>
+            <a:endParaRPr lang="en-US" dirty="0"/>
           </a:p>
         </p:txBody>
       </p:sp>
@@ -2461,11 +2489,11 @@
           <a:bodyPr/>
           <a:lstStyle/>
           <a:p>
-            <a:fld id="{BE3C5B49-9035-462B-B3F4-F463E326E2F6}" type="datetime1">
+            <a:fld id="{9049272D-1A6D-435B-967B-EFD6477218CE}" type="datetime1">
               <a:rPr lang="en-US" smtClean="0"/>
-              <a:t>6/18/2020</a:t>
+              <a:t>6/26/2020</a:t>
             </a:fld>
-            <a:endParaRPr lang="en-US"/>
+            <a:endParaRPr lang="en-US" dirty="0"/>
           </a:p>
         </p:txBody>
       </p:sp>
@@ -2490,7 +2518,11 @@
           <a:bodyPr/>
           <a:lstStyle/>
           <a:p>
-            <a:endParaRPr lang="en-US"/>
+            <a:r>
+              <a:rPr lang="en-US"/>
+              <a:t>https://github.com/chrisaberson/IntroStatsTutorials</a:t>
+            </a:r>
+            <a:endParaRPr lang="en-US" dirty="0"/>
           </a:p>
         </p:txBody>
       </p:sp>
@@ -2519,7 +2551,7 @@
               <a:rPr lang="en-US" smtClean="0"/>
               <a:t>‹#›</a:t>
             </a:fld>
-            <a:endParaRPr lang="en-US"/>
+            <a:endParaRPr lang="en-US" dirty="0"/>
           </a:p>
         </p:txBody>
       </p:sp>
@@ -2602,11 +2634,11 @@
           <a:bodyPr/>
           <a:lstStyle/>
           <a:p>
-            <a:fld id="{4B95EE70-4E8A-475C-AC1F-6543011CB9C9}" type="datetime1">
+            <a:fld id="{4B7FBE2D-F9FF-4B8B-BE90-7C77A8473C07}" type="datetime1">
               <a:rPr lang="en-US" smtClean="0"/>
-              <a:t>6/18/2020</a:t>
+              <a:t>6/26/2020</a:t>
             </a:fld>
-            <a:endParaRPr lang="en-US"/>
+            <a:endParaRPr lang="en-US" dirty="0"/>
           </a:p>
         </p:txBody>
       </p:sp>
@@ -2631,7 +2663,11 @@
           <a:bodyPr/>
           <a:lstStyle/>
           <a:p>
-            <a:endParaRPr lang="en-US"/>
+            <a:r>
+              <a:rPr lang="en-US"/>
+              <a:t>https://github.com/chrisaberson/IntroStatsTutorials</a:t>
+            </a:r>
+            <a:endParaRPr lang="en-US" dirty="0"/>
           </a:p>
         </p:txBody>
       </p:sp>
@@ -2660,7 +2696,7 @@
               <a:rPr lang="en-US" smtClean="0"/>
               <a:t>‹#›</a:t>
             </a:fld>
-            <a:endParaRPr lang="en-US"/>
+            <a:endParaRPr lang="en-US" dirty="0"/>
           </a:p>
         </p:txBody>
       </p:sp>
@@ -2715,11 +2751,11 @@
           <a:bodyPr/>
           <a:lstStyle/>
           <a:p>
-            <a:fld id="{514ADCD7-2F52-4F6B-8271-F325E1E54743}" type="datetime1">
+            <a:fld id="{922AE66B-269B-4511-9201-2AF764A8BE0D}" type="datetime1">
               <a:rPr lang="en-US" smtClean="0"/>
-              <a:t>6/18/2020</a:t>
+              <a:t>6/26/2020</a:t>
             </a:fld>
-            <a:endParaRPr lang="en-US"/>
+            <a:endParaRPr lang="en-US" dirty="0"/>
           </a:p>
         </p:txBody>
       </p:sp>
@@ -2744,7 +2780,11 @@
           <a:bodyPr/>
           <a:lstStyle/>
           <a:p>
-            <a:endParaRPr lang="en-US"/>
+            <a:r>
+              <a:rPr lang="en-US"/>
+              <a:t>https://github.com/chrisaberson/IntroStatsTutorials</a:t>
+            </a:r>
+            <a:endParaRPr lang="en-US" dirty="0"/>
           </a:p>
         </p:txBody>
       </p:sp>
@@ -2773,7 +2813,7 @@
               <a:rPr lang="en-US" smtClean="0"/>
               <a:t>‹#›</a:t>
             </a:fld>
-            <a:endParaRPr lang="en-US"/>
+            <a:endParaRPr lang="en-US" dirty="0"/>
           </a:p>
         </p:txBody>
       </p:sp>
@@ -3026,11 +3066,11 @@
           <a:bodyPr/>
           <a:lstStyle/>
           <a:p>
-            <a:fld id="{71FE14CC-A475-48B7-8CC8-713F0055C09E}" type="datetime1">
+            <a:fld id="{8CF7188C-1A7E-4388-80B9-7E5DE62A96A4}" type="datetime1">
               <a:rPr lang="en-US" smtClean="0"/>
-              <a:t>6/18/2020</a:t>
+              <a:t>6/26/2020</a:t>
             </a:fld>
-            <a:endParaRPr lang="en-US"/>
+            <a:endParaRPr lang="en-US" dirty="0"/>
           </a:p>
         </p:txBody>
       </p:sp>
@@ -3055,7 +3095,11 @@
           <a:bodyPr/>
           <a:lstStyle/>
           <a:p>
-            <a:endParaRPr lang="en-US"/>
+            <a:r>
+              <a:rPr lang="en-US"/>
+              <a:t>https://github.com/chrisaberson/IntroStatsTutorials</a:t>
+            </a:r>
+            <a:endParaRPr lang="en-US" dirty="0"/>
           </a:p>
         </p:txBody>
       </p:sp>
@@ -3084,7 +3128,7 @@
               <a:rPr lang="en-US" smtClean="0"/>
               <a:t>‹#›</a:t>
             </a:fld>
-            <a:endParaRPr lang="en-US"/>
+            <a:endParaRPr lang="en-US" dirty="0"/>
           </a:p>
         </p:txBody>
       </p:sp>
@@ -3218,7 +3262,7 @@
             </a:lvl9pPr>
           </a:lstStyle>
           <a:p>
-            <a:endParaRPr lang="en-US"/>
+            <a:endParaRPr lang="en-US" dirty="0"/>
           </a:p>
         </p:txBody>
       </p:sp>
@@ -3314,11 +3358,11 @@
           <a:bodyPr/>
           <a:lstStyle/>
           <a:p>
-            <a:fld id="{FB2CBB0A-7E7A-416D-870A-0951F317925A}" type="datetime1">
+            <a:fld id="{6151183E-D3A4-467D-A747-88CA307EE8A4}" type="datetime1">
               <a:rPr lang="en-US" smtClean="0"/>
-              <a:t>6/18/2020</a:t>
+              <a:t>6/26/2020</a:t>
             </a:fld>
-            <a:endParaRPr lang="en-US"/>
+            <a:endParaRPr lang="en-US" dirty="0"/>
           </a:p>
         </p:txBody>
       </p:sp>
@@ -3343,7 +3387,11 @@
           <a:bodyPr/>
           <a:lstStyle/>
           <a:p>
-            <a:endParaRPr lang="en-US"/>
+            <a:r>
+              <a:rPr lang="en-US"/>
+              <a:t>https://github.com/chrisaberson/IntroStatsTutorials</a:t>
+            </a:r>
+            <a:endParaRPr lang="en-US" dirty="0"/>
           </a:p>
         </p:txBody>
       </p:sp>
@@ -3372,7 +3420,7 @@
               <a:rPr lang="en-US" smtClean="0"/>
               <a:t>‹#›</a:t>
             </a:fld>
-            <a:endParaRPr lang="en-US"/>
+            <a:endParaRPr lang="en-US" dirty="0"/>
           </a:p>
         </p:txBody>
       </p:sp>
@@ -3557,11 +3605,11 @@
             </a:lvl1pPr>
           </a:lstStyle>
           <a:p>
-            <a:fld id="{B81AAA71-7896-4D54-A992-CE600CF1020B}" type="datetime1">
+            <a:fld id="{9509E2B3-F24C-4962-8150-1AAED61D6B81}" type="datetime1">
               <a:rPr lang="en-US" smtClean="0"/>
-              <a:t>6/18/2020</a:t>
+              <a:t>6/26/2020</a:t>
             </a:fld>
-            <a:endParaRPr lang="en-US"/>
+            <a:endParaRPr lang="en-US" dirty="0"/>
           </a:p>
         </p:txBody>
       </p:sp>
@@ -3606,7 +3654,11 @@
             </a:lvl1pPr>
           </a:lstStyle>
           <a:p>
-            <a:endParaRPr lang="en-US"/>
+            <a:r>
+              <a:rPr lang="en-US"/>
+              <a:t>https://github.com/chrisaberson/IntroStatsTutorials</a:t>
+            </a:r>
+            <a:endParaRPr lang="en-US" dirty="0"/>
           </a:p>
         </p:txBody>
       </p:sp>
@@ -3656,7 +3708,7 @@
               <a:pPr/>
               <a:t>‹#›</a:t>
             </a:fld>
-            <a:endParaRPr lang="en-US"/>
+            <a:endParaRPr lang="en-US" dirty="0"/>
           </a:p>
         </p:txBody>
       </p:sp>
@@ -3681,7 +3733,7 @@
     <p:sldLayoutId id="2147483658" r:id="rId10"/>
     <p:sldLayoutId id="2147483659" r:id="rId11"/>
   </p:sldLayoutIdLst>
-  <p:hf hdr="0" ftr="0" dt="0"/>
+  <p:hf hdr="0" dt="0"/>
   <p:txStyles>
     <p:titleStyle>
       <a:lvl1pPr algn="l" defTabSz="914400" rtl="0" eaLnBrk="1" latinLnBrk="0" hangingPunct="1">
@@ -4005,13 +4057,8 @@
           <a:p>
             <a:r>
               <a:rPr lang="en-US" dirty="0"/>
-              <a:t>Building Interactive Tutorials with </a:t>
-            </a:r>
-            <a:r>
-              <a:rPr lang="en-US" dirty="0" err="1"/>
-              <a:t>learnr</a:t>
-            </a:r>
-            <a:endParaRPr lang="en-US" dirty="0"/>
+              <a:t>Building Interactive Tutorials with learnr</a:t>
+            </a:r>
           </a:p>
         </p:txBody>
       </p:sp>
@@ -4050,31 +4097,7 @@
           <a:p>
             <a:r>
               <a:rPr lang="en-US" dirty="0"/>
-              <a:t>Materials at </a:t>
-            </a:r>
-            <a:r>
-              <a:rPr lang="en-US" dirty="0" err="1"/>
-              <a:t>github</a:t>
-            </a:r>
-            <a:r>
-              <a:rPr lang="en-US" dirty="0"/>
-              <a:t>/</a:t>
-            </a:r>
-            <a:r>
-              <a:rPr lang="en-US" dirty="0" err="1"/>
-              <a:t>chrisaberson</a:t>
-            </a:r>
-            <a:r>
-              <a:rPr lang="en-US" dirty="0"/>
-              <a:t>/</a:t>
-            </a:r>
-            <a:r>
-              <a:rPr lang="en-US" dirty="0" err="1"/>
-              <a:t>learnr</a:t>
-            </a:r>
-            <a:r>
-              <a:rPr lang="en-US" dirty="0"/>
-              <a:t>-workshop</a:t>
+              <a:t>Materials at github/chrisaberson/learnr-workshop</a:t>
             </a:r>
           </a:p>
         </p:txBody>
@@ -4104,7 +4127,36 @@
               <a:rPr lang="en-US" smtClean="0"/>
               <a:t>1</a:t>
             </a:fld>
-            <a:endParaRPr lang="en-US"/>
+            <a:endParaRPr lang="en-US" dirty="0"/>
+          </a:p>
+        </p:txBody>
+      </p:sp>
+      <p:sp>
+        <p:nvSpPr>
+          <p:cNvPr id="5" name="Footer Placeholder 4">
+            <a:extLst>
+              <a:ext uri="{FF2B5EF4-FFF2-40B4-BE49-F238E27FC236}">
+                <a16:creationId xmlns:a16="http://schemas.microsoft.com/office/drawing/2014/main" id="{4909964A-C2F1-45A3-A937-846378CB0324}"/>
+              </a:ext>
+            </a:extLst>
+          </p:cNvPr>
+          <p:cNvSpPr>
+            <a:spLocks noGrp="1"/>
+          </p:cNvSpPr>
+          <p:nvPr>
+            <p:ph type="ftr" sz="quarter" idx="11"/>
+          </p:nvPr>
+        </p:nvSpPr>
+        <p:spPr/>
+        <p:txBody>
+          <a:bodyPr/>
+          <a:lstStyle/>
+          <a:p>
+            <a:r>
+              <a:rPr lang="en-US"/>
+              <a:t>https://github.com/chrisaberson/IntroStatsTutorials</a:t>
+            </a:r>
+            <a:endParaRPr lang="en-US" dirty="0"/>
           </a:p>
         </p:txBody>
       </p:sp>
@@ -4250,7 +4302,36 @@
               <a:pPr/>
               <a:t>10</a:t>
             </a:fld>
-            <a:endParaRPr lang="en-US"/>
+            <a:endParaRPr lang="en-US" dirty="0"/>
+          </a:p>
+        </p:txBody>
+      </p:sp>
+      <p:sp>
+        <p:nvSpPr>
+          <p:cNvPr id="5" name="Footer Placeholder 4">
+            <a:extLst>
+              <a:ext uri="{FF2B5EF4-FFF2-40B4-BE49-F238E27FC236}">
+                <a16:creationId xmlns:a16="http://schemas.microsoft.com/office/drawing/2014/main" id="{013AE165-AB87-497D-ABE5-6EFA9D136EC1}"/>
+              </a:ext>
+            </a:extLst>
+          </p:cNvPr>
+          <p:cNvSpPr>
+            <a:spLocks noGrp="1"/>
+          </p:cNvSpPr>
+          <p:nvPr>
+            <p:ph type="ftr" sz="quarter" idx="11"/>
+          </p:nvPr>
+        </p:nvSpPr>
+        <p:spPr/>
+        <p:txBody>
+          <a:bodyPr/>
+          <a:lstStyle/>
+          <a:p>
+            <a:r>
+              <a:rPr lang="en-US"/>
+              <a:t>https://github.com/chrisaberson/IntroStatsTutorials</a:t>
+            </a:r>
+            <a:endParaRPr lang="en-US" dirty="0"/>
           </a:p>
         </p:txBody>
       </p:sp>
@@ -4367,7 +4448,36 @@
               <a:rPr lang="en-US" smtClean="0"/>
               <a:t>11</a:t>
             </a:fld>
-            <a:endParaRPr lang="en-US"/>
+            <a:endParaRPr lang="en-US" dirty="0"/>
+          </a:p>
+        </p:txBody>
+      </p:sp>
+      <p:sp>
+        <p:nvSpPr>
+          <p:cNvPr id="3" name="Footer Placeholder 2">
+            <a:extLst>
+              <a:ext uri="{FF2B5EF4-FFF2-40B4-BE49-F238E27FC236}">
+                <a16:creationId xmlns:a16="http://schemas.microsoft.com/office/drawing/2014/main" id="{36FE0E0D-E903-49A6-92BB-2D2CEF03922F}"/>
+              </a:ext>
+            </a:extLst>
+          </p:cNvPr>
+          <p:cNvSpPr>
+            <a:spLocks noGrp="1"/>
+          </p:cNvSpPr>
+          <p:nvPr>
+            <p:ph type="ftr" sz="quarter" idx="11"/>
+          </p:nvPr>
+        </p:nvSpPr>
+        <p:spPr/>
+        <p:txBody>
+          <a:bodyPr/>
+          <a:lstStyle/>
+          <a:p>
+            <a:r>
+              <a:rPr lang="en-US"/>
+              <a:t>https://github.com/chrisaberson/IntroStatsTutorials</a:t>
+            </a:r>
+            <a:endParaRPr lang="en-US" dirty="0"/>
           </a:p>
         </p:txBody>
       </p:sp>
@@ -4487,15 +4597,7 @@
             <a:pPr lvl="1"/>
             <a:r>
               <a:rPr lang="en-US" dirty="0"/>
-              <a:t>Detail is a key – it is almost always a comma, </a:t>
-            </a:r>
-            <a:r>
-              <a:rPr lang="en-US" dirty="0" err="1"/>
-              <a:t>paren</a:t>
-            </a:r>
-            <a:r>
-              <a:rPr lang="en-US" dirty="0"/>
-              <a:t>, or quotation mark that is screwing things up</a:t>
+              <a:t>Detail is a key – it is almost always a comma, paren, or quotation mark that is screwing things up</a:t>
             </a:r>
           </a:p>
           <a:p>
@@ -4533,7 +4635,36 @@
               <a:pPr/>
               <a:t>12</a:t>
             </a:fld>
-            <a:endParaRPr lang="en-US"/>
+            <a:endParaRPr lang="en-US" dirty="0"/>
+          </a:p>
+        </p:txBody>
+      </p:sp>
+      <p:sp>
+        <p:nvSpPr>
+          <p:cNvPr id="5" name="Footer Placeholder 4">
+            <a:extLst>
+              <a:ext uri="{FF2B5EF4-FFF2-40B4-BE49-F238E27FC236}">
+                <a16:creationId xmlns:a16="http://schemas.microsoft.com/office/drawing/2014/main" id="{99A37BB8-4140-4B8B-BC68-1286CFA8ABD6}"/>
+              </a:ext>
+            </a:extLst>
+          </p:cNvPr>
+          <p:cNvSpPr>
+            <a:spLocks noGrp="1"/>
+          </p:cNvSpPr>
+          <p:nvPr>
+            <p:ph type="ftr" sz="quarter" idx="11"/>
+          </p:nvPr>
+        </p:nvSpPr>
+        <p:spPr/>
+        <p:txBody>
+          <a:bodyPr/>
+          <a:lstStyle/>
+          <a:p>
+            <a:r>
+              <a:rPr lang="en-US"/>
+              <a:t>https://github.com/chrisaberson/IntroStatsTutorials</a:t>
+            </a:r>
+            <a:endParaRPr lang="en-US" dirty="0"/>
           </a:p>
         </p:txBody>
       </p:sp>
@@ -4679,7 +4810,36 @@
               <a:pPr/>
               <a:t>13</a:t>
             </a:fld>
-            <a:endParaRPr lang="en-US"/>
+            <a:endParaRPr lang="en-US" dirty="0"/>
+          </a:p>
+        </p:txBody>
+      </p:sp>
+      <p:sp>
+        <p:nvSpPr>
+          <p:cNvPr id="5" name="Footer Placeholder 4">
+            <a:extLst>
+              <a:ext uri="{FF2B5EF4-FFF2-40B4-BE49-F238E27FC236}">
+                <a16:creationId xmlns:a16="http://schemas.microsoft.com/office/drawing/2014/main" id="{931E3812-472B-4CAC-A51F-872A1540C276}"/>
+              </a:ext>
+            </a:extLst>
+          </p:cNvPr>
+          <p:cNvSpPr>
+            <a:spLocks noGrp="1"/>
+          </p:cNvSpPr>
+          <p:nvPr>
+            <p:ph type="ftr" sz="quarter" idx="11"/>
+          </p:nvPr>
+        </p:nvSpPr>
+        <p:spPr/>
+        <p:txBody>
+          <a:bodyPr/>
+          <a:lstStyle/>
+          <a:p>
+            <a:r>
+              <a:rPr lang="en-US"/>
+              <a:t>https://github.com/chrisaberson/IntroStatsTutorials</a:t>
+            </a:r>
+            <a:endParaRPr lang="en-US" dirty="0"/>
           </a:p>
         </p:txBody>
       </p:sp>
@@ -4766,15 +4926,7 @@
           <a:p>
             <a:r>
               <a:rPr lang="en-US" dirty="0"/>
-              <a:t>If you know </a:t>
-            </a:r>
-            <a:r>
-              <a:rPr lang="en-US" dirty="0" err="1"/>
-              <a:t>LaTex</a:t>
-            </a:r>
-            <a:r>
-              <a:rPr lang="en-US" dirty="0"/>
-              <a:t> you can write these inline</a:t>
+              <a:t>If you know LaTeX you can write these inline</a:t>
             </a:r>
           </a:p>
           <a:p>
@@ -4792,15 +4944,7 @@
             </a:r>
             <a:r>
               <a:rPr lang="en-US" dirty="0"/>
-              <a:t> provides a nice overview of </a:t>
-            </a:r>
-            <a:r>
-              <a:rPr lang="en-US" dirty="0" err="1"/>
-              <a:t>LaTex</a:t>
-            </a:r>
-            <a:r>
-              <a:rPr lang="en-US" dirty="0"/>
-              <a:t> for mathematical copy. It took me an hour or two to get the hang of it</a:t>
+              <a:t> provides a nice overview of LaTeX for mathematical copy. It took me an hour or two to get the hang of it</a:t>
             </a:r>
           </a:p>
           <a:p>
@@ -4843,7 +4987,36 @@
               <a:pPr/>
               <a:t>14</a:t>
             </a:fld>
-            <a:endParaRPr lang="en-US"/>
+            <a:endParaRPr lang="en-US" dirty="0"/>
+          </a:p>
+        </p:txBody>
+      </p:sp>
+      <p:sp>
+        <p:nvSpPr>
+          <p:cNvPr id="5" name="Footer Placeholder 4">
+            <a:extLst>
+              <a:ext uri="{FF2B5EF4-FFF2-40B4-BE49-F238E27FC236}">
+                <a16:creationId xmlns:a16="http://schemas.microsoft.com/office/drawing/2014/main" id="{905C2E23-C502-4636-AA34-623BA52A0075}"/>
+              </a:ext>
+            </a:extLst>
+          </p:cNvPr>
+          <p:cNvSpPr>
+            <a:spLocks noGrp="1"/>
+          </p:cNvSpPr>
+          <p:nvPr>
+            <p:ph type="ftr" sz="quarter" idx="11"/>
+          </p:nvPr>
+        </p:nvSpPr>
+        <p:spPr/>
+        <p:txBody>
+          <a:bodyPr/>
+          <a:lstStyle/>
+          <a:p>
+            <a:r>
+              <a:rPr lang="en-US"/>
+              <a:t>https://github.com/chrisaberson/IntroStatsTutorials</a:t>
+            </a:r>
+            <a:endParaRPr lang="en-US" dirty="0"/>
           </a:p>
         </p:txBody>
       </p:sp>
@@ -4963,23 +5136,7 @@
             </a:pPr>
             <a:r>
               <a:rPr lang="en-US" dirty="0"/>
-              <a:t>$</a:t>
-            </a:r>
-            <a:r>
-              <a:rPr lang="en-US" dirty="0" err="1"/>
-              <a:t>cov</a:t>
-            </a:r>
-            <a:r>
-              <a:rPr lang="en-US" dirty="0"/>
-              <a:t>_{</a:t>
-            </a:r>
-            <a:r>
-              <a:rPr lang="en-US" dirty="0" err="1"/>
-              <a:t>xy</a:t>
-            </a:r>
-            <a:r>
-              <a:rPr lang="en-US" dirty="0"/>
-              <a:t>} = \frac{(x-\bar{x})(y-\bar{y})}{n-1}$</a:t>
+              <a:t>$cov_{xy} = \frac{(x-\bar{x})(y-\bar{y})}{n-1}$</a:t>
             </a:r>
           </a:p>
           <a:p>
@@ -4994,31 +5151,7 @@
             </a:pPr>
             <a:r>
               <a:rPr lang="en-US" dirty="0"/>
-              <a:t>$r = \frac{</a:t>
-            </a:r>
-            <a:r>
-              <a:rPr lang="en-US" dirty="0" err="1"/>
-              <a:t>cov</a:t>
-            </a:r>
-            <a:r>
-              <a:rPr lang="en-US" dirty="0"/>
-              <a:t>_{</a:t>
-            </a:r>
-            <a:r>
-              <a:rPr lang="en-US" dirty="0" err="1"/>
-              <a:t>xy</a:t>
-            </a:r>
-            <a:r>
-              <a:rPr lang="en-US" dirty="0"/>
-              <a:t>}}{</a:t>
-            </a:r>
-            <a:r>
-              <a:rPr lang="en-US" dirty="0" err="1"/>
-              <a:t>s_xs_y</a:t>
-            </a:r>
-            <a:r>
-              <a:rPr lang="en-US" dirty="0"/>
-              <a:t>}$</a:t>
+              <a:t>$r = \frac{cov_{xy}}{s_xs_y}$</a:t>
             </a:r>
           </a:p>
           <a:p>
@@ -5099,7 +5232,36 @@
               <a:rPr lang="en-US" smtClean="0"/>
               <a:t>15</a:t>
             </a:fld>
-            <a:endParaRPr lang="en-US"/>
+            <a:endParaRPr lang="en-US" dirty="0"/>
+          </a:p>
+        </p:txBody>
+      </p:sp>
+      <p:sp>
+        <p:nvSpPr>
+          <p:cNvPr id="6" name="Footer Placeholder 5">
+            <a:extLst>
+              <a:ext uri="{FF2B5EF4-FFF2-40B4-BE49-F238E27FC236}">
+                <a16:creationId xmlns:a16="http://schemas.microsoft.com/office/drawing/2014/main" id="{3CDD0AA2-1714-4AD5-B981-90D5B225E1D6}"/>
+              </a:ext>
+            </a:extLst>
+          </p:cNvPr>
+          <p:cNvSpPr>
+            <a:spLocks noGrp="1"/>
+          </p:cNvSpPr>
+          <p:nvPr>
+            <p:ph type="ftr" sz="quarter" idx="11"/>
+          </p:nvPr>
+        </p:nvSpPr>
+        <p:spPr/>
+        <p:txBody>
+          <a:bodyPr/>
+          <a:lstStyle/>
+          <a:p>
+            <a:r>
+              <a:rPr lang="en-US"/>
+              <a:t>https://github.com/chrisaberson/IntroStatsTutorials</a:t>
+            </a:r>
+            <a:endParaRPr lang="en-US" dirty="0"/>
           </a:p>
         </p:txBody>
       </p:sp>
@@ -5184,15 +5346,7 @@
           <a:p>
             <a:r>
               <a:rPr lang="en-US" dirty="0"/>
-              <a:t>The true power, in my opinion, of </a:t>
-            </a:r>
-            <a:r>
-              <a:rPr lang="en-US" dirty="0" err="1"/>
-              <a:t>learnr</a:t>
-            </a:r>
-            <a:r>
-              <a:rPr lang="en-US" dirty="0"/>
-              <a:t> comes from the ability to execute code</a:t>
+              <a:t>The true power, in my opinion, of learnr comes from the ability to execute code</a:t>
             </a:r>
           </a:p>
           <a:p>
@@ -5211,15 +5365,7 @@
             <a:pPr lvl="1"/>
             <a:r>
               <a:rPr lang="en-US" dirty="0"/>
-              <a:t>Go line by line through complex code with a description after each (you don’t need </a:t>
-            </a:r>
-            <a:r>
-              <a:rPr lang="en-US" dirty="0" err="1"/>
-              <a:t>learnr</a:t>
-            </a:r>
-            <a:r>
-              <a:rPr lang="en-US" dirty="0"/>
-              <a:t> for this but it is a strategy I like)</a:t>
+              <a:t>Go line by line through complex code with a description after each (you don’t need learnr for this but it is a strategy I like)</a:t>
             </a:r>
           </a:p>
           <a:p>
@@ -5264,7 +5410,36 @@
               <a:pPr/>
               <a:t>16</a:t>
             </a:fld>
-            <a:endParaRPr lang="en-US"/>
+            <a:endParaRPr lang="en-US" dirty="0"/>
+          </a:p>
+        </p:txBody>
+      </p:sp>
+      <p:sp>
+        <p:nvSpPr>
+          <p:cNvPr id="3" name="Footer Placeholder 2">
+            <a:extLst>
+              <a:ext uri="{FF2B5EF4-FFF2-40B4-BE49-F238E27FC236}">
+                <a16:creationId xmlns:a16="http://schemas.microsoft.com/office/drawing/2014/main" id="{B0770400-4B54-41F9-B307-DA48D9EBCFBC}"/>
+              </a:ext>
+            </a:extLst>
+          </p:cNvPr>
+          <p:cNvSpPr>
+            <a:spLocks noGrp="1"/>
+          </p:cNvSpPr>
+          <p:nvPr>
+            <p:ph type="ftr" sz="quarter" idx="11"/>
+          </p:nvPr>
+        </p:nvSpPr>
+        <p:spPr/>
+        <p:txBody>
+          <a:bodyPr/>
+          <a:lstStyle/>
+          <a:p>
+            <a:r>
+              <a:rPr lang="en-US"/>
+              <a:t>https://github.com/chrisaberson/IntroStatsTutorials</a:t>
+            </a:r>
+            <a:endParaRPr lang="en-US" dirty="0"/>
           </a:p>
         </p:txBody>
       </p:sp>
@@ -5382,21 +5557,21 @@
             <a:pPr lvl="1"/>
             <a:r>
               <a:rPr lang="en-US" sz="2000" dirty="0"/>
-              <a:t>echo =T, eval=T  show and run code, display output</a:t>
+              <a:t>echo = T, eval= T  show and run code, display output</a:t>
             </a:r>
           </a:p>
           <a:p>
             <a:pPr lvl="1"/>
             <a:r>
               <a:rPr lang="en-US" sz="2000" dirty="0"/>
-              <a:t>echo =T, eval=F  show code, don’t run (great for going line by line and explaining each piece of code) </a:t>
+              <a:t>echo = T, eval= F  show code, don’t run (great for going line by line and explaining each piece of code) </a:t>
             </a:r>
           </a:p>
           <a:p>
             <a:pPr lvl="1"/>
             <a:r>
               <a:rPr lang="en-US" sz="2000" dirty="0"/>
-              <a:t>echo =F, eval=T  just show output (useful for generating output for a quiz)</a:t>
+              <a:t>echo = F, eval= T  just show output (useful for generating output for a quiz)</a:t>
             </a:r>
           </a:p>
           <a:p>
@@ -5475,7 +5650,36 @@
               <a:pPr/>
               <a:t>17</a:t>
             </a:fld>
-            <a:endParaRPr lang="en-US"/>
+            <a:endParaRPr lang="en-US" dirty="0"/>
+          </a:p>
+        </p:txBody>
+      </p:sp>
+      <p:sp>
+        <p:nvSpPr>
+          <p:cNvPr id="5" name="Footer Placeholder 4">
+            <a:extLst>
+              <a:ext uri="{FF2B5EF4-FFF2-40B4-BE49-F238E27FC236}">
+                <a16:creationId xmlns:a16="http://schemas.microsoft.com/office/drawing/2014/main" id="{3C9FE48A-F717-45EB-8D85-A37C189640DA}"/>
+              </a:ext>
+            </a:extLst>
+          </p:cNvPr>
+          <p:cNvSpPr>
+            <a:spLocks noGrp="1"/>
+          </p:cNvSpPr>
+          <p:nvPr>
+            <p:ph type="ftr" sz="quarter" idx="11"/>
+          </p:nvPr>
+        </p:nvSpPr>
+        <p:spPr/>
+        <p:txBody>
+          <a:bodyPr/>
+          <a:lstStyle/>
+          <a:p>
+            <a:r>
+              <a:rPr lang="en-US"/>
+              <a:t>https://github.com/chrisaberson/IntroStatsTutorials</a:t>
+            </a:r>
+            <a:endParaRPr lang="en-US" dirty="0"/>
           </a:p>
         </p:txBody>
       </p:sp>
@@ -5646,7 +5850,36 @@
               <a:pPr/>
               <a:t>18</a:t>
             </a:fld>
-            <a:endParaRPr lang="en-US"/>
+            <a:endParaRPr lang="en-US" dirty="0"/>
+          </a:p>
+        </p:txBody>
+      </p:sp>
+      <p:sp>
+        <p:nvSpPr>
+          <p:cNvPr id="6" name="Footer Placeholder 5">
+            <a:extLst>
+              <a:ext uri="{FF2B5EF4-FFF2-40B4-BE49-F238E27FC236}">
+                <a16:creationId xmlns:a16="http://schemas.microsoft.com/office/drawing/2014/main" id="{9A39C18A-5C56-4F63-8D2E-410C6B15A0B1}"/>
+              </a:ext>
+            </a:extLst>
+          </p:cNvPr>
+          <p:cNvSpPr>
+            <a:spLocks noGrp="1"/>
+          </p:cNvSpPr>
+          <p:nvPr>
+            <p:ph type="ftr" sz="quarter" idx="11"/>
+          </p:nvPr>
+        </p:nvSpPr>
+        <p:spPr/>
+        <p:txBody>
+          <a:bodyPr/>
+          <a:lstStyle/>
+          <a:p>
+            <a:r>
+              <a:rPr lang="en-US"/>
+              <a:t>https://github.com/chrisaberson/IntroStatsTutorials</a:t>
+            </a:r>
+            <a:endParaRPr lang="en-US" dirty="0"/>
           </a:p>
         </p:txBody>
       </p:sp>
@@ -5794,7 +6027,36 @@
               <a:pPr/>
               <a:t>19</a:t>
             </a:fld>
-            <a:endParaRPr lang="en-US"/>
+            <a:endParaRPr lang="en-US" dirty="0"/>
+          </a:p>
+        </p:txBody>
+      </p:sp>
+      <p:sp>
+        <p:nvSpPr>
+          <p:cNvPr id="6" name="Footer Placeholder 5">
+            <a:extLst>
+              <a:ext uri="{FF2B5EF4-FFF2-40B4-BE49-F238E27FC236}">
+                <a16:creationId xmlns:a16="http://schemas.microsoft.com/office/drawing/2014/main" id="{BDB75531-7B94-48B8-9402-D869B236273F}"/>
+              </a:ext>
+            </a:extLst>
+          </p:cNvPr>
+          <p:cNvSpPr>
+            <a:spLocks noGrp="1"/>
+          </p:cNvSpPr>
+          <p:nvPr>
+            <p:ph type="ftr" sz="quarter" idx="11"/>
+          </p:nvPr>
+        </p:nvSpPr>
+        <p:spPr/>
+        <p:txBody>
+          <a:bodyPr/>
+          <a:lstStyle/>
+          <a:p>
+            <a:r>
+              <a:rPr lang="en-US"/>
+              <a:t>https://github.com/chrisaberson/IntroStatsTutorials</a:t>
+            </a:r>
+            <a:endParaRPr lang="en-US" dirty="0"/>
           </a:p>
         </p:txBody>
       </p:sp>
@@ -5956,37 +6218,13 @@
           <a:p>
             <a:r>
               <a:rPr lang="en-US" dirty="0"/>
-              <a:t>What is </a:t>
-            </a:r>
-            <a:r>
-              <a:rPr lang="en-US" dirty="0" err="1"/>
-              <a:t>learnr</a:t>
-            </a:r>
-            <a:r>
-              <a:rPr lang="en-US" dirty="0"/>
-              <a:t>?</a:t>
-            </a:r>
-          </a:p>
-          <a:p>
-            <a:r>
-              <a:rPr lang="en-US" dirty="0"/>
-              <a:t>Tour of a </a:t>
-            </a:r>
-            <a:r>
-              <a:rPr lang="en-US" dirty="0" err="1"/>
-              <a:t>learnr</a:t>
-            </a:r>
-            <a:r>
-              <a:rPr lang="en-US" dirty="0"/>
-              <a:t> tutorial and </a:t>
-            </a:r>
-            <a:r>
-              <a:rPr lang="en-US" dirty="0" err="1"/>
-              <a:t>learnr</a:t>
-            </a:r>
-            <a:r>
-              <a:rPr lang="en-US" dirty="0"/>
-              <a:t> Markdown file</a:t>
+              <a:t>What is learnr?</a:t>
+            </a:r>
+          </a:p>
+          <a:p>
+            <a:r>
+              <a:rPr lang="en-US" dirty="0"/>
+              <a:t>Tour of a learnr tutorial and learnr Markdown file</a:t>
             </a:r>
           </a:p>
           <a:p>
@@ -6016,15 +6254,7 @@
           <a:p>
             <a:r>
               <a:rPr lang="en-US" dirty="0"/>
-              <a:t>Workshop materials at </a:t>
-            </a:r>
-            <a:r>
-              <a:rPr lang="en-US" dirty="0" err="1"/>
-              <a:t>github</a:t>
-            </a:r>
-            <a:r>
-              <a:rPr lang="en-US" dirty="0"/>
-              <a:t> … and we’ll post those the R collective Google Drive</a:t>
+              <a:t>Workshop materials at GitHub … and we’ll post those the R collective Google Drive</a:t>
             </a:r>
           </a:p>
           <a:p>
@@ -6061,7 +6291,36 @@
               <a:pPr/>
               <a:t>2</a:t>
             </a:fld>
-            <a:endParaRPr lang="en-US"/>
+            <a:endParaRPr lang="en-US" dirty="0"/>
+          </a:p>
+        </p:txBody>
+      </p:sp>
+      <p:sp>
+        <p:nvSpPr>
+          <p:cNvPr id="5" name="Footer Placeholder 4">
+            <a:extLst>
+              <a:ext uri="{FF2B5EF4-FFF2-40B4-BE49-F238E27FC236}">
+                <a16:creationId xmlns:a16="http://schemas.microsoft.com/office/drawing/2014/main" id="{F0DC79B8-1695-46CE-B19F-2AA2CB041096}"/>
+              </a:ext>
+            </a:extLst>
+          </p:cNvPr>
+          <p:cNvSpPr>
+            <a:spLocks noGrp="1"/>
+          </p:cNvSpPr>
+          <p:nvPr>
+            <p:ph type="ftr" sz="quarter" idx="11"/>
+          </p:nvPr>
+        </p:nvSpPr>
+        <p:spPr/>
+        <p:txBody>
+          <a:bodyPr/>
+          <a:lstStyle/>
+          <a:p>
+            <a:r>
+              <a:rPr lang="en-US"/>
+              <a:t>https://github.com/chrisaberson/IntroStatsTutorials</a:t>
+            </a:r>
+            <a:endParaRPr lang="en-US" dirty="0"/>
           </a:p>
         </p:txBody>
       </p:sp>
@@ -6210,7 +6469,36 @@
               <a:pPr/>
               <a:t>20</a:t>
             </a:fld>
-            <a:endParaRPr lang="en-US"/>
+            <a:endParaRPr lang="en-US" dirty="0"/>
+          </a:p>
+        </p:txBody>
+      </p:sp>
+      <p:sp>
+        <p:nvSpPr>
+          <p:cNvPr id="5" name="Footer Placeholder 4">
+            <a:extLst>
+              <a:ext uri="{FF2B5EF4-FFF2-40B4-BE49-F238E27FC236}">
+                <a16:creationId xmlns:a16="http://schemas.microsoft.com/office/drawing/2014/main" id="{22A3F33C-CEB7-48FF-A28A-AC14D5975586}"/>
+              </a:ext>
+            </a:extLst>
+          </p:cNvPr>
+          <p:cNvSpPr>
+            <a:spLocks noGrp="1"/>
+          </p:cNvSpPr>
+          <p:nvPr>
+            <p:ph type="ftr" sz="quarter" idx="11"/>
+          </p:nvPr>
+        </p:nvSpPr>
+        <p:spPr/>
+        <p:txBody>
+          <a:bodyPr/>
+          <a:lstStyle/>
+          <a:p>
+            <a:r>
+              <a:rPr lang="en-US"/>
+              <a:t>https://github.com/chrisaberson/IntroStatsTutorials</a:t>
+            </a:r>
+            <a:endParaRPr lang="en-US" dirty="0"/>
           </a:p>
         </p:txBody>
       </p:sp>
@@ -6321,7 +6609,7 @@
             <a:pPr lvl="1"/>
             <a:r>
               <a:rPr lang="en-US" dirty="0"/>
-              <a:t>Tutorials by default open a window in RStudio but there is a button on top of that window that says “open in browser” </a:t>
+              <a:t>Tutorials (opened in certain ways) default to opening in R Studio window but there is a button on top of that window that says “open in browser” </a:t>
             </a:r>
           </a:p>
           <a:p>
@@ -6365,7 +6653,36 @@
               <a:pPr/>
               <a:t>21</a:t>
             </a:fld>
-            <a:endParaRPr lang="en-US"/>
+            <a:endParaRPr lang="en-US" dirty="0"/>
+          </a:p>
+        </p:txBody>
+      </p:sp>
+      <p:sp>
+        <p:nvSpPr>
+          <p:cNvPr id="5" name="Footer Placeholder 4">
+            <a:extLst>
+              <a:ext uri="{FF2B5EF4-FFF2-40B4-BE49-F238E27FC236}">
+                <a16:creationId xmlns:a16="http://schemas.microsoft.com/office/drawing/2014/main" id="{EF1D01FB-CB8C-498A-A3DB-67B6777CB103}"/>
+              </a:ext>
+            </a:extLst>
+          </p:cNvPr>
+          <p:cNvSpPr>
+            <a:spLocks noGrp="1"/>
+          </p:cNvSpPr>
+          <p:nvPr>
+            <p:ph type="ftr" sz="quarter" idx="11"/>
+          </p:nvPr>
+        </p:nvSpPr>
+        <p:spPr/>
+        <p:txBody>
+          <a:bodyPr/>
+          <a:lstStyle/>
+          <a:p>
+            <a:r>
+              <a:rPr lang="en-US"/>
+              <a:t>https://github.com/chrisaberson/IntroStatsTutorials</a:t>
+            </a:r>
+            <a:endParaRPr lang="en-US" dirty="0"/>
           </a:p>
         </p:txBody>
       </p:sp>
@@ -6450,15 +6767,7 @@
           <a:p>
             <a:r>
               <a:rPr lang="en-US" dirty="0"/>
-              <a:t>Need the </a:t>
-            </a:r>
-            <a:r>
-              <a:rPr lang="en-US" dirty="0" err="1"/>
-              <a:t>knitr</a:t>
-            </a:r>
-            <a:r>
-              <a:rPr lang="en-US" dirty="0"/>
-              <a:t> package</a:t>
+              <a:t>Need the knitr package</a:t>
             </a:r>
           </a:p>
           <a:p>
@@ -6510,7 +6819,7 @@
               <a:pPr/>
               <a:t>22</a:t>
             </a:fld>
-            <a:endParaRPr lang="en-US"/>
+            <a:endParaRPr lang="en-US" dirty="0"/>
           </a:p>
         </p:txBody>
       </p:sp>
@@ -6544,6 +6853,35 @@
           </a:prstGeom>
         </p:spPr>
       </p:pic>
+      <p:sp>
+        <p:nvSpPr>
+          <p:cNvPr id="6" name="Footer Placeholder 5">
+            <a:extLst>
+              <a:ext uri="{FF2B5EF4-FFF2-40B4-BE49-F238E27FC236}">
+                <a16:creationId xmlns:a16="http://schemas.microsoft.com/office/drawing/2014/main" id="{D61401BC-B1D6-4DB5-A654-B955EA74410B}"/>
+              </a:ext>
+            </a:extLst>
+          </p:cNvPr>
+          <p:cNvSpPr>
+            <a:spLocks noGrp="1"/>
+          </p:cNvSpPr>
+          <p:nvPr>
+            <p:ph type="ftr" sz="quarter" idx="11"/>
+          </p:nvPr>
+        </p:nvSpPr>
+        <p:spPr/>
+        <p:txBody>
+          <a:bodyPr/>
+          <a:lstStyle/>
+          <a:p>
+            <a:r>
+              <a:rPr lang="en-US"/>
+              <a:t>https://github.com/chrisaberson/IntroStatsTutorials</a:t>
+            </a:r>
+            <a:endParaRPr lang="en-US" dirty="0"/>
+          </a:p>
+        </p:txBody>
+      </p:sp>
     </p:spTree>
     <p:extLst>
       <p:ext uri="{BB962C8B-B14F-4D97-AF65-F5344CB8AC3E}">
@@ -6710,7 +7048,36 @@
               <a:pPr/>
               <a:t>23</a:t>
             </a:fld>
-            <a:endParaRPr lang="en-US"/>
+            <a:endParaRPr lang="en-US" dirty="0"/>
+          </a:p>
+        </p:txBody>
+      </p:sp>
+      <p:sp>
+        <p:nvSpPr>
+          <p:cNvPr id="5" name="Footer Placeholder 4">
+            <a:extLst>
+              <a:ext uri="{FF2B5EF4-FFF2-40B4-BE49-F238E27FC236}">
+                <a16:creationId xmlns:a16="http://schemas.microsoft.com/office/drawing/2014/main" id="{900A8EDF-C1F4-40B9-8DD3-7D4681753676}"/>
+              </a:ext>
+            </a:extLst>
+          </p:cNvPr>
+          <p:cNvSpPr>
+            <a:spLocks noGrp="1"/>
+          </p:cNvSpPr>
+          <p:nvPr>
+            <p:ph type="ftr" sz="quarter" idx="11"/>
+          </p:nvPr>
+        </p:nvSpPr>
+        <p:spPr/>
+        <p:txBody>
+          <a:bodyPr/>
+          <a:lstStyle/>
+          <a:p>
+            <a:r>
+              <a:rPr lang="en-US"/>
+              <a:t>https://github.com/chrisaberson/IntroStatsTutorials</a:t>
+            </a:r>
+            <a:endParaRPr lang="en-US" dirty="0"/>
           </a:p>
         </p:txBody>
       </p:sp>
@@ -6844,7 +7211,36 @@
               <a:pPr/>
               <a:t>24</a:t>
             </a:fld>
-            <a:endParaRPr lang="en-US"/>
+            <a:endParaRPr lang="en-US" dirty="0"/>
+          </a:p>
+        </p:txBody>
+      </p:sp>
+      <p:sp>
+        <p:nvSpPr>
+          <p:cNvPr id="5" name="Footer Placeholder 4">
+            <a:extLst>
+              <a:ext uri="{FF2B5EF4-FFF2-40B4-BE49-F238E27FC236}">
+                <a16:creationId xmlns:a16="http://schemas.microsoft.com/office/drawing/2014/main" id="{66F842D1-2C45-47F1-9B20-F4D2FFE530C2}"/>
+              </a:ext>
+            </a:extLst>
+          </p:cNvPr>
+          <p:cNvSpPr>
+            <a:spLocks noGrp="1"/>
+          </p:cNvSpPr>
+          <p:nvPr>
+            <p:ph type="ftr" sz="quarter" idx="11"/>
+          </p:nvPr>
+        </p:nvSpPr>
+        <p:spPr/>
+        <p:txBody>
+          <a:bodyPr/>
+          <a:lstStyle/>
+          <a:p>
+            <a:r>
+              <a:rPr lang="en-US"/>
+              <a:t>https://github.com/chrisaberson/IntroStatsTutorials</a:t>
+            </a:r>
+            <a:endParaRPr lang="en-US" dirty="0"/>
           </a:p>
         </p:txBody>
       </p:sp>
@@ -6943,13 +7339,8 @@
           <a:p>
             <a:r>
               <a:rPr lang="en-US" dirty="0"/>
-              <a:t>Choose R Package using </a:t>
-            </a:r>
-            <a:r>
-              <a:rPr lang="en-US" dirty="0" err="1"/>
-              <a:t>devtools</a:t>
-            </a:r>
-            <a:endParaRPr lang="en-US" dirty="0"/>
+              <a:t>Choose R Package using devtools</a:t>
+            </a:r>
           </a:p>
           <a:p>
             <a:r>
@@ -7026,7 +7417,36 @@
               <a:rPr lang="en-US" smtClean="0"/>
               <a:t>25</a:t>
             </a:fld>
-            <a:endParaRPr lang="en-US"/>
+            <a:endParaRPr lang="en-US" dirty="0"/>
+          </a:p>
+        </p:txBody>
+      </p:sp>
+      <p:sp>
+        <p:nvSpPr>
+          <p:cNvPr id="6" name="Footer Placeholder 5">
+            <a:extLst>
+              <a:ext uri="{FF2B5EF4-FFF2-40B4-BE49-F238E27FC236}">
+                <a16:creationId xmlns:a16="http://schemas.microsoft.com/office/drawing/2014/main" id="{9A0D3935-BCDB-4F24-A533-07B6AAEB55EA}"/>
+              </a:ext>
+            </a:extLst>
+          </p:cNvPr>
+          <p:cNvSpPr>
+            <a:spLocks noGrp="1"/>
+          </p:cNvSpPr>
+          <p:nvPr>
+            <p:ph type="ftr" sz="quarter" idx="11"/>
+          </p:nvPr>
+        </p:nvSpPr>
+        <p:spPr/>
+        <p:txBody>
+          <a:bodyPr/>
+          <a:lstStyle/>
+          <a:p>
+            <a:r>
+              <a:rPr lang="en-US"/>
+              <a:t>https://github.com/chrisaberson/IntroStatsTutorials</a:t>
+            </a:r>
+            <a:endParaRPr lang="en-US" dirty="0"/>
           </a:p>
         </p:txBody>
       </p:sp>
@@ -7141,27 +7561,14 @@
             <a:pPr lvl="1"/>
             <a:r>
               <a:rPr lang="en-US" sz="3200" dirty="0"/>
-              <a:t>A directory called </a:t>
-            </a:r>
-            <a:r>
-              <a:rPr lang="en-US" sz="3200" dirty="0" err="1"/>
-              <a:t>inst</a:t>
-            </a:r>
-            <a:endParaRPr lang="en-US" sz="3200" dirty="0"/>
+              <a:t>A directory called inst</a:t>
+            </a:r>
           </a:p>
           <a:p>
             <a:pPr lvl="2"/>
             <a:r>
               <a:rPr lang="en-US" sz="2800" dirty="0"/>
-              <a:t>A subdirectory called tutorials, with another subdirectory for (each) tutorial - this is where your </a:t>
-            </a:r>
-            <a:r>
-              <a:rPr lang="en-US" sz="2800" dirty="0" err="1"/>
-              <a:t>rmd</a:t>
-            </a:r>
-            <a:r>
-              <a:rPr lang="en-US" sz="2800" dirty="0"/>
-              <a:t> files go</a:t>
+              <a:t>A subdirectory called tutorials, with another subdirectory for (each) tutorial - this is where your rmd files go</a:t>
             </a:r>
           </a:p>
           <a:p>
@@ -7198,7 +7605,36 @@
               <a:pPr/>
               <a:t>26</a:t>
             </a:fld>
-            <a:endParaRPr lang="en-US"/>
+            <a:endParaRPr lang="en-US" dirty="0"/>
+          </a:p>
+        </p:txBody>
+      </p:sp>
+      <p:sp>
+        <p:nvSpPr>
+          <p:cNvPr id="4" name="Footer Placeholder 3">
+            <a:extLst>
+              <a:ext uri="{FF2B5EF4-FFF2-40B4-BE49-F238E27FC236}">
+                <a16:creationId xmlns:a16="http://schemas.microsoft.com/office/drawing/2014/main" id="{B99A2BAA-F3A6-4D82-BDD6-3A4BE03D4B3F}"/>
+              </a:ext>
+            </a:extLst>
+          </p:cNvPr>
+          <p:cNvSpPr>
+            <a:spLocks noGrp="1"/>
+          </p:cNvSpPr>
+          <p:nvPr>
+            <p:ph type="ftr" sz="quarter" idx="11"/>
+          </p:nvPr>
+        </p:nvSpPr>
+        <p:spPr/>
+        <p:txBody>
+          <a:bodyPr/>
+          <a:lstStyle/>
+          <a:p>
+            <a:r>
+              <a:rPr lang="en-US"/>
+              <a:t>https://github.com/chrisaberson/IntroStatsTutorials</a:t>
+            </a:r>
+            <a:endParaRPr lang="en-US" dirty="0"/>
           </a:p>
         </p:txBody>
       </p:sp>
@@ -7315,7 +7751,36 @@
               <a:rPr lang="en-US" smtClean="0"/>
               <a:t>27</a:t>
             </a:fld>
-            <a:endParaRPr lang="en-US"/>
+            <a:endParaRPr lang="en-US" dirty="0"/>
+          </a:p>
+        </p:txBody>
+      </p:sp>
+      <p:sp>
+        <p:nvSpPr>
+          <p:cNvPr id="2" name="Footer Placeholder 1">
+            <a:extLst>
+              <a:ext uri="{FF2B5EF4-FFF2-40B4-BE49-F238E27FC236}">
+                <a16:creationId xmlns:a16="http://schemas.microsoft.com/office/drawing/2014/main" id="{A95A5A57-B984-4B94-B96F-AACB0516FABC}"/>
+              </a:ext>
+            </a:extLst>
+          </p:cNvPr>
+          <p:cNvSpPr>
+            <a:spLocks noGrp="1"/>
+          </p:cNvSpPr>
+          <p:nvPr>
+            <p:ph type="ftr" sz="quarter" idx="11"/>
+          </p:nvPr>
+        </p:nvSpPr>
+        <p:spPr/>
+        <p:txBody>
+          <a:bodyPr/>
+          <a:lstStyle/>
+          <a:p>
+            <a:r>
+              <a:rPr lang="en-US"/>
+              <a:t>https://github.com/chrisaberson/IntroStatsTutorials</a:t>
+            </a:r>
+            <a:endParaRPr lang="en-US" dirty="0"/>
           </a:p>
         </p:txBody>
       </p:sp>
@@ -7395,7 +7860,9 @@
         </p:nvSpPr>
         <p:spPr/>
         <p:txBody>
-          <a:bodyPr/>
+          <a:bodyPr>
+            <a:normAutofit lnSpcReduction="10000"/>
+          </a:bodyPr>
           <a:lstStyle/>
           <a:p>
             <a:pPr fontAlgn="base"/>
@@ -7408,84 +7875,35 @@
             <a:pPr lvl="1" fontAlgn="base"/>
             <a:r>
               <a:rPr lang="en-US" dirty="0"/>
-              <a:t>A file inside the R directory with the same name as your package (</a:t>
-            </a:r>
-            <a:r>
-              <a:rPr lang="en-US" dirty="0" err="1"/>
-              <a:t>packagename.R</a:t>
-            </a:r>
-            <a:r>
-              <a:rPr lang="en-US" dirty="0"/>
-              <a:t>). This provides some description and, if needed, where you specify packages used in the tutorial and various other pieces</a:t>
+              <a:t>A file inside the R directory with the same name as your package (packagename.R). This provides some description and, if needed, where you specify packages used in the tutorial and various other pieces</a:t>
             </a:r>
           </a:p>
           <a:p>
             <a:pPr lvl="1" fontAlgn="base"/>
             <a:r>
               <a:rPr lang="en-US" dirty="0"/>
-              <a:t>A file inside the R directory called </a:t>
-            </a:r>
-            <a:r>
-              <a:rPr lang="en-US" dirty="0" err="1"/>
-              <a:t>data.R</a:t>
-            </a:r>
-            <a:r>
-              <a:rPr lang="en-US" dirty="0"/>
-              <a:t> that describes your datafiles. Note: if you have large datasets, you might just want to subset these to the variables used in exercises as you have to define all the variables. You will get errors if you specify things wrong. </a:t>
+              <a:t>A file inside the R directory called data.R that describes your datafiles. Note: if you have large datasets, you might just want to subset these to the variables used in exercises as you have to define all the variables. You will get errors if you specify things wrong. </a:t>
             </a:r>
           </a:p>
           <a:p>
             <a:pPr lvl="1" fontAlgn="base"/>
             <a:r>
               <a:rPr lang="en-US" dirty="0"/>
-              <a:t>There will be a file generated in there called “</a:t>
-            </a:r>
-            <a:r>
-              <a:rPr lang="en-US" dirty="0" err="1"/>
-              <a:t>hello.R</a:t>
-            </a:r>
-            <a:r>
-              <a:rPr lang="en-US" dirty="0"/>
-              <a:t>” - delete that</a:t>
+              <a:t>There will be a file generated in there called “hello.R” - delete that</a:t>
             </a:r>
           </a:p>
           <a:p>
             <a:pPr lvl="1" fontAlgn="base"/>
             <a:r>
               <a:rPr lang="en-US" dirty="0"/>
-              <a:t>Go to </a:t>
-            </a:r>
-            <a:r>
-              <a:rPr lang="en-US" dirty="0" err="1"/>
-              <a:t>inst</a:t>
-            </a:r>
-            <a:r>
-              <a:rPr lang="en-US" dirty="0"/>
-              <a:t>/tutorials/</a:t>
-            </a:r>
-            <a:r>
-              <a:rPr lang="en-US" dirty="0" err="1"/>
-              <a:t>tutorialname</a:t>
-            </a:r>
-            <a:r>
-              <a:rPr lang="en-US" dirty="0"/>
-              <a:t> – put your markdown file (the tutorial) in that directory. If you have images, put those in </a:t>
-            </a:r>
-            <a:r>
-              <a:rPr lang="en-US" dirty="0" err="1"/>
-              <a:t>inst</a:t>
-            </a:r>
-            <a:r>
-              <a:rPr lang="en-US" dirty="0"/>
-              <a:t>/tutorials/</a:t>
-            </a:r>
-            <a:r>
-              <a:rPr lang="en-US" dirty="0" err="1"/>
-              <a:t>tutorialname</a:t>
-            </a:r>
-            <a:r>
-              <a:rPr lang="en-US" dirty="0"/>
-              <a:t>/images</a:t>
+              <a:t>Go to inst/tutorials/tutorialname – put your markdown file (the tutorial) in that directory. If you have images, put those in inst/tutorials/tutorialname/images</a:t>
+            </a:r>
+          </a:p>
+          <a:p>
+            <a:pPr lvl="1" fontAlgn="base"/>
+            <a:r>
+              <a:rPr lang="en-US" dirty="0"/>
+              <a:t>Put datafiles in the data directory</a:t>
             </a:r>
           </a:p>
           <a:p>
@@ -7522,7 +7940,36 @@
               <a:pPr/>
               <a:t>28</a:t>
             </a:fld>
-            <a:endParaRPr lang="en-US"/>
+            <a:endParaRPr lang="en-US" dirty="0"/>
+          </a:p>
+        </p:txBody>
+      </p:sp>
+      <p:sp>
+        <p:nvSpPr>
+          <p:cNvPr id="5" name="Footer Placeholder 4">
+            <a:extLst>
+              <a:ext uri="{FF2B5EF4-FFF2-40B4-BE49-F238E27FC236}">
+                <a16:creationId xmlns:a16="http://schemas.microsoft.com/office/drawing/2014/main" id="{E6273589-D19D-4000-B294-6E3CF098F0C6}"/>
+              </a:ext>
+            </a:extLst>
+          </p:cNvPr>
+          <p:cNvSpPr>
+            <a:spLocks noGrp="1"/>
+          </p:cNvSpPr>
+          <p:nvPr>
+            <p:ph type="ftr" sz="quarter" idx="11"/>
+          </p:nvPr>
+        </p:nvSpPr>
+        <p:spPr/>
+        <p:txBody>
+          <a:bodyPr/>
+          <a:lstStyle/>
+          <a:p>
+            <a:r>
+              <a:rPr lang="en-US"/>
+              <a:t>https://github.com/chrisaberson/IntroStatsTutorials</a:t>
+            </a:r>
+            <a:endParaRPr lang="en-US" dirty="0"/>
           </a:p>
         </p:txBody>
       </p:sp>
@@ -7579,15 +8026,7 @@
           <a:p>
             <a:r>
               <a:rPr lang="en-US" dirty="0"/>
-              <a:t>Making a Package (</a:t>
-            </a:r>
-            <a:r>
-              <a:rPr lang="en-US" dirty="0" err="1"/>
-              <a:t>data.R</a:t>
-            </a:r>
-            <a:r>
-              <a:rPr lang="en-US" dirty="0"/>
-              <a:t>)</a:t>
+              <a:t>Making a Package (data.R)</a:t>
             </a:r>
           </a:p>
         </p:txBody>
@@ -7755,7 +8194,7 @@
             </a:pPr>
             <a:r>
               <a:rPr lang="en-US" sz="3700" b="1" dirty="0"/>
-              <a:t>#'</a:t>
+              <a:t>#’ }</a:t>
             </a:r>
           </a:p>
           <a:p>
@@ -7806,15 +8245,7 @@
           <a:p>
             <a:r>
               <a:rPr lang="en-US" sz="2400" dirty="0"/>
-              <a:t>Every line is preceded with #’ (I believe that’s a </a:t>
-            </a:r>
-            <a:r>
-              <a:rPr lang="en-US" sz="2400" dirty="0" err="1"/>
-              <a:t>devtools</a:t>
-            </a:r>
-            <a:r>
-              <a:rPr lang="en-US" sz="2400" dirty="0"/>
-              <a:t> or roxygen2 specification)</a:t>
+              <a:t>Every line is preceded with #’ (I believe that’s a devtools or roxygen2 specification)</a:t>
             </a:r>
           </a:p>
           <a:p>
@@ -7868,7 +8299,36 @@
               <a:rPr lang="en-US" smtClean="0"/>
               <a:t>29</a:t>
             </a:fld>
-            <a:endParaRPr lang="en-US"/>
+            <a:endParaRPr lang="en-US" dirty="0"/>
+          </a:p>
+        </p:txBody>
+      </p:sp>
+      <p:sp>
+        <p:nvSpPr>
+          <p:cNvPr id="6" name="Footer Placeholder 5">
+            <a:extLst>
+              <a:ext uri="{FF2B5EF4-FFF2-40B4-BE49-F238E27FC236}">
+                <a16:creationId xmlns:a16="http://schemas.microsoft.com/office/drawing/2014/main" id="{1BAF49FC-5C51-49FC-BACD-A904B8F151E9}"/>
+              </a:ext>
+            </a:extLst>
+          </p:cNvPr>
+          <p:cNvSpPr>
+            <a:spLocks noGrp="1"/>
+          </p:cNvSpPr>
+          <p:nvPr>
+            <p:ph type="ftr" sz="quarter" idx="11"/>
+          </p:nvPr>
+        </p:nvSpPr>
+        <p:spPr/>
+        <p:txBody>
+          <a:bodyPr/>
+          <a:lstStyle/>
+          <a:p>
+            <a:r>
+              <a:rPr lang="en-US"/>
+              <a:t>https://github.com/chrisaberson/IntroStatsTutorials</a:t>
+            </a:r>
+            <a:endParaRPr lang="en-US" dirty="0"/>
           </a:p>
         </p:txBody>
       </p:sp>
@@ -7924,10 +8384,9 @@
           <a:lstStyle/>
           <a:p>
             <a:r>
-              <a:rPr lang="en-US" dirty="0" err="1"/>
+              <a:rPr lang="en-US" dirty="0"/>
               <a:t>learnr</a:t>
             </a:r>
-            <a:endParaRPr lang="en-US" dirty="0"/>
           </a:p>
         </p:txBody>
       </p:sp>
@@ -7953,12 +8412,8 @@
           <a:lstStyle/>
           <a:p>
             <a:r>
-              <a:rPr lang="en-US" dirty="0" err="1"/>
-              <a:t>learnr</a:t>
-            </a:r>
-            <a:r>
-              <a:rPr lang="en-US" dirty="0"/>
-              <a:t> is developed by members of the RStudio team to provide an easy-to-use (relatively) approach to building interactive tutorials</a:t>
+              <a:rPr lang="en-US" dirty="0"/>
+              <a:t>learnr is developed by members of the RStudio team to provide an easy-to-use (relatively) approach to building interactive tutorials</a:t>
             </a:r>
           </a:p>
           <a:p>
@@ -7969,26 +8424,14 @@
           </a:p>
           <a:p>
             <a:r>
-              <a:rPr lang="en-US" dirty="0" err="1"/>
-              <a:t>learnr</a:t>
-            </a:r>
-            <a:r>
-              <a:rPr lang="en-US" dirty="0"/>
-              <a:t> tutorials are shiny apps but you don’t have to know anything about building shiny apps to develop them</a:t>
-            </a:r>
-          </a:p>
-          <a:p>
-            <a:r>
-              <a:rPr lang="en-US" dirty="0"/>
-              <a:t>(Tour of a </a:t>
-            </a:r>
-            <a:r>
-              <a:rPr lang="en-US" dirty="0" err="1"/>
-              <a:t>learnr</a:t>
-            </a:r>
-            <a:r>
-              <a:rPr lang="en-US" dirty="0"/>
-              <a:t> tutorial/Markdown file)</a:t>
+              <a:rPr lang="en-US" dirty="0"/>
+              <a:t>learnr tutorials are shiny apps but you don’t have to know anything about building shiny apps to develop them</a:t>
+            </a:r>
+          </a:p>
+          <a:p>
+            <a:r>
+              <a:rPr lang="en-US" dirty="0"/>
+              <a:t>(Tour of a learnr tutorial/Markdown file)</a:t>
             </a:r>
           </a:p>
           <a:p>
@@ -8025,7 +8468,36 @@
               <a:pPr/>
               <a:t>3</a:t>
             </a:fld>
-            <a:endParaRPr lang="en-US"/>
+            <a:endParaRPr lang="en-US" dirty="0"/>
+          </a:p>
+        </p:txBody>
+      </p:sp>
+      <p:sp>
+        <p:nvSpPr>
+          <p:cNvPr id="5" name="Footer Placeholder 4">
+            <a:extLst>
+              <a:ext uri="{FF2B5EF4-FFF2-40B4-BE49-F238E27FC236}">
+                <a16:creationId xmlns:a16="http://schemas.microsoft.com/office/drawing/2014/main" id="{0F8354B3-534C-4F9D-83AB-39CB87C29092}"/>
+              </a:ext>
+            </a:extLst>
+          </p:cNvPr>
+          <p:cNvSpPr>
+            <a:spLocks noGrp="1"/>
+          </p:cNvSpPr>
+          <p:nvPr>
+            <p:ph type="ftr" sz="quarter" idx="11"/>
+          </p:nvPr>
+        </p:nvSpPr>
+        <p:spPr/>
+        <p:txBody>
+          <a:bodyPr/>
+          <a:lstStyle/>
+          <a:p>
+            <a:r>
+              <a:rPr lang="en-US"/>
+              <a:t>https://github.com/chrisaberson/IntroStatsTutorials</a:t>
+            </a:r>
+            <a:endParaRPr lang="en-US" dirty="0"/>
           </a:p>
         </p:txBody>
       </p:sp>
@@ -8082,15 +8554,7 @@
           <a:p>
             <a:r>
               <a:rPr lang="en-US" dirty="0"/>
-              <a:t>Making a Package (</a:t>
-            </a:r>
-            <a:r>
-              <a:rPr lang="en-US" dirty="0" err="1"/>
-              <a:t>packagename.R</a:t>
-            </a:r>
-            <a:r>
-              <a:rPr lang="en-US" dirty="0"/>
-              <a:t>)</a:t>
+              <a:t>Making a Package (packagename.R)</a:t>
             </a:r>
           </a:p>
         </p:txBody>
@@ -8177,37 +8641,8 @@
             </a:pPr>
             <a:r>
               <a:rPr lang="en-US" dirty="0"/>
-              <a:t>#' @import ggplot2 car </a:t>
-            </a:r>
-            <a:r>
-              <a:rPr lang="en-US" dirty="0" err="1"/>
-              <a:t>lsr</a:t>
-            </a:r>
-            <a:r>
-              <a:rPr lang="en-US" dirty="0"/>
-              <a:t> </a:t>
-            </a:r>
-            <a:r>
-              <a:rPr lang="en-US" dirty="0" err="1"/>
-              <a:t>apaTables</a:t>
-            </a:r>
-            <a:r>
-              <a:rPr lang="en-US" dirty="0"/>
-              <a:t> </a:t>
-            </a:r>
-            <a:r>
-              <a:rPr lang="en-US" dirty="0" err="1"/>
-              <a:t>BayesFactor</a:t>
-            </a:r>
-            <a:r>
-              <a:rPr lang="en-US" dirty="0"/>
-              <a:t> </a:t>
-            </a:r>
-            <a:r>
-              <a:rPr lang="en-US" dirty="0" err="1"/>
-              <a:t>tidyverse</a:t>
-            </a:r>
-            <a:endParaRPr lang="en-US" dirty="0"/>
+              <a:t>#' @import ggplot2 car lsr apaTables BayesFactor tidyverse</a:t>
+            </a:r>
           </a:p>
           <a:p>
             <a:pPr marL="0" indent="0">
@@ -8224,13 +8659,8 @@
             </a:pPr>
             <a:r>
               <a:rPr lang="en-US" dirty="0"/>
-              <a:t>#' @name </a:t>
-            </a:r>
-            <a:r>
-              <a:rPr lang="en-US" dirty="0" err="1"/>
-              <a:t>IntroTutorials</a:t>
-            </a:r>
-            <a:endParaRPr lang="en-US" dirty="0"/>
+              <a:t>#' @name IntroTutorials</a:t>
+            </a:r>
           </a:p>
           <a:p>
             <a:pPr marL="0" indent="0">
@@ -8349,7 +8779,36 @@
               <a:rPr lang="en-US" smtClean="0"/>
               <a:t>30</a:t>
             </a:fld>
-            <a:endParaRPr lang="en-US"/>
+            <a:endParaRPr lang="en-US" dirty="0"/>
+          </a:p>
+        </p:txBody>
+      </p:sp>
+      <p:sp>
+        <p:nvSpPr>
+          <p:cNvPr id="6" name="Footer Placeholder 5">
+            <a:extLst>
+              <a:ext uri="{FF2B5EF4-FFF2-40B4-BE49-F238E27FC236}">
+                <a16:creationId xmlns:a16="http://schemas.microsoft.com/office/drawing/2014/main" id="{6432F053-D036-46A6-BA77-EF6F457BF022}"/>
+              </a:ext>
+            </a:extLst>
+          </p:cNvPr>
+          <p:cNvSpPr>
+            <a:spLocks noGrp="1"/>
+          </p:cNvSpPr>
+          <p:nvPr>
+            <p:ph type="ftr" sz="quarter" idx="11"/>
+          </p:nvPr>
+        </p:nvSpPr>
+        <p:spPr/>
+        <p:txBody>
+          <a:bodyPr/>
+          <a:lstStyle/>
+          <a:p>
+            <a:r>
+              <a:rPr lang="en-US"/>
+              <a:t>https://github.com/chrisaberson/IntroStatsTutorials</a:t>
+            </a:r>
+            <a:endParaRPr lang="en-US" dirty="0"/>
           </a:p>
         </p:txBody>
       </p:sp>
@@ -8522,7 +8981,36 @@
               <a:rPr lang="en-US" smtClean="0"/>
               <a:t>31</a:t>
             </a:fld>
-            <a:endParaRPr lang="en-US"/>
+            <a:endParaRPr lang="en-US" dirty="0"/>
+          </a:p>
+        </p:txBody>
+      </p:sp>
+      <p:sp>
+        <p:nvSpPr>
+          <p:cNvPr id="6" name="Footer Placeholder 5">
+            <a:extLst>
+              <a:ext uri="{FF2B5EF4-FFF2-40B4-BE49-F238E27FC236}">
+                <a16:creationId xmlns:a16="http://schemas.microsoft.com/office/drawing/2014/main" id="{3F901F37-B66D-4F8A-8601-A92628B90A04}"/>
+              </a:ext>
+            </a:extLst>
+          </p:cNvPr>
+          <p:cNvSpPr>
+            <a:spLocks noGrp="1"/>
+          </p:cNvSpPr>
+          <p:nvPr>
+            <p:ph type="ftr" sz="quarter" idx="11"/>
+          </p:nvPr>
+        </p:nvSpPr>
+        <p:spPr/>
+        <p:txBody>
+          <a:bodyPr/>
+          <a:lstStyle/>
+          <a:p>
+            <a:r>
+              <a:rPr lang="en-US"/>
+              <a:t>https://github.com/chrisaberson/IntroStatsTutorials</a:t>
+            </a:r>
+            <a:endParaRPr lang="en-US" dirty="0"/>
           </a:p>
         </p:txBody>
       </p:sp>
@@ -8579,7 +9067,7 @@
           <a:p>
             <a:r>
               <a:rPr lang="en-US" dirty="0"/>
-              <a:t>Making a Package (NAMESPACE)</a:t>
+              <a:t>Making a Package (DESCRIPTION)</a:t>
             </a:r>
           </a:p>
         </p:txBody>
@@ -8603,72 +9091,44 @@
         <p:spPr/>
         <p:txBody>
           <a:bodyPr>
-            <a:normAutofit fontScale="92500" lnSpcReduction="10000"/>
+            <a:normAutofit/>
           </a:bodyPr>
           <a:lstStyle/>
           <a:p>
             <a:r>
               <a:rPr lang="en-US" dirty="0"/>
-              <a:t>Every package has a file called NAMESPACE</a:t>
-            </a:r>
-          </a:p>
-          <a:p>
-            <a:r>
-              <a:rPr lang="en-US" dirty="0"/>
-              <a:t>This file controls stuff like the packages that get installed and loaded automatically</a:t>
-            </a:r>
-          </a:p>
-          <a:p>
-            <a:r>
-              <a:rPr lang="en-US" dirty="0"/>
-              <a:t>Building the package makes a NAMESPACE but it is blank</a:t>
-            </a:r>
-          </a:p>
-          <a:p>
-            <a:r>
-              <a:rPr lang="en-US" dirty="0" err="1"/>
-              <a:t>devtools</a:t>
-            </a:r>
-            <a:r>
-              <a:rPr lang="en-US" dirty="0"/>
-              <a:t>::document() is a command developed to make building the NAMESPACE simple</a:t>
-            </a:r>
-          </a:p>
-          <a:p>
-            <a:r>
-              <a:rPr lang="en-US" dirty="0"/>
-              <a:t>Simply type </a:t>
-            </a:r>
-            <a:r>
-              <a:rPr lang="en-US" dirty="0" err="1"/>
-              <a:t>devtools</a:t>
-            </a:r>
-            <a:r>
-              <a:rPr lang="en-US" dirty="0"/>
-              <a:t>::document() with your project open</a:t>
-            </a:r>
-          </a:p>
-          <a:p>
-            <a:r>
-              <a:rPr lang="en-US" dirty="0"/>
-              <a:t>Document is a quick way for the NAMESPACE to reflect what we specified in the </a:t>
-            </a:r>
-            <a:r>
-              <a:rPr lang="en-US" dirty="0" err="1"/>
-              <a:t>packagename.R</a:t>
-            </a:r>
-            <a:r>
-              <a:rPr lang="en-US" dirty="0"/>
-              <a:t> file (when we indicated imports)</a:t>
-            </a:r>
-          </a:p>
-          <a:p>
-            <a:r>
-              <a:rPr lang="en-US" dirty="0"/>
-              <a:t>Note: this also generates help files (not useful here but a massive time saver if you are making a package for distribution on CRAN) </a:t>
-            </a:r>
-          </a:p>
-          <a:p>
+              <a:t>Every package has a file called DESCRIPTION</a:t>
+            </a:r>
+          </a:p>
+          <a:p>
+            <a:r>
+              <a:rPr lang="en-US" dirty="0"/>
+              <a:t>Includes basic package information and imports</a:t>
+            </a:r>
+          </a:p>
+          <a:p>
+            <a:r>
+              <a:rPr lang="en-US" dirty="0"/>
+              <a:t>Automatically generates file with spots for you to fill information</a:t>
+            </a:r>
+          </a:p>
+          <a:p>
+            <a:r>
+              <a:rPr lang="en-US" dirty="0"/>
+              <a:t>Don’t worry about license if you are not distributing</a:t>
+            </a:r>
+          </a:p>
+          <a:p>
+            <a:pPr lvl="1"/>
+            <a:r>
+              <a:rPr lang="en-US" dirty="0"/>
+              <a:t>If distributing, I use GPL (&gt;=3). This is the “General Public License” – it basically means people can use your stuff </a:t>
+            </a:r>
+          </a:p>
+          <a:p>
+            <a:pPr marL="0" indent="0">
+              <a:buNone/>
+            </a:pPr>
             <a:endParaRPr lang="en-US" dirty="0"/>
           </a:p>
           <a:p>
@@ -8702,14 +9162,43 @@
               <a:pPr/>
               <a:t>32</a:t>
             </a:fld>
-            <a:endParaRPr lang="en-US"/>
+            <a:endParaRPr lang="en-US" dirty="0"/>
+          </a:p>
+        </p:txBody>
+      </p:sp>
+      <p:sp>
+        <p:nvSpPr>
+          <p:cNvPr id="4" name="Footer Placeholder 3">
+            <a:extLst>
+              <a:ext uri="{FF2B5EF4-FFF2-40B4-BE49-F238E27FC236}">
+                <a16:creationId xmlns:a16="http://schemas.microsoft.com/office/drawing/2014/main" id="{03549B76-CDB5-4E60-BEE2-AD01D2DFC186}"/>
+              </a:ext>
+            </a:extLst>
+          </p:cNvPr>
+          <p:cNvSpPr>
+            <a:spLocks noGrp="1"/>
+          </p:cNvSpPr>
+          <p:nvPr>
+            <p:ph type="ftr" sz="quarter" idx="11"/>
+          </p:nvPr>
+        </p:nvSpPr>
+        <p:spPr/>
+        <p:txBody>
+          <a:bodyPr/>
+          <a:lstStyle/>
+          <a:p>
+            <a:r>
+              <a:rPr lang="en-US"/>
+              <a:t>https://github.com/chrisaberson/IntroStatsTutorials</a:t>
+            </a:r>
+            <a:endParaRPr lang="en-US" dirty="0"/>
           </a:p>
         </p:txBody>
       </p:sp>
     </p:spTree>
     <p:extLst>
       <p:ext uri="{BB962C8B-B14F-4D97-AF65-F5344CB8AC3E}">
-        <p14:creationId xmlns:p14="http://schemas.microsoft.com/office/powerpoint/2010/main" val="1153453942"/>
+        <p14:creationId xmlns:p14="http://schemas.microsoft.com/office/powerpoint/2010/main" val="806554879"/>
       </p:ext>
     </p:extLst>
   </p:cSld>
@@ -8741,7 +9230,7 @@
           <p:cNvPr id="2" name="Title 1">
             <a:extLst>
               <a:ext uri="{FF2B5EF4-FFF2-40B4-BE49-F238E27FC236}">
-                <a16:creationId xmlns:a16="http://schemas.microsoft.com/office/drawing/2014/main" id="{550A590D-CBDA-4F3C-AE59-B71CFE240CC9}"/>
+                <a16:creationId xmlns:a16="http://schemas.microsoft.com/office/drawing/2014/main" id="{2430F988-C7A9-42D5-B43D-E970B4764101}"/>
               </a:ext>
             </a:extLst>
           </p:cNvPr>
@@ -8759,7 +9248,7 @@
           <a:p>
             <a:r>
               <a:rPr lang="en-US" dirty="0"/>
-              <a:t>What the NAMESPACE should look like</a:t>
+              <a:t>DESCRIPTION file content</a:t>
             </a:r>
           </a:p>
         </p:txBody>
@@ -8769,7 +9258,7 @@
           <p:cNvPr id="3" name="Content Placeholder 2">
             <a:extLst>
               <a:ext uri="{FF2B5EF4-FFF2-40B4-BE49-F238E27FC236}">
-                <a16:creationId xmlns:a16="http://schemas.microsoft.com/office/drawing/2014/main" id="{70D8E65C-592C-46B1-B441-FFD5CFAD95CE}"/>
+                <a16:creationId xmlns:a16="http://schemas.microsoft.com/office/drawing/2014/main" id="{724A70A5-3A69-46E9-85A9-A3C34E82C6F4}"/>
               </a:ext>
             </a:extLst>
           </p:cNvPr>
@@ -8780,40 +9269,42 @@
             <p:ph idx="1"/>
           </p:nvPr>
         </p:nvSpPr>
-        <p:spPr/>
-        <p:txBody>
-          <a:bodyPr/>
+        <p:spPr>
+          <a:xfrm>
+            <a:off x="838200" y="1825625"/>
+            <a:ext cx="10515600" cy="4771118"/>
+          </a:xfrm>
+        </p:spPr>
+        <p:txBody>
+          <a:bodyPr>
+            <a:normAutofit fontScale="25000" lnSpcReduction="20000"/>
+          </a:bodyPr>
           <a:lstStyle/>
           <a:p>
             <a:pPr marL="0" indent="0">
               <a:buNone/>
             </a:pPr>
             <a:r>
-              <a:rPr lang="en-US" dirty="0"/>
-              <a:t># Generated by roxygen2: do not edit by hand</a:t>
+              <a:rPr lang="en-US" sz="5600" dirty="0"/>
+              <a:t>Package: IntroStatsTutorials</a:t>
             </a:r>
           </a:p>
           <a:p>
             <a:pPr marL="0" indent="0">
               <a:buNone/>
             </a:pPr>
-            <a:endParaRPr lang="en-US" dirty="0"/>
+            <a:r>
+              <a:rPr lang="en-US" sz="5600" dirty="0"/>
+              <a:t>Title: Tutorials for Intro Statistics</a:t>
+            </a:r>
           </a:p>
           <a:p>
             <a:pPr marL="0" indent="0">
               <a:buNone/>
             </a:pPr>
             <a:r>
-              <a:rPr lang="en-US" dirty="0"/>
-              <a:t>import(</a:t>
-            </a:r>
-            <a:r>
-              <a:rPr lang="en-US" dirty="0" err="1"/>
-              <a:t>BayesFactor</a:t>
-            </a:r>
-            <a:r>
-              <a:rPr lang="en-US" dirty="0"/>
-              <a:t>)</a:t>
+              <a:rPr lang="en-US" sz="5600" dirty="0"/>
+              <a:t>Version: 0.0.0.9000</a:t>
             </a:r>
           </a:p>
           <a:p>
@@ -8821,16 +9312,8 @@
               <a:buNone/>
             </a:pPr>
             <a:r>
-              <a:rPr lang="en-US" dirty="0"/>
-              <a:t>import(</a:t>
-            </a:r>
-            <a:r>
-              <a:rPr lang="en-US" dirty="0" err="1"/>
-              <a:t>apaTables</a:t>
-            </a:r>
-            <a:r>
-              <a:rPr lang="en-US" dirty="0"/>
-              <a:t>)</a:t>
+              <a:rPr lang="en-US" sz="5600" dirty="0"/>
+              <a:t>Authors@R: </a:t>
             </a:r>
           </a:p>
           <a:p>
@@ -8838,8 +9321,8 @@
               <a:buNone/>
             </a:pPr>
             <a:r>
-              <a:rPr lang="en-US" dirty="0"/>
-              <a:t>import(car)</a:t>
+              <a:rPr lang="en-US" sz="5600" dirty="0"/>
+              <a:t>    person(given = "Chris",</a:t>
             </a:r>
           </a:p>
           <a:p>
@@ -8847,8 +9330,8 @@
               <a:buNone/>
             </a:pPr>
             <a:r>
-              <a:rPr lang="en-US" dirty="0"/>
-              <a:t>import(ggplot2)</a:t>
+              <a:rPr lang="en-US" sz="5600" dirty="0"/>
+              <a:t>           family = "Aberson",</a:t>
             </a:r>
           </a:p>
           <a:p>
@@ -8856,16 +9339,8 @@
               <a:buNone/>
             </a:pPr>
             <a:r>
-              <a:rPr lang="en-US" dirty="0"/>
-              <a:t>import(</a:t>
-            </a:r>
-            <a:r>
-              <a:rPr lang="en-US" dirty="0" err="1"/>
-              <a:t>lsr</a:t>
-            </a:r>
-            <a:r>
-              <a:rPr lang="en-US" dirty="0"/>
-              <a:t>)</a:t>
+              <a:rPr lang="en-US" sz="5600" dirty="0"/>
+              <a:t>           role = c("aut", "cre"),</a:t>
             </a:r>
           </a:p>
           <a:p>
@@ -8873,22 +9348,92 @@
               <a:buNone/>
             </a:pPr>
             <a:r>
-              <a:rPr lang="en-US" dirty="0"/>
-              <a:t>import(</a:t>
-            </a:r>
-            <a:r>
-              <a:rPr lang="en-US" dirty="0" err="1"/>
-              <a:t>tidyverse</a:t>
-            </a:r>
-            <a:r>
-              <a:rPr lang="en-US" dirty="0"/>
-              <a:t>)</a:t>
+              <a:rPr lang="en-US" sz="5600" dirty="0"/>
+              <a:t>           email = "cla18@humboldt.edu",</a:t>
             </a:r>
           </a:p>
           <a:p>
             <a:pPr marL="0" indent="0">
               <a:buNone/>
             </a:pPr>
+            <a:r>
+              <a:rPr lang="en-US" sz="5600" dirty="0"/>
+              <a:t>           comment = c(ORCID = "orcid.org/0000-0003-3481-7177"))</a:t>
+            </a:r>
+          </a:p>
+          <a:p>
+            <a:pPr marL="0" indent="0">
+              <a:buNone/>
+            </a:pPr>
+            <a:r>
+              <a:rPr lang="en-US" sz="5600" dirty="0"/>
+              <a:t>Description: Intro Statistics Tutorials.</a:t>
+            </a:r>
+          </a:p>
+          <a:p>
+            <a:pPr marL="0" indent="0">
+              <a:buNone/>
+            </a:pPr>
+            <a:r>
+              <a:rPr lang="en-US" sz="5600" dirty="0"/>
+              <a:t>License: GPL (&gt;= 3)</a:t>
+            </a:r>
+          </a:p>
+          <a:p>
+            <a:pPr marL="0" indent="0">
+              <a:buNone/>
+            </a:pPr>
+            <a:r>
+              <a:rPr lang="en-US" sz="5600" dirty="0"/>
+              <a:t>Encoding: UTF-8</a:t>
+            </a:r>
+          </a:p>
+          <a:p>
+            <a:pPr marL="0" indent="0">
+              <a:buNone/>
+            </a:pPr>
+            <a:r>
+              <a:rPr lang="en-US" sz="5600" dirty="0"/>
+              <a:t>LazyData: true</a:t>
+            </a:r>
+          </a:p>
+          <a:p>
+            <a:pPr marL="0" indent="0">
+              <a:buNone/>
+            </a:pPr>
+            <a:r>
+              <a:rPr lang="en-US" sz="5600" dirty="0"/>
+              <a:t>Roxygen: list(markdown = TRUE)</a:t>
+            </a:r>
+          </a:p>
+          <a:p>
+            <a:pPr marL="0" indent="0">
+              <a:buNone/>
+            </a:pPr>
+            <a:r>
+              <a:rPr lang="en-US" sz="5600" dirty="0"/>
+              <a:t>RoxygenNote: 7.1.0</a:t>
+            </a:r>
+          </a:p>
+          <a:p>
+            <a:pPr marL="0" indent="0">
+              <a:buNone/>
+            </a:pPr>
+            <a:r>
+              <a:rPr lang="en-US" sz="5600" dirty="0"/>
+              <a:t>Imports: </a:t>
+            </a:r>
+          </a:p>
+          <a:p>
+            <a:pPr marL="0" indent="0">
+              <a:buNone/>
+            </a:pPr>
+            <a:r>
+              <a:rPr lang="en-US" sz="5600" dirty="0"/>
+              <a:t>    car, ggplot2, lsr</a:t>
+            </a:r>
+          </a:p>
+          <a:p>
             <a:endParaRPr lang="en-US" dirty="0"/>
           </a:p>
         </p:txBody>
@@ -8898,7 +9443,7 @@
           <p:cNvPr id="4" name="Slide Number Placeholder 3">
             <a:extLst>
               <a:ext uri="{FF2B5EF4-FFF2-40B4-BE49-F238E27FC236}">
-                <a16:creationId xmlns:a16="http://schemas.microsoft.com/office/drawing/2014/main" id="{0810E1CF-D951-4229-9D94-F4E0E0220981}"/>
+                <a16:creationId xmlns:a16="http://schemas.microsoft.com/office/drawing/2014/main" id="{F21C7C97-1422-4A61-AAE9-78C4505CDAE4}"/>
               </a:ext>
             </a:extLst>
           </p:cNvPr>
@@ -8919,14 +9464,43 @@
               <a:pPr/>
               <a:t>33</a:t>
             </a:fld>
-            <a:endParaRPr lang="en-US"/>
+            <a:endParaRPr lang="en-US" dirty="0"/>
+          </a:p>
+        </p:txBody>
+      </p:sp>
+      <p:sp>
+        <p:nvSpPr>
+          <p:cNvPr id="5" name="Footer Placeholder 4">
+            <a:extLst>
+              <a:ext uri="{FF2B5EF4-FFF2-40B4-BE49-F238E27FC236}">
+                <a16:creationId xmlns:a16="http://schemas.microsoft.com/office/drawing/2014/main" id="{688FDB50-34FF-4DBE-9CA3-DEF3BF22C314}"/>
+              </a:ext>
+            </a:extLst>
+          </p:cNvPr>
+          <p:cNvSpPr>
+            <a:spLocks noGrp="1"/>
+          </p:cNvSpPr>
+          <p:nvPr>
+            <p:ph type="ftr" sz="quarter" idx="11"/>
+          </p:nvPr>
+        </p:nvSpPr>
+        <p:spPr/>
+        <p:txBody>
+          <a:bodyPr/>
+          <a:lstStyle/>
+          <a:p>
+            <a:r>
+              <a:rPr lang="en-US"/>
+              <a:t>https://github.com/chrisaberson/IntroStatsTutorials</a:t>
+            </a:r>
+            <a:endParaRPr lang="en-US" dirty="0"/>
           </a:p>
         </p:txBody>
       </p:sp>
     </p:spTree>
     <p:extLst>
       <p:ext uri="{BB962C8B-B14F-4D97-AF65-F5344CB8AC3E}">
-        <p14:creationId xmlns:p14="http://schemas.microsoft.com/office/powerpoint/2010/main" val="900714611"/>
+        <p14:creationId xmlns:p14="http://schemas.microsoft.com/office/powerpoint/2010/main" val="3552941420"/>
       </p:ext>
     </p:extLst>
   </p:cSld>
@@ -8958,7 +9532,7 @@
           <p:cNvPr id="2" name="Title 1">
             <a:extLst>
               <a:ext uri="{FF2B5EF4-FFF2-40B4-BE49-F238E27FC236}">
-                <a16:creationId xmlns:a16="http://schemas.microsoft.com/office/drawing/2014/main" id="{856FEA97-9729-4FE6-A644-423EC05D74ED}"/>
+                <a16:creationId xmlns:a16="http://schemas.microsoft.com/office/drawing/2014/main" id="{AAB5B6E2-9D62-406C-9294-EDE1F89DF602}"/>
               </a:ext>
             </a:extLst>
           </p:cNvPr>
@@ -8976,17 +9550,17 @@
           <a:p>
             <a:r>
               <a:rPr lang="en-US" dirty="0"/>
-              <a:t>Package Distribution</a:t>
-            </a:r>
-          </a:p>
-        </p:txBody>
-      </p:sp>
-      <p:sp>
-        <p:nvSpPr>
-          <p:cNvPr id="3" name="Content Placeholder 2">
-            <a:extLst>
-              <a:ext uri="{FF2B5EF4-FFF2-40B4-BE49-F238E27FC236}">
-                <a16:creationId xmlns:a16="http://schemas.microsoft.com/office/drawing/2014/main" id="{204EAA18-7CFF-4820-A1AD-83223B749A72}"/>
+              <a:t>Making a Package (NAMESPACE)</a:t>
+            </a:r>
+          </a:p>
+        </p:txBody>
+      </p:sp>
+      <p:sp>
+        <p:nvSpPr>
+          <p:cNvPr id="5" name="Content Placeholder 4">
+            <a:extLst>
+              <a:ext uri="{FF2B5EF4-FFF2-40B4-BE49-F238E27FC236}">
+                <a16:creationId xmlns:a16="http://schemas.microsoft.com/office/drawing/2014/main" id="{40CC863B-77F5-48FB-9636-9636DCE23AE6}"/>
               </a:ext>
             </a:extLst>
           </p:cNvPr>
@@ -8999,64 +9573,66 @@
         </p:nvSpPr>
         <p:spPr/>
         <p:txBody>
-          <a:bodyPr/>
-          <a:lstStyle/>
-          <a:p>
-            <a:r>
-              <a:rPr lang="en-US" dirty="0"/>
-              <a:t>Easy way – Build a source file, post to canvas</a:t>
-            </a:r>
-          </a:p>
-          <a:p>
-            <a:r>
-              <a:rPr lang="en-US" dirty="0"/>
-              <a:t>Hard way – </a:t>
-            </a:r>
-            <a:r>
-              <a:rPr lang="en-US" dirty="0" err="1"/>
-              <a:t>Github</a:t>
-            </a:r>
-            <a:endParaRPr lang="en-US" dirty="0"/>
-          </a:p>
-          <a:p>
-            <a:r>
-              <a:rPr lang="en-US" dirty="0"/>
-              <a:t>Source file has the advantage of simplicity</a:t>
-            </a:r>
-          </a:p>
-          <a:p>
-            <a:r>
-              <a:rPr lang="en-US" dirty="0" err="1"/>
-              <a:t>Github</a:t>
-            </a:r>
-            <a:r>
-              <a:rPr lang="en-US" dirty="0"/>
-              <a:t> has the advantage of making materials available to the entire academic community</a:t>
-            </a:r>
-          </a:p>
-          <a:p>
-            <a:pPr lvl="1"/>
-            <a:r>
-              <a:rPr lang="en-US" dirty="0"/>
-              <a:t>That’s my approach but if you don’t already use </a:t>
-            </a:r>
-            <a:r>
-              <a:rPr lang="en-US" dirty="0" err="1"/>
-              <a:t>github</a:t>
-            </a:r>
-            <a:r>
-              <a:rPr lang="en-US" dirty="0"/>
-              <a:t>, I don’t recommend learning it just for this purpose</a:t>
-            </a:r>
-          </a:p>
-        </p:txBody>
-      </p:sp>
-      <p:sp>
-        <p:nvSpPr>
-          <p:cNvPr id="4" name="Slide Number Placeholder 3">
-            <a:extLst>
-              <a:ext uri="{FF2B5EF4-FFF2-40B4-BE49-F238E27FC236}">
-                <a16:creationId xmlns:a16="http://schemas.microsoft.com/office/drawing/2014/main" id="{ADC616FB-698A-472C-AC1C-D1028EF79265}"/>
+          <a:bodyPr>
+            <a:normAutofit fontScale="92500" lnSpcReduction="20000"/>
+          </a:bodyPr>
+          <a:lstStyle/>
+          <a:p>
+            <a:r>
+              <a:rPr lang="en-US" dirty="0"/>
+              <a:t>Every package has a file called NAMESPACE</a:t>
+            </a:r>
+          </a:p>
+          <a:p>
+            <a:r>
+              <a:rPr lang="en-US" dirty="0"/>
+              <a:t>This file controls stuff like the packages that get installed and loaded automatically</a:t>
+            </a:r>
+          </a:p>
+          <a:p>
+            <a:r>
+              <a:rPr lang="en-US" dirty="0"/>
+              <a:t>Building the package makes a NAMESPACE but it is blank</a:t>
+            </a:r>
+          </a:p>
+          <a:p>
+            <a:r>
+              <a:rPr lang="en-US" dirty="0"/>
+              <a:t>devtools::document() is a command developed to make building the NAMESPACE simple</a:t>
+            </a:r>
+          </a:p>
+          <a:p>
+            <a:r>
+              <a:rPr lang="en-US" dirty="0"/>
+              <a:t>Simply type devtools::document() with your project open (or use the pull-down menu)</a:t>
+            </a:r>
+          </a:p>
+          <a:p>
+            <a:r>
+              <a:rPr lang="en-US" dirty="0"/>
+              <a:t>Document is a quick way for the NAMESPACE to reflect what we specified in the packagename.R file (when we indicated imports)</a:t>
+            </a:r>
+          </a:p>
+          <a:p>
+            <a:r>
+              <a:rPr lang="en-US" dirty="0"/>
+              <a:t>Note: this also generates help files (not useful here but a massive time saver if you are making a package for distribution on CRAN) </a:t>
+            </a:r>
+          </a:p>
+          <a:p>
+            <a:endParaRPr lang="en-US" dirty="0"/>
+          </a:p>
+          <a:p>
+            <a:endParaRPr lang="en-US" dirty="0"/>
+          </a:p>
+        </p:txBody>
+      </p:sp>
+      <p:sp>
+        <p:nvSpPr>
+          <p:cNvPr id="3" name="Slide Number Placeholder 2">
+            <a:extLst>
+              <a:ext uri="{FF2B5EF4-FFF2-40B4-BE49-F238E27FC236}">
+                <a16:creationId xmlns:a16="http://schemas.microsoft.com/office/drawing/2014/main" id="{256F8A7B-0F49-4E20-8A50-4B754578DF2C}"/>
               </a:ext>
             </a:extLst>
           </p:cNvPr>
@@ -9077,14 +9653,43 @@
               <a:pPr/>
               <a:t>34</a:t>
             </a:fld>
-            <a:endParaRPr lang="en-US"/>
+            <a:endParaRPr lang="en-US" dirty="0"/>
+          </a:p>
+        </p:txBody>
+      </p:sp>
+      <p:sp>
+        <p:nvSpPr>
+          <p:cNvPr id="4" name="Footer Placeholder 3">
+            <a:extLst>
+              <a:ext uri="{FF2B5EF4-FFF2-40B4-BE49-F238E27FC236}">
+                <a16:creationId xmlns:a16="http://schemas.microsoft.com/office/drawing/2014/main" id="{CAC7BDB8-A38B-498D-B820-EB12F27BC163}"/>
+              </a:ext>
+            </a:extLst>
+          </p:cNvPr>
+          <p:cNvSpPr>
+            <a:spLocks noGrp="1"/>
+          </p:cNvSpPr>
+          <p:nvPr>
+            <p:ph type="ftr" sz="quarter" idx="11"/>
+          </p:nvPr>
+        </p:nvSpPr>
+        <p:spPr/>
+        <p:txBody>
+          <a:bodyPr/>
+          <a:lstStyle/>
+          <a:p>
+            <a:r>
+              <a:rPr lang="en-US"/>
+              <a:t>https://github.com/chrisaberson/IntroStatsTutorials</a:t>
+            </a:r>
+            <a:endParaRPr lang="en-US" dirty="0"/>
           </a:p>
         </p:txBody>
       </p:sp>
     </p:spTree>
     <p:extLst>
       <p:ext uri="{BB962C8B-B14F-4D97-AF65-F5344CB8AC3E}">
-        <p14:creationId xmlns:p14="http://schemas.microsoft.com/office/powerpoint/2010/main" val="2153700339"/>
+        <p14:creationId xmlns:p14="http://schemas.microsoft.com/office/powerpoint/2010/main" val="1153453942"/>
       </p:ext>
     </p:extLst>
   </p:cSld>
@@ -9116,7 +9721,7 @@
           <p:cNvPr id="2" name="Title 1">
             <a:extLst>
               <a:ext uri="{FF2B5EF4-FFF2-40B4-BE49-F238E27FC236}">
-                <a16:creationId xmlns:a16="http://schemas.microsoft.com/office/drawing/2014/main" id="{20200021-3027-4EB2-88A7-A2CCE21DA2E5}"/>
+                <a16:creationId xmlns:a16="http://schemas.microsoft.com/office/drawing/2014/main" id="{550A590D-CBDA-4F3C-AE59-B71CFE240CC9}"/>
               </a:ext>
             </a:extLst>
           </p:cNvPr>
@@ -9134,118 +9739,114 @@
           <a:p>
             <a:r>
               <a:rPr lang="en-US" dirty="0"/>
-              <a:t>Build Source Package</a:t>
-            </a:r>
-          </a:p>
-        </p:txBody>
-      </p:sp>
-      <p:sp>
-        <p:nvSpPr>
-          <p:cNvPr id="4" name="Content Placeholder 3">
-            <a:extLst>
-              <a:ext uri="{FF2B5EF4-FFF2-40B4-BE49-F238E27FC236}">
-                <a16:creationId xmlns:a16="http://schemas.microsoft.com/office/drawing/2014/main" id="{5B18BAE1-C732-487D-81AA-0562384BBD7C}"/>
-              </a:ext>
-            </a:extLst>
-          </p:cNvPr>
-          <p:cNvSpPr>
-            <a:spLocks noGrp="1"/>
-          </p:cNvSpPr>
-          <p:nvPr>
-            <p:ph sz="half" idx="1"/>
-          </p:nvPr>
-        </p:nvSpPr>
-        <p:spPr>
-          <a:xfrm>
-            <a:off x="838200" y="1825624"/>
-            <a:ext cx="5181600" cy="4297679"/>
-          </a:xfrm>
-        </p:spPr>
-        <p:txBody>
-          <a:bodyPr/>
-          <a:lstStyle/>
-          <a:p>
-            <a:r>
-              <a:rPr lang="en-US" dirty="0"/>
-              <a:t>Click more – </a:t>
-            </a:r>
-            <a:r>
-              <a:rPr lang="en-US" b="1" dirty="0"/>
-              <a:t>build source package</a:t>
-            </a:r>
-          </a:p>
-          <a:p>
-            <a:r>
-              <a:rPr lang="en-US" dirty="0"/>
-              <a:t>Creates a compressed file called packagename.tar.gz</a:t>
-            </a:r>
-          </a:p>
-          <a:p>
-            <a:r>
-              <a:rPr lang="en-US" dirty="0"/>
-              <a:t>Warning – for some reason, I always find that this file gets built to the wrong directory (</a:t>
-            </a:r>
-            <a:r>
-              <a:rPr lang="en-US" dirty="0" err="1"/>
-              <a:t>e.g</a:t>
-            </a:r>
-            <a:r>
-              <a:rPr lang="en-US" dirty="0"/>
-              <a:t>, G:/My Drive rather than G:/My Drive/</a:t>
-            </a:r>
-            <a:r>
-              <a:rPr lang="en-US" dirty="0" err="1"/>
-              <a:t>IntroStatsTutorials</a:t>
-            </a:r>
-            <a:r>
-              <a:rPr lang="en-US" dirty="0"/>
-              <a:t>)</a:t>
-            </a:r>
-          </a:p>
+              <a:t>What the NAMESPACE should look like</a:t>
+            </a:r>
+          </a:p>
+        </p:txBody>
+      </p:sp>
+      <p:sp>
+        <p:nvSpPr>
+          <p:cNvPr id="3" name="Content Placeholder 2">
+            <a:extLst>
+              <a:ext uri="{FF2B5EF4-FFF2-40B4-BE49-F238E27FC236}">
+                <a16:creationId xmlns:a16="http://schemas.microsoft.com/office/drawing/2014/main" id="{70D8E65C-592C-46B1-B441-FFD5CFAD95CE}"/>
+              </a:ext>
+            </a:extLst>
+          </p:cNvPr>
+          <p:cNvSpPr>
+            <a:spLocks noGrp="1"/>
+          </p:cNvSpPr>
+          <p:nvPr>
+            <p:ph idx="1"/>
+          </p:nvPr>
+        </p:nvSpPr>
+        <p:spPr/>
+        <p:txBody>
+          <a:bodyPr/>
+          <a:lstStyle/>
           <a:p>
             <a:pPr marL="0" indent="0">
               <a:buNone/>
             </a:pPr>
-            <a:endParaRPr lang="en-US" dirty="0"/>
-          </a:p>
-        </p:txBody>
-      </p:sp>
-      <p:pic>
-        <p:nvPicPr>
-          <p:cNvPr id="6" name="Picture 5">
-            <a:extLst>
-              <a:ext uri="{FF2B5EF4-FFF2-40B4-BE49-F238E27FC236}">
-                <a16:creationId xmlns:a16="http://schemas.microsoft.com/office/drawing/2014/main" id="{D135DFA4-99F6-4EAC-8A54-08EC7D3C3A84}"/>
-              </a:ext>
-            </a:extLst>
-          </p:cNvPr>
-          <p:cNvPicPr>
-            <a:picLocks noChangeAspect="1"/>
-          </p:cNvPicPr>
-          <p:nvPr/>
-        </p:nvPicPr>
-        <p:blipFill>
-          <a:blip r:embed="rId2"/>
-          <a:stretch>
-            <a:fillRect/>
-          </a:stretch>
-        </p:blipFill>
-        <p:spPr>
-          <a:xfrm>
-            <a:off x="6294521" y="1502861"/>
-            <a:ext cx="5445509" cy="4297680"/>
-          </a:xfrm>
-          <a:prstGeom prst="rect">
-            <a:avLst/>
-          </a:prstGeom>
-        </p:spPr>
-      </p:pic>
-      <p:sp>
-        <p:nvSpPr>
-          <p:cNvPr id="3" name="Slide Number Placeholder 2">
-            <a:extLst>
-              <a:ext uri="{FF2B5EF4-FFF2-40B4-BE49-F238E27FC236}">
-                <a16:creationId xmlns:a16="http://schemas.microsoft.com/office/drawing/2014/main" id="{A52B0301-99B5-4CC2-8856-015EA17CA0C0}"/>
+            <a:r>
+              <a:rPr lang="en-US" dirty="0"/>
+              <a:t># Generated by roxygen2: do not edit by hand</a:t>
+            </a:r>
+          </a:p>
+          <a:p>
+            <a:pPr marL="0" indent="0">
+              <a:buNone/>
+            </a:pPr>
+            <a:endParaRPr lang="en-US" dirty="0"/>
+          </a:p>
+          <a:p>
+            <a:pPr marL="0" indent="0">
+              <a:buNone/>
+            </a:pPr>
+            <a:r>
+              <a:rPr lang="en-US" dirty="0"/>
+              <a:t>import(BayesFactor)</a:t>
+            </a:r>
+          </a:p>
+          <a:p>
+            <a:pPr marL="0" indent="0">
+              <a:buNone/>
+            </a:pPr>
+            <a:r>
+              <a:rPr lang="en-US" dirty="0"/>
+              <a:t>import(apaTables)</a:t>
+            </a:r>
+          </a:p>
+          <a:p>
+            <a:pPr marL="0" indent="0">
+              <a:buNone/>
+            </a:pPr>
+            <a:r>
+              <a:rPr lang="en-US" dirty="0"/>
+              <a:t>import(car)</a:t>
+            </a:r>
+          </a:p>
+          <a:p>
+            <a:pPr marL="0" indent="0">
+              <a:buNone/>
+            </a:pPr>
+            <a:r>
+              <a:rPr lang="en-US" dirty="0"/>
+              <a:t>import(ggplot2)</a:t>
+            </a:r>
+          </a:p>
+          <a:p>
+            <a:pPr marL="0" indent="0">
+              <a:buNone/>
+            </a:pPr>
+            <a:r>
+              <a:rPr lang="en-US" dirty="0"/>
+              <a:t>import(lsr)</a:t>
+            </a:r>
+          </a:p>
+          <a:p>
+            <a:pPr marL="0" indent="0">
+              <a:buNone/>
+            </a:pPr>
+            <a:r>
+              <a:rPr lang="en-US" dirty="0"/>
+              <a:t>import(tidyverse)</a:t>
+            </a:r>
+          </a:p>
+          <a:p>
+            <a:pPr marL="0" indent="0">
+              <a:buNone/>
+            </a:pPr>
+            <a:endParaRPr lang="en-US" dirty="0"/>
+          </a:p>
+        </p:txBody>
+      </p:sp>
+      <p:sp>
+        <p:nvSpPr>
+          <p:cNvPr id="4" name="Slide Number Placeholder 3">
+            <a:extLst>
+              <a:ext uri="{FF2B5EF4-FFF2-40B4-BE49-F238E27FC236}">
+                <a16:creationId xmlns:a16="http://schemas.microsoft.com/office/drawing/2014/main" id="{0810E1CF-D951-4229-9D94-F4E0E0220981}"/>
               </a:ext>
             </a:extLst>
           </p:cNvPr>
@@ -9263,16 +9864,46 @@
           <a:p>
             <a:fld id="{86085797-AB24-4E99-8BDA-AEB3302E61E9}" type="slidenum">
               <a:rPr lang="en-US" smtClean="0"/>
+              <a:pPr/>
               <a:t>35</a:t>
             </a:fld>
-            <a:endParaRPr lang="en-US"/>
+            <a:endParaRPr lang="en-US" dirty="0"/>
+          </a:p>
+        </p:txBody>
+      </p:sp>
+      <p:sp>
+        <p:nvSpPr>
+          <p:cNvPr id="5" name="Footer Placeholder 4">
+            <a:extLst>
+              <a:ext uri="{FF2B5EF4-FFF2-40B4-BE49-F238E27FC236}">
+                <a16:creationId xmlns:a16="http://schemas.microsoft.com/office/drawing/2014/main" id="{C7D50FD1-7560-43ED-BBA0-C645C0B8DE28}"/>
+              </a:ext>
+            </a:extLst>
+          </p:cNvPr>
+          <p:cNvSpPr>
+            <a:spLocks noGrp="1"/>
+          </p:cNvSpPr>
+          <p:nvPr>
+            <p:ph type="ftr" sz="quarter" idx="11"/>
+          </p:nvPr>
+        </p:nvSpPr>
+        <p:spPr/>
+        <p:txBody>
+          <a:bodyPr/>
+          <a:lstStyle/>
+          <a:p>
+            <a:r>
+              <a:rPr lang="en-US"/>
+              <a:t>https://github.com/chrisaberson/IntroStatsTutorials</a:t>
+            </a:r>
+            <a:endParaRPr lang="en-US" dirty="0"/>
           </a:p>
         </p:txBody>
       </p:sp>
     </p:spTree>
     <p:extLst>
       <p:ext uri="{BB962C8B-B14F-4D97-AF65-F5344CB8AC3E}">
-        <p14:creationId xmlns:p14="http://schemas.microsoft.com/office/powerpoint/2010/main" val="3082494198"/>
+        <p14:creationId xmlns:p14="http://schemas.microsoft.com/office/powerpoint/2010/main" val="900714611"/>
       </p:ext>
     </p:extLst>
   </p:cSld>
@@ -9304,7 +9935,7 @@
           <p:cNvPr id="2" name="Title 1">
             <a:extLst>
               <a:ext uri="{FF2B5EF4-FFF2-40B4-BE49-F238E27FC236}">
-                <a16:creationId xmlns:a16="http://schemas.microsoft.com/office/drawing/2014/main" id="{A8FB3F7D-A815-4B68-A199-7B5DEC75F291}"/>
+                <a16:creationId xmlns:a16="http://schemas.microsoft.com/office/drawing/2014/main" id="{856FEA97-9729-4FE6-A644-423EC05D74ED}"/>
               </a:ext>
             </a:extLst>
           </p:cNvPr>
@@ -9322,7 +9953,7 @@
           <a:p>
             <a:r>
               <a:rPr lang="en-US" dirty="0"/>
-              <a:t>Student Installation of Source Files</a:t>
+              <a:t>Package Distribution</a:t>
             </a:r>
           </a:p>
         </p:txBody>
@@ -9332,71 +9963,60 @@
           <p:cNvPr id="3" name="Content Placeholder 2">
             <a:extLst>
               <a:ext uri="{FF2B5EF4-FFF2-40B4-BE49-F238E27FC236}">
-                <a16:creationId xmlns:a16="http://schemas.microsoft.com/office/drawing/2014/main" id="{888454E5-C32B-432B-9BB6-7C539F7D0DB1}"/>
-              </a:ext>
-            </a:extLst>
-          </p:cNvPr>
-          <p:cNvSpPr>
-            <a:spLocks noGrp="1"/>
-          </p:cNvSpPr>
-          <p:nvPr>
-            <p:ph sz="half" idx="1"/>
-          </p:nvPr>
-        </p:nvSpPr>
-        <p:spPr/>
-        <p:txBody>
-          <a:bodyPr/>
-          <a:lstStyle/>
-          <a:p>
-            <a:r>
-              <a:rPr lang="en-US" dirty="0"/>
-              <a:t>Once downloaded, click install</a:t>
-            </a:r>
-          </a:p>
-          <a:p>
-            <a:r>
-              <a:rPr lang="en-US" dirty="0"/>
-              <a:t>Change Install from to “Package Archive File” and navigate to downloaded file</a:t>
-            </a:r>
-          </a:p>
-        </p:txBody>
-      </p:sp>
-      <p:pic>
-        <p:nvPicPr>
-          <p:cNvPr id="5" name="Picture 4">
-            <a:extLst>
-              <a:ext uri="{FF2B5EF4-FFF2-40B4-BE49-F238E27FC236}">
-                <a16:creationId xmlns:a16="http://schemas.microsoft.com/office/drawing/2014/main" id="{8FD4A708-69F6-4EB2-BBD3-20F85FCD6F47}"/>
-              </a:ext>
-            </a:extLst>
-          </p:cNvPr>
-          <p:cNvPicPr>
-            <a:picLocks noChangeAspect="1"/>
-          </p:cNvPicPr>
-          <p:nvPr/>
-        </p:nvPicPr>
-        <p:blipFill>
-          <a:blip r:embed="rId2"/>
-          <a:stretch>
-            <a:fillRect/>
-          </a:stretch>
-        </p:blipFill>
-        <p:spPr>
-          <a:xfrm>
-            <a:off x="6019792" y="1825625"/>
-            <a:ext cx="5689370" cy="3931920"/>
-          </a:xfrm>
-          <a:prstGeom prst="rect">
-            <a:avLst/>
-          </a:prstGeom>
-        </p:spPr>
-      </p:pic>
+                <a16:creationId xmlns:a16="http://schemas.microsoft.com/office/drawing/2014/main" id="{204EAA18-7CFF-4820-A1AD-83223B749A72}"/>
+              </a:ext>
+            </a:extLst>
+          </p:cNvPr>
+          <p:cNvSpPr>
+            <a:spLocks noGrp="1"/>
+          </p:cNvSpPr>
+          <p:nvPr>
+            <p:ph idx="1"/>
+          </p:nvPr>
+        </p:nvSpPr>
+        <p:spPr/>
+        <p:txBody>
+          <a:bodyPr/>
+          <a:lstStyle/>
+          <a:p>
+            <a:r>
+              <a:rPr lang="en-US" dirty="0"/>
+              <a:t>Easy way – Build a source file, post to canvas</a:t>
+            </a:r>
+          </a:p>
+          <a:p>
+            <a:r>
+              <a:rPr lang="en-US" dirty="0"/>
+              <a:t>Hard way – GitHub</a:t>
+            </a:r>
+          </a:p>
+          <a:p>
+            <a:r>
+              <a:rPr lang="en-US" dirty="0"/>
+              <a:t>Source file has the advantage of simplicity</a:t>
+            </a:r>
+          </a:p>
+          <a:p>
+            <a:r>
+              <a:rPr lang="en-US" dirty="0"/>
+              <a:t>GitHub has the advantage of making materials available to the entire academic community</a:t>
+            </a:r>
+          </a:p>
+          <a:p>
+            <a:pPr lvl="1"/>
+            <a:r>
+              <a:rPr lang="en-US" dirty="0"/>
+              <a:t>That’s my approach but if you don’t already use GitHub, I don’t recommend learning it just for this purpose</a:t>
+            </a:r>
+          </a:p>
+        </p:txBody>
+      </p:sp>
       <p:sp>
         <p:nvSpPr>
           <p:cNvPr id="4" name="Slide Number Placeholder 3">
             <a:extLst>
               <a:ext uri="{FF2B5EF4-FFF2-40B4-BE49-F238E27FC236}">
-                <a16:creationId xmlns:a16="http://schemas.microsoft.com/office/drawing/2014/main" id="{908F167A-30D8-4965-AA68-9FC6E332FBFD}"/>
+                <a16:creationId xmlns:a16="http://schemas.microsoft.com/office/drawing/2014/main" id="{ADC616FB-698A-472C-AC1C-D1028EF79265}"/>
               </a:ext>
             </a:extLst>
           </p:cNvPr>
@@ -9414,16 +10034,46 @@
           <a:p>
             <a:fld id="{86085797-AB24-4E99-8BDA-AEB3302E61E9}" type="slidenum">
               <a:rPr lang="en-US" smtClean="0"/>
+              <a:pPr/>
               <a:t>36</a:t>
             </a:fld>
-            <a:endParaRPr lang="en-US"/>
+            <a:endParaRPr lang="en-US" dirty="0"/>
+          </a:p>
+        </p:txBody>
+      </p:sp>
+      <p:sp>
+        <p:nvSpPr>
+          <p:cNvPr id="5" name="Footer Placeholder 4">
+            <a:extLst>
+              <a:ext uri="{FF2B5EF4-FFF2-40B4-BE49-F238E27FC236}">
+                <a16:creationId xmlns:a16="http://schemas.microsoft.com/office/drawing/2014/main" id="{53DDE5C7-A069-4D49-85C4-EAB623AC3EB7}"/>
+              </a:ext>
+            </a:extLst>
+          </p:cNvPr>
+          <p:cNvSpPr>
+            <a:spLocks noGrp="1"/>
+          </p:cNvSpPr>
+          <p:nvPr>
+            <p:ph type="ftr" sz="quarter" idx="11"/>
+          </p:nvPr>
+        </p:nvSpPr>
+        <p:spPr/>
+        <p:txBody>
+          <a:bodyPr/>
+          <a:lstStyle/>
+          <a:p>
+            <a:r>
+              <a:rPr lang="en-US"/>
+              <a:t>https://github.com/chrisaberson/IntroStatsTutorials</a:t>
+            </a:r>
+            <a:endParaRPr lang="en-US" dirty="0"/>
           </a:p>
         </p:txBody>
       </p:sp>
     </p:spTree>
     <p:extLst>
       <p:ext uri="{BB962C8B-B14F-4D97-AF65-F5344CB8AC3E}">
-        <p14:creationId xmlns:p14="http://schemas.microsoft.com/office/powerpoint/2010/main" val="1683608721"/>
+        <p14:creationId xmlns:p14="http://schemas.microsoft.com/office/powerpoint/2010/main" val="2153700339"/>
       </p:ext>
     </p:extLst>
   </p:cSld>
@@ -9455,7 +10105,7 @@
           <p:cNvPr id="2" name="Title 1">
             <a:extLst>
               <a:ext uri="{FF2B5EF4-FFF2-40B4-BE49-F238E27FC236}">
-                <a16:creationId xmlns:a16="http://schemas.microsoft.com/office/drawing/2014/main" id="{ADC9EC65-8B3B-4005-8B4A-E8E6D75A1B1B}"/>
+                <a16:creationId xmlns:a16="http://schemas.microsoft.com/office/drawing/2014/main" id="{20200021-3027-4EB2-88A7-A2CCE21DA2E5}"/>
               </a:ext>
             </a:extLst>
           </p:cNvPr>
@@ -9472,54 +10122,73 @@
           <a:lstStyle/>
           <a:p>
             <a:r>
-              <a:rPr lang="en-US" dirty="0" err="1"/>
-              <a:t>Github</a:t>
-            </a:r>
-            <a:endParaRPr lang="en-US" dirty="0"/>
-          </a:p>
-        </p:txBody>
-      </p:sp>
-      <p:sp>
-        <p:nvSpPr>
-          <p:cNvPr id="3" name="Content Placeholder 2">
-            <a:extLst>
-              <a:ext uri="{FF2B5EF4-FFF2-40B4-BE49-F238E27FC236}">
-                <a16:creationId xmlns:a16="http://schemas.microsoft.com/office/drawing/2014/main" id="{62739E01-D53B-4B8F-8D22-F4B413B0C6B5}"/>
-              </a:ext>
-            </a:extLst>
-          </p:cNvPr>
-          <p:cNvSpPr>
-            <a:spLocks noGrp="1"/>
-          </p:cNvSpPr>
-          <p:nvPr>
-            <p:ph idx="1"/>
-          </p:nvPr>
-        </p:nvSpPr>
-        <p:spPr/>
-        <p:txBody>
-          <a:bodyPr/>
-          <a:lstStyle/>
-          <a:p>
-            <a:r>
-              <a:rPr lang="en-US" dirty="0" err="1"/>
-              <a:t>Github</a:t>
-            </a:r>
-            <a:r>
-              <a:rPr lang="en-US" dirty="0"/>
-              <a:t> directory would look just like your package directory</a:t>
-            </a:r>
-          </a:p>
-          <a:p>
+              <a:rPr lang="en-US" dirty="0"/>
+              <a:t>Build Source Package</a:t>
+            </a:r>
+          </a:p>
+        </p:txBody>
+      </p:sp>
+      <p:sp>
+        <p:nvSpPr>
+          <p:cNvPr id="4" name="Content Placeholder 3">
+            <a:extLst>
+              <a:ext uri="{FF2B5EF4-FFF2-40B4-BE49-F238E27FC236}">
+                <a16:creationId xmlns:a16="http://schemas.microsoft.com/office/drawing/2014/main" id="{5B18BAE1-C732-487D-81AA-0562384BBD7C}"/>
+              </a:ext>
+            </a:extLst>
+          </p:cNvPr>
+          <p:cNvSpPr>
+            <a:spLocks noGrp="1"/>
+          </p:cNvSpPr>
+          <p:nvPr>
+            <p:ph sz="half" idx="1"/>
+          </p:nvPr>
+        </p:nvSpPr>
+        <p:spPr>
+          <a:xfrm>
+            <a:off x="838200" y="1825624"/>
+            <a:ext cx="5181600" cy="4297679"/>
+          </a:xfrm>
+        </p:spPr>
+        <p:txBody>
+          <a:bodyPr/>
+          <a:lstStyle/>
+          <a:p>
+            <a:r>
+              <a:rPr lang="en-US" dirty="0"/>
+              <a:t>Click more – </a:t>
+            </a:r>
+            <a:r>
+              <a:rPr lang="en-US" b="1" dirty="0"/>
+              <a:t>build source package</a:t>
+            </a:r>
+          </a:p>
+          <a:p>
+            <a:r>
+              <a:rPr lang="en-US" dirty="0"/>
+              <a:t>Creates a compressed file called packagename.tar.gz</a:t>
+            </a:r>
+          </a:p>
+          <a:p>
+            <a:r>
+              <a:rPr lang="en-US" dirty="0"/>
+              <a:t>Warning – for some reason, I always find that this file gets built to the wrong directory (e.g., G:/My Drive rather than G:/My Drive/IntroStatsTutorials)</a:t>
+            </a:r>
+          </a:p>
+          <a:p>
+            <a:pPr marL="0" indent="0">
+              <a:buNone/>
+            </a:pPr>
             <a:endParaRPr lang="en-US" dirty="0"/>
           </a:p>
         </p:txBody>
       </p:sp>
       <p:pic>
         <p:nvPicPr>
-          <p:cNvPr id="5" name="Picture 4">
-            <a:extLst>
-              <a:ext uri="{FF2B5EF4-FFF2-40B4-BE49-F238E27FC236}">
-                <a16:creationId xmlns:a16="http://schemas.microsoft.com/office/drawing/2014/main" id="{A35DCDA1-6342-43DE-8ADE-5EA50A522AA2}"/>
+          <p:cNvPr id="6" name="Picture 5">
+            <a:extLst>
+              <a:ext uri="{FF2B5EF4-FFF2-40B4-BE49-F238E27FC236}">
+                <a16:creationId xmlns:a16="http://schemas.microsoft.com/office/drawing/2014/main" id="{D135DFA4-99F6-4EAC-8A54-08EC7D3C3A84}"/>
               </a:ext>
             </a:extLst>
           </p:cNvPr>
@@ -9536,8 +10205,8 @@
         </p:blipFill>
         <p:spPr>
           <a:xfrm>
-            <a:off x="965033" y="2370221"/>
-            <a:ext cx="8387544" cy="4389120"/>
+            <a:off x="6294521" y="1502861"/>
+            <a:ext cx="5445509" cy="4297680"/>
           </a:xfrm>
           <a:prstGeom prst="rect">
             <a:avLst/>
@@ -9546,10 +10215,10 @@
       </p:pic>
       <p:sp>
         <p:nvSpPr>
-          <p:cNvPr id="4" name="Slide Number Placeholder 3">
-            <a:extLst>
-              <a:ext uri="{FF2B5EF4-FFF2-40B4-BE49-F238E27FC236}">
-                <a16:creationId xmlns:a16="http://schemas.microsoft.com/office/drawing/2014/main" id="{ADDF9D2B-F4B8-4DFC-92FA-7E5517FF2EED}"/>
+          <p:cNvPr id="3" name="Slide Number Placeholder 2">
+            <a:extLst>
+              <a:ext uri="{FF2B5EF4-FFF2-40B4-BE49-F238E27FC236}">
+                <a16:creationId xmlns:a16="http://schemas.microsoft.com/office/drawing/2014/main" id="{A52B0301-99B5-4CC2-8856-015EA17CA0C0}"/>
               </a:ext>
             </a:extLst>
           </p:cNvPr>
@@ -9567,17 +10236,45 @@
           <a:p>
             <a:fld id="{86085797-AB24-4E99-8BDA-AEB3302E61E9}" type="slidenum">
               <a:rPr lang="en-US" smtClean="0"/>
-              <a:pPr/>
               <a:t>37</a:t>
             </a:fld>
-            <a:endParaRPr lang="en-US"/>
+            <a:endParaRPr lang="en-US" dirty="0"/>
+          </a:p>
+        </p:txBody>
+      </p:sp>
+      <p:sp>
+        <p:nvSpPr>
+          <p:cNvPr id="5" name="Footer Placeholder 4">
+            <a:extLst>
+              <a:ext uri="{FF2B5EF4-FFF2-40B4-BE49-F238E27FC236}">
+                <a16:creationId xmlns:a16="http://schemas.microsoft.com/office/drawing/2014/main" id="{48EC5380-7B16-44A2-AFF1-69BE66D93CB9}"/>
+              </a:ext>
+            </a:extLst>
+          </p:cNvPr>
+          <p:cNvSpPr>
+            <a:spLocks noGrp="1"/>
+          </p:cNvSpPr>
+          <p:nvPr>
+            <p:ph type="ftr" sz="quarter" idx="11"/>
+          </p:nvPr>
+        </p:nvSpPr>
+        <p:spPr/>
+        <p:txBody>
+          <a:bodyPr/>
+          <a:lstStyle/>
+          <a:p>
+            <a:r>
+              <a:rPr lang="en-US"/>
+              <a:t>https://github.com/chrisaberson/IntroStatsTutorials</a:t>
+            </a:r>
+            <a:endParaRPr lang="en-US" dirty="0"/>
           </a:p>
         </p:txBody>
       </p:sp>
     </p:spTree>
     <p:extLst>
       <p:ext uri="{BB962C8B-B14F-4D97-AF65-F5344CB8AC3E}">
-        <p14:creationId xmlns:p14="http://schemas.microsoft.com/office/powerpoint/2010/main" val="1881058787"/>
+        <p14:creationId xmlns:p14="http://schemas.microsoft.com/office/powerpoint/2010/main" val="3082494198"/>
       </p:ext>
     </p:extLst>
   </p:cSld>
@@ -9609,7 +10306,7 @@
           <p:cNvPr id="2" name="Title 1">
             <a:extLst>
               <a:ext uri="{FF2B5EF4-FFF2-40B4-BE49-F238E27FC236}">
-                <a16:creationId xmlns:a16="http://schemas.microsoft.com/office/drawing/2014/main" id="{17AB416A-0238-4257-8806-761745482C03}"/>
+                <a16:creationId xmlns:a16="http://schemas.microsoft.com/office/drawing/2014/main" id="{A8FB3F7D-A815-4B68-A199-7B5DEC75F291}"/>
               </a:ext>
             </a:extLst>
           </p:cNvPr>
@@ -9626,12 +10323,8 @@
           <a:lstStyle/>
           <a:p>
             <a:r>
-              <a:rPr lang="en-US" dirty="0" err="1"/>
-              <a:t>Github</a:t>
-            </a:r>
-            <a:r>
-              <a:rPr lang="en-US" dirty="0"/>
-              <a:t> (cont.)</a:t>
+              <a:rPr lang="en-US" dirty="0"/>
+              <a:t>Student Installation of Source Files</a:t>
             </a:r>
           </a:p>
         </p:txBody>
@@ -9641,85 +10334,41 @@
           <p:cNvPr id="3" name="Content Placeholder 2">
             <a:extLst>
               <a:ext uri="{FF2B5EF4-FFF2-40B4-BE49-F238E27FC236}">
-                <a16:creationId xmlns:a16="http://schemas.microsoft.com/office/drawing/2014/main" id="{6CD871CE-E3FA-4B0A-92BD-DF3FE7103B44}"/>
-              </a:ext>
-            </a:extLst>
-          </p:cNvPr>
-          <p:cNvSpPr>
-            <a:spLocks noGrp="1"/>
-          </p:cNvSpPr>
-          <p:nvPr>
-            <p:ph idx="1"/>
-          </p:nvPr>
-        </p:nvSpPr>
-        <p:spPr/>
-        <p:txBody>
-          <a:bodyPr/>
-          <a:lstStyle/>
-          <a:p>
-            <a:r>
-              <a:rPr lang="en-US" dirty="0"/>
-              <a:t>A nice feature of </a:t>
-            </a:r>
-            <a:r>
-              <a:rPr lang="en-US" dirty="0" err="1"/>
-              <a:t>github</a:t>
-            </a:r>
-            <a:r>
-              <a:rPr lang="en-US" dirty="0"/>
-              <a:t> is that I can add a readme file that gives detailed instructions on how to install (see below)</a:t>
-            </a:r>
-          </a:p>
-          <a:p>
-            <a:r>
-              <a:rPr lang="en-US" dirty="0"/>
-              <a:t>Also, others can suggest improvements (and catch errors!)</a:t>
-            </a:r>
-          </a:p>
-          <a:p>
-            <a:pPr marL="0" indent="0">
-              <a:buNone/>
-            </a:pPr>
-            <a:endParaRPr lang="en-US" dirty="0"/>
-          </a:p>
-        </p:txBody>
-      </p:sp>
-      <p:sp>
-        <p:nvSpPr>
-          <p:cNvPr id="5" name="Slide Number Placeholder 4">
-            <a:extLst>
-              <a:ext uri="{FF2B5EF4-FFF2-40B4-BE49-F238E27FC236}">
-                <a16:creationId xmlns:a16="http://schemas.microsoft.com/office/drawing/2014/main" id="{D3C08712-EB13-4C1B-ABC7-AE6622B242F5}"/>
-              </a:ext>
-            </a:extLst>
-          </p:cNvPr>
-          <p:cNvSpPr>
-            <a:spLocks noGrp="1"/>
-          </p:cNvSpPr>
-          <p:nvPr>
-            <p:ph type="sldNum" sz="quarter" idx="12"/>
-          </p:nvPr>
-        </p:nvSpPr>
-        <p:spPr/>
-        <p:txBody>
-          <a:bodyPr/>
-          <a:lstStyle/>
-          <a:p>
-            <a:fld id="{86085797-AB24-4E99-8BDA-AEB3302E61E9}" type="slidenum">
-              <a:rPr lang="en-US" smtClean="0"/>
-              <a:pPr/>
-              <a:t>38</a:t>
-            </a:fld>
-            <a:endParaRPr lang="en-US"/>
+                <a16:creationId xmlns:a16="http://schemas.microsoft.com/office/drawing/2014/main" id="{888454E5-C32B-432B-9BB6-7C539F7D0DB1}"/>
+              </a:ext>
+            </a:extLst>
+          </p:cNvPr>
+          <p:cNvSpPr>
+            <a:spLocks noGrp="1"/>
+          </p:cNvSpPr>
+          <p:nvPr>
+            <p:ph sz="half" idx="1"/>
+          </p:nvPr>
+        </p:nvSpPr>
+        <p:spPr/>
+        <p:txBody>
+          <a:bodyPr/>
+          <a:lstStyle/>
+          <a:p>
+            <a:r>
+              <a:rPr lang="en-US" dirty="0"/>
+              <a:t>Once downloaded, click install</a:t>
+            </a:r>
+          </a:p>
+          <a:p>
+            <a:r>
+              <a:rPr lang="en-US" dirty="0"/>
+              <a:t>Change Install from to “Package Archive File” and navigate to downloaded file</a:t>
+            </a:r>
           </a:p>
         </p:txBody>
       </p:sp>
       <p:pic>
         <p:nvPicPr>
-          <p:cNvPr id="4" name="Picture 3">
-            <a:extLst>
-              <a:ext uri="{FF2B5EF4-FFF2-40B4-BE49-F238E27FC236}">
-                <a16:creationId xmlns:a16="http://schemas.microsoft.com/office/drawing/2014/main" id="{D22E80C0-4DB1-454F-B7DC-80B0308FD817}"/>
+          <p:cNvPr id="5" name="Picture 4">
+            <a:extLst>
+              <a:ext uri="{FF2B5EF4-FFF2-40B4-BE49-F238E27FC236}">
+                <a16:creationId xmlns:a16="http://schemas.microsoft.com/office/drawing/2014/main" id="{8FD4A708-69F6-4EB2-BBD3-20F85FCD6F47}"/>
               </a:ext>
             </a:extLst>
           </p:cNvPr>
@@ -9736,18 +10385,76 @@
         </p:blipFill>
         <p:spPr>
           <a:xfrm>
-            <a:off x="1857375" y="3155315"/>
-            <a:ext cx="6382744" cy="3566160"/>
+            <a:off x="6019792" y="1825625"/>
+            <a:ext cx="5689370" cy="3931920"/>
           </a:xfrm>
           <a:prstGeom prst="rect">
             <a:avLst/>
           </a:prstGeom>
         </p:spPr>
       </p:pic>
+      <p:sp>
+        <p:nvSpPr>
+          <p:cNvPr id="4" name="Slide Number Placeholder 3">
+            <a:extLst>
+              <a:ext uri="{FF2B5EF4-FFF2-40B4-BE49-F238E27FC236}">
+                <a16:creationId xmlns:a16="http://schemas.microsoft.com/office/drawing/2014/main" id="{908F167A-30D8-4965-AA68-9FC6E332FBFD}"/>
+              </a:ext>
+            </a:extLst>
+          </p:cNvPr>
+          <p:cNvSpPr>
+            <a:spLocks noGrp="1"/>
+          </p:cNvSpPr>
+          <p:nvPr>
+            <p:ph type="sldNum" sz="quarter" idx="12"/>
+          </p:nvPr>
+        </p:nvSpPr>
+        <p:spPr/>
+        <p:txBody>
+          <a:bodyPr/>
+          <a:lstStyle/>
+          <a:p>
+            <a:fld id="{86085797-AB24-4E99-8BDA-AEB3302E61E9}" type="slidenum">
+              <a:rPr lang="en-US" smtClean="0"/>
+              <a:t>38</a:t>
+            </a:fld>
+            <a:endParaRPr lang="en-US" dirty="0"/>
+          </a:p>
+        </p:txBody>
+      </p:sp>
+      <p:sp>
+        <p:nvSpPr>
+          <p:cNvPr id="6" name="Footer Placeholder 5">
+            <a:extLst>
+              <a:ext uri="{FF2B5EF4-FFF2-40B4-BE49-F238E27FC236}">
+                <a16:creationId xmlns:a16="http://schemas.microsoft.com/office/drawing/2014/main" id="{46B72EF8-1DE2-47AF-94EA-EC7EE10B0AD4}"/>
+              </a:ext>
+            </a:extLst>
+          </p:cNvPr>
+          <p:cNvSpPr>
+            <a:spLocks noGrp="1"/>
+          </p:cNvSpPr>
+          <p:nvPr>
+            <p:ph type="ftr" sz="quarter" idx="11"/>
+          </p:nvPr>
+        </p:nvSpPr>
+        <p:spPr/>
+        <p:txBody>
+          <a:bodyPr/>
+          <a:lstStyle/>
+          <a:p>
+            <a:r>
+              <a:rPr lang="en-US"/>
+              <a:t>https://github.com/chrisaberson/IntroStatsTutorials</a:t>
+            </a:r>
+            <a:endParaRPr lang="en-US" dirty="0"/>
+          </a:p>
+        </p:txBody>
+      </p:sp>
     </p:spTree>
     <p:extLst>
       <p:ext uri="{BB962C8B-B14F-4D97-AF65-F5344CB8AC3E}">
-        <p14:creationId xmlns:p14="http://schemas.microsoft.com/office/powerpoint/2010/main" val="1906516326"/>
+        <p14:creationId xmlns:p14="http://schemas.microsoft.com/office/powerpoint/2010/main" val="1683608721"/>
       </p:ext>
     </p:extLst>
   </p:cSld>
@@ -9779,7 +10486,7 @@
           <p:cNvPr id="2" name="Title 1">
             <a:extLst>
               <a:ext uri="{FF2B5EF4-FFF2-40B4-BE49-F238E27FC236}">
-                <a16:creationId xmlns:a16="http://schemas.microsoft.com/office/drawing/2014/main" id="{A5BDB3CD-BA37-4F03-8226-3E9B5DD229C4}"/>
+                <a16:creationId xmlns:a16="http://schemas.microsoft.com/office/drawing/2014/main" id="{ADC9EC65-8B3B-4005-8B4A-E8E6D75A1B1B}"/>
               </a:ext>
             </a:extLst>
           </p:cNvPr>
@@ -9797,7 +10504,7 @@
           <a:p>
             <a:r>
               <a:rPr lang="en-US" dirty="0"/>
-              <a:t>Best Practices (I think)</a:t>
+              <a:t>GitHub</a:t>
             </a:r>
           </a:p>
         </p:txBody>
@@ -9807,7 +10514,7 @@
           <p:cNvPr id="3" name="Content Placeholder 2">
             <a:extLst>
               <a:ext uri="{FF2B5EF4-FFF2-40B4-BE49-F238E27FC236}">
-                <a16:creationId xmlns:a16="http://schemas.microsoft.com/office/drawing/2014/main" id="{9419CCEA-5AAA-44C7-8039-ACE03F9F7A9B}"/>
+                <a16:creationId xmlns:a16="http://schemas.microsoft.com/office/drawing/2014/main" id="{62739E01-D53B-4B8F-8D22-F4B413B0C6B5}"/>
               </a:ext>
             </a:extLst>
           </p:cNvPr>
@@ -9820,101 +10527,55 @@
         </p:nvSpPr>
         <p:spPr/>
         <p:txBody>
-          <a:bodyPr>
-            <a:normAutofit fontScale="92500"/>
-          </a:bodyPr>
-          <a:lstStyle/>
-          <a:p>
-            <a:r>
-              <a:rPr lang="en-US" dirty="0"/>
-              <a:t>Check package build on multiple platforms (Windows and Mac)</a:t>
-            </a:r>
-          </a:p>
-          <a:p>
-            <a:pPr lvl="1"/>
-            <a:r>
-              <a:rPr lang="en-US" dirty="0"/>
-              <a:t>The </a:t>
-            </a:r>
-            <a:r>
-              <a:rPr lang="en-US" dirty="0" err="1"/>
-              <a:t>rhub</a:t>
-            </a:r>
-            <a:r>
-              <a:rPr lang="en-US" dirty="0"/>
-              <a:t> package accomplishes this easily (if you don’t have both types of machines available)</a:t>
-            </a:r>
-          </a:p>
-          <a:p>
-            <a:pPr lvl="1" latinLnBrk="1"/>
-            <a:r>
-              <a:rPr lang="en-US" dirty="0" err="1"/>
-              <a:t>rhub</a:t>
-            </a:r>
-            <a:r>
-              <a:rPr lang="en-US" dirty="0"/>
-              <a:t>::</a:t>
-            </a:r>
-            <a:r>
-              <a:rPr lang="en-US" dirty="0" err="1"/>
-              <a:t>check_for_cran</a:t>
-            </a:r>
-            <a:r>
-              <a:rPr lang="en-US" dirty="0"/>
-              <a:t>(email="cla18@humboldt.edu") – this does windows and </a:t>
-            </a:r>
-            <a:r>
-              <a:rPr lang="en-US" dirty="0" err="1"/>
-              <a:t>linux</a:t>
-            </a:r>
-            <a:endParaRPr lang="en-US" sz="3600" dirty="0"/>
-          </a:p>
-          <a:p>
-            <a:pPr lvl="1" latinLnBrk="1"/>
-            <a:r>
-              <a:rPr lang="en-US" dirty="0" err="1"/>
-              <a:t>rhub</a:t>
-            </a:r>
-            <a:r>
-              <a:rPr lang="en-US" dirty="0"/>
-              <a:t>::</a:t>
-            </a:r>
-            <a:r>
-              <a:rPr lang="en-US" dirty="0" err="1"/>
-              <a:t>check_on_macos</a:t>
-            </a:r>
-            <a:r>
-              <a:rPr lang="en-US" dirty="0"/>
-              <a:t>(email="cla18@humboldt.edu") – this does mac</a:t>
-            </a:r>
-            <a:endParaRPr lang="en-US" sz="3600" dirty="0"/>
-          </a:p>
-          <a:p>
-            <a:r>
-              <a:rPr lang="en-US" dirty="0"/>
-              <a:t>I like to install the package on a different machine to make sure it is OK for distribution</a:t>
-            </a:r>
-          </a:p>
-          <a:p>
-            <a:r>
-              <a:rPr lang="en-US" dirty="0"/>
-              <a:t>Ask students with previous installs to update to the latest R and RStudio</a:t>
-            </a:r>
-          </a:p>
-          <a:p>
-            <a:r>
-              <a:rPr lang="en-US" dirty="0"/>
-              <a:t>To hedge my bets, I usually also have a direct link to videos and detailed instructions for running analyses as part of a handout</a:t>
-            </a:r>
-          </a:p>
-        </p:txBody>
-      </p:sp>
-      <p:sp>
-        <p:nvSpPr>
-          <p:cNvPr id="5" name="Slide Number Placeholder 4">
-            <a:extLst>
-              <a:ext uri="{FF2B5EF4-FFF2-40B4-BE49-F238E27FC236}">
-                <a16:creationId xmlns:a16="http://schemas.microsoft.com/office/drawing/2014/main" id="{C07A29A2-F2D7-4F78-9659-811E75E54EB5}"/>
+          <a:bodyPr/>
+          <a:lstStyle/>
+          <a:p>
+            <a:r>
+              <a:rPr lang="en-US" dirty="0"/>
+              <a:t>GitHub directory would look just like your package directory</a:t>
+            </a:r>
+          </a:p>
+          <a:p>
+            <a:endParaRPr lang="en-US" dirty="0"/>
+          </a:p>
+        </p:txBody>
+      </p:sp>
+      <p:pic>
+        <p:nvPicPr>
+          <p:cNvPr id="5" name="Picture 4">
+            <a:extLst>
+              <a:ext uri="{FF2B5EF4-FFF2-40B4-BE49-F238E27FC236}">
+                <a16:creationId xmlns:a16="http://schemas.microsoft.com/office/drawing/2014/main" id="{A35DCDA1-6342-43DE-8ADE-5EA50A522AA2}"/>
+              </a:ext>
+            </a:extLst>
+          </p:cNvPr>
+          <p:cNvPicPr>
+            <a:picLocks noChangeAspect="1"/>
+          </p:cNvPicPr>
+          <p:nvPr/>
+        </p:nvPicPr>
+        <p:blipFill>
+          <a:blip r:embed="rId2"/>
+          <a:stretch>
+            <a:fillRect/>
+          </a:stretch>
+        </p:blipFill>
+        <p:spPr>
+          <a:xfrm>
+            <a:off x="965033" y="2370221"/>
+            <a:ext cx="8387544" cy="4389120"/>
+          </a:xfrm>
+          <a:prstGeom prst="rect">
+            <a:avLst/>
+          </a:prstGeom>
+        </p:spPr>
+      </p:pic>
+      <p:sp>
+        <p:nvSpPr>
+          <p:cNvPr id="4" name="Slide Number Placeholder 3">
+            <a:extLst>
+              <a:ext uri="{FF2B5EF4-FFF2-40B4-BE49-F238E27FC236}">
+                <a16:creationId xmlns:a16="http://schemas.microsoft.com/office/drawing/2014/main" id="{ADDF9D2B-F4B8-4DFC-92FA-7E5517FF2EED}"/>
               </a:ext>
             </a:extLst>
           </p:cNvPr>
@@ -9935,14 +10596,43 @@
               <a:pPr/>
               <a:t>39</a:t>
             </a:fld>
-            <a:endParaRPr lang="en-US"/>
+            <a:endParaRPr lang="en-US" dirty="0"/>
+          </a:p>
+        </p:txBody>
+      </p:sp>
+      <p:sp>
+        <p:nvSpPr>
+          <p:cNvPr id="6" name="Footer Placeholder 5">
+            <a:extLst>
+              <a:ext uri="{FF2B5EF4-FFF2-40B4-BE49-F238E27FC236}">
+                <a16:creationId xmlns:a16="http://schemas.microsoft.com/office/drawing/2014/main" id="{0AF2894E-FB96-4B66-B651-6F49627237C4}"/>
+              </a:ext>
+            </a:extLst>
+          </p:cNvPr>
+          <p:cNvSpPr>
+            <a:spLocks noGrp="1"/>
+          </p:cNvSpPr>
+          <p:nvPr>
+            <p:ph type="ftr" sz="quarter" idx="11"/>
+          </p:nvPr>
+        </p:nvSpPr>
+        <p:spPr/>
+        <p:txBody>
+          <a:bodyPr/>
+          <a:lstStyle/>
+          <a:p>
+            <a:r>
+              <a:rPr lang="en-US"/>
+              <a:t>https://github.com/chrisaberson/IntroStatsTutorials</a:t>
+            </a:r>
+            <a:endParaRPr lang="en-US" dirty="0"/>
           </a:p>
         </p:txBody>
       </p:sp>
     </p:spTree>
     <p:extLst>
       <p:ext uri="{BB962C8B-B14F-4D97-AF65-F5344CB8AC3E}">
-        <p14:creationId xmlns:p14="http://schemas.microsoft.com/office/powerpoint/2010/main" val="1789036504"/>
+        <p14:creationId xmlns:p14="http://schemas.microsoft.com/office/powerpoint/2010/main" val="1881058787"/>
       </p:ext>
     </p:extLst>
   </p:cSld>
@@ -10087,7 +10777,36 @@
               <a:pPr/>
               <a:t>4</a:t>
             </a:fld>
-            <a:endParaRPr lang="en-US"/>
+            <a:endParaRPr lang="en-US" dirty="0"/>
+          </a:p>
+        </p:txBody>
+      </p:sp>
+      <p:sp>
+        <p:nvSpPr>
+          <p:cNvPr id="6" name="Footer Placeholder 5">
+            <a:extLst>
+              <a:ext uri="{FF2B5EF4-FFF2-40B4-BE49-F238E27FC236}">
+                <a16:creationId xmlns:a16="http://schemas.microsoft.com/office/drawing/2014/main" id="{C20E83D9-1E67-444D-96FA-7F8A96A2DDD2}"/>
+              </a:ext>
+            </a:extLst>
+          </p:cNvPr>
+          <p:cNvSpPr>
+            <a:spLocks noGrp="1"/>
+          </p:cNvSpPr>
+          <p:nvPr>
+            <p:ph type="ftr" sz="quarter" idx="11"/>
+          </p:nvPr>
+        </p:nvSpPr>
+        <p:spPr/>
+        <p:txBody>
+          <a:bodyPr/>
+          <a:lstStyle/>
+          <a:p>
+            <a:r>
+              <a:rPr lang="en-US"/>
+              <a:t>https://github.com/chrisaberson/IntroStatsTutorials</a:t>
+            </a:r>
+            <a:endParaRPr lang="en-US" dirty="0"/>
           </a:p>
         </p:txBody>
       </p:sp>
@@ -10126,7 +10845,7 @@
           <p:cNvPr id="2" name="Title 1">
             <a:extLst>
               <a:ext uri="{FF2B5EF4-FFF2-40B4-BE49-F238E27FC236}">
-                <a16:creationId xmlns:a16="http://schemas.microsoft.com/office/drawing/2014/main" id="{8CC32C8F-1EBD-4193-A69E-D1D7D050716D}"/>
+                <a16:creationId xmlns:a16="http://schemas.microsoft.com/office/drawing/2014/main" id="{17AB416A-0238-4257-8806-761745482C03}"/>
               </a:ext>
             </a:extLst>
           </p:cNvPr>
@@ -10144,15 +10863,7 @@
           <a:p>
             <a:r>
               <a:rPr lang="en-US" dirty="0"/>
-              <a:t>New RStudio </a:t>
-            </a:r>
-            <a:r>
-              <a:rPr lang="en-US" dirty="0" err="1"/>
-              <a:t>learnr</a:t>
-            </a:r>
-            <a:r>
-              <a:rPr lang="en-US" dirty="0"/>
-              <a:t> Features</a:t>
+              <a:t>GitHub (cont.)</a:t>
             </a:r>
           </a:p>
         </p:txBody>
@@ -10162,58 +10873,31 @@
           <p:cNvPr id="3" name="Content Placeholder 2">
             <a:extLst>
               <a:ext uri="{FF2B5EF4-FFF2-40B4-BE49-F238E27FC236}">
-                <a16:creationId xmlns:a16="http://schemas.microsoft.com/office/drawing/2014/main" id="{D200B0D9-B404-486F-872F-198C09FAD46D}"/>
-              </a:ext>
-            </a:extLst>
-          </p:cNvPr>
-          <p:cNvSpPr>
-            <a:spLocks noGrp="1"/>
-          </p:cNvSpPr>
-          <p:nvPr>
-            <p:ph sz="half" idx="1"/>
-          </p:nvPr>
-        </p:nvSpPr>
-        <p:spPr>
-          <a:xfrm>
-            <a:off x="838200" y="1825625"/>
-            <a:ext cx="4527884" cy="4351338"/>
-          </a:xfrm>
-        </p:spPr>
-        <p:txBody>
-          <a:bodyPr>
-            <a:normAutofit lnSpcReduction="10000"/>
-          </a:bodyPr>
-          <a:lstStyle/>
-          <a:p>
-            <a:r>
-              <a:rPr lang="en-US" dirty="0"/>
-              <a:t>RStudio’s latest release added greater </a:t>
-            </a:r>
-            <a:r>
-              <a:rPr lang="en-US" dirty="0" err="1"/>
-              <a:t>learnr</a:t>
-            </a:r>
-            <a:r>
-              <a:rPr lang="en-US" dirty="0"/>
-              <a:t> functionality</a:t>
-            </a:r>
-          </a:p>
-          <a:p>
-            <a:r>
-              <a:rPr lang="en-US" dirty="0"/>
-              <a:t>There is now a tutorials tab</a:t>
-            </a:r>
-          </a:p>
-          <a:p>
-            <a:r>
-              <a:rPr lang="en-US" dirty="0"/>
-              <a:t>Automatically searches for installed tutorials so students can start them with one click</a:t>
-            </a:r>
-          </a:p>
-          <a:p>
-            <a:r>
-              <a:rPr lang="en-US" dirty="0"/>
-              <a:t>Note: Does not currently have an “open in browser” option, so don’t use if you have external Shiny</a:t>
+                <a16:creationId xmlns:a16="http://schemas.microsoft.com/office/drawing/2014/main" id="{6CD871CE-E3FA-4B0A-92BD-DF3FE7103B44}"/>
+              </a:ext>
+            </a:extLst>
+          </p:cNvPr>
+          <p:cNvSpPr>
+            <a:spLocks noGrp="1"/>
+          </p:cNvSpPr>
+          <p:nvPr>
+            <p:ph idx="1"/>
+          </p:nvPr>
+        </p:nvSpPr>
+        <p:spPr/>
+        <p:txBody>
+          <a:bodyPr/>
+          <a:lstStyle/>
+          <a:p>
+            <a:r>
+              <a:rPr lang="en-US" dirty="0"/>
+              <a:t>A nice feature of GitHub is that I can add a readme file that gives detailed instructions on how to install (see below)</a:t>
+            </a:r>
+          </a:p>
+          <a:p>
+            <a:r>
+              <a:rPr lang="en-US" dirty="0"/>
+              <a:t>Also, others can suggest improvements (and catch errors!)</a:t>
             </a:r>
           </a:p>
           <a:p>
@@ -10224,12 +10908,42 @@
           </a:p>
         </p:txBody>
       </p:sp>
+      <p:sp>
+        <p:nvSpPr>
+          <p:cNvPr id="5" name="Slide Number Placeholder 4">
+            <a:extLst>
+              <a:ext uri="{FF2B5EF4-FFF2-40B4-BE49-F238E27FC236}">
+                <a16:creationId xmlns:a16="http://schemas.microsoft.com/office/drawing/2014/main" id="{D3C08712-EB13-4C1B-ABC7-AE6622B242F5}"/>
+              </a:ext>
+            </a:extLst>
+          </p:cNvPr>
+          <p:cNvSpPr>
+            <a:spLocks noGrp="1"/>
+          </p:cNvSpPr>
+          <p:nvPr>
+            <p:ph type="sldNum" sz="quarter" idx="12"/>
+          </p:nvPr>
+        </p:nvSpPr>
+        <p:spPr/>
+        <p:txBody>
+          <a:bodyPr/>
+          <a:lstStyle/>
+          <a:p>
+            <a:fld id="{86085797-AB24-4E99-8BDA-AEB3302E61E9}" type="slidenum">
+              <a:rPr lang="en-US" smtClean="0"/>
+              <a:pPr/>
+              <a:t>40</a:t>
+            </a:fld>
+            <a:endParaRPr lang="en-US" dirty="0"/>
+          </a:p>
+        </p:txBody>
+      </p:sp>
       <p:pic>
         <p:nvPicPr>
           <p:cNvPr id="4" name="Picture 3">
             <a:extLst>
               <a:ext uri="{FF2B5EF4-FFF2-40B4-BE49-F238E27FC236}">
-                <a16:creationId xmlns:a16="http://schemas.microsoft.com/office/drawing/2014/main" id="{59EC3D97-91AC-4E39-ADFB-B3CC0DE5BBAF}"/>
+                <a16:creationId xmlns:a16="http://schemas.microsoft.com/office/drawing/2014/main" id="{D22E80C0-4DB1-454F-B7DC-80B0308FD817}"/>
               </a:ext>
             </a:extLst>
           </p:cNvPr>
@@ -10246,8 +10960,8 @@
         </p:blipFill>
         <p:spPr>
           <a:xfrm>
-            <a:off x="5719512" y="1750846"/>
-            <a:ext cx="6251860" cy="3749040"/>
+            <a:off x="1857375" y="3155315"/>
+            <a:ext cx="6382744" cy="3566160"/>
           </a:xfrm>
           <a:prstGeom prst="rect">
             <a:avLst/>
@@ -10256,37 +10970,37 @@
       </p:pic>
       <p:sp>
         <p:nvSpPr>
-          <p:cNvPr id="5" name="Slide Number Placeholder 4">
-            <a:extLst>
-              <a:ext uri="{FF2B5EF4-FFF2-40B4-BE49-F238E27FC236}">
-                <a16:creationId xmlns:a16="http://schemas.microsoft.com/office/drawing/2014/main" id="{91907E05-C0A7-487E-B7BB-E703AC61512E}"/>
-              </a:ext>
-            </a:extLst>
-          </p:cNvPr>
-          <p:cNvSpPr>
-            <a:spLocks noGrp="1"/>
-          </p:cNvSpPr>
-          <p:nvPr>
-            <p:ph type="sldNum" sz="quarter" idx="12"/>
-          </p:nvPr>
-        </p:nvSpPr>
-        <p:spPr/>
-        <p:txBody>
-          <a:bodyPr/>
-          <a:lstStyle/>
-          <a:p>
-            <a:fld id="{86085797-AB24-4E99-8BDA-AEB3302E61E9}" type="slidenum">
-              <a:rPr lang="en-US" smtClean="0"/>
-              <a:t>40</a:t>
-            </a:fld>
-            <a:endParaRPr lang="en-US"/>
+          <p:cNvPr id="6" name="Footer Placeholder 5">
+            <a:extLst>
+              <a:ext uri="{FF2B5EF4-FFF2-40B4-BE49-F238E27FC236}">
+                <a16:creationId xmlns:a16="http://schemas.microsoft.com/office/drawing/2014/main" id="{B1BB24D5-66FA-4946-A17A-5E9C40DA2C5F}"/>
+              </a:ext>
+            </a:extLst>
+          </p:cNvPr>
+          <p:cNvSpPr>
+            <a:spLocks noGrp="1"/>
+          </p:cNvSpPr>
+          <p:nvPr>
+            <p:ph type="ftr" sz="quarter" idx="11"/>
+          </p:nvPr>
+        </p:nvSpPr>
+        <p:spPr/>
+        <p:txBody>
+          <a:bodyPr/>
+          <a:lstStyle/>
+          <a:p>
+            <a:r>
+              <a:rPr lang="en-US"/>
+              <a:t>https://github.com/chrisaberson/IntroStatsTutorials</a:t>
+            </a:r>
+            <a:endParaRPr lang="en-US" dirty="0"/>
           </a:p>
         </p:txBody>
       </p:sp>
     </p:spTree>
     <p:extLst>
       <p:ext uri="{BB962C8B-B14F-4D97-AF65-F5344CB8AC3E}">
-        <p14:creationId xmlns:p14="http://schemas.microsoft.com/office/powerpoint/2010/main" val="3477735297"/>
+        <p14:creationId xmlns:p14="http://schemas.microsoft.com/office/powerpoint/2010/main" val="1906516326"/>
       </p:ext>
     </p:extLst>
   </p:cSld>
@@ -10318,7 +11032,7 @@
           <p:cNvPr id="2" name="Title 1">
             <a:extLst>
               <a:ext uri="{FF2B5EF4-FFF2-40B4-BE49-F238E27FC236}">
-                <a16:creationId xmlns:a16="http://schemas.microsoft.com/office/drawing/2014/main" id="{663C1AC5-0773-4158-8E44-30C2E12EBA1C}"/>
+                <a16:creationId xmlns:a16="http://schemas.microsoft.com/office/drawing/2014/main" id="{A5BDB3CD-BA37-4F03-8226-3E9B5DD229C4}"/>
               </a:ext>
             </a:extLst>
           </p:cNvPr>
@@ -10336,17 +11050,17 @@
           <a:p>
             <a:r>
               <a:rPr lang="en-US" dirty="0"/>
-              <a:t>Resources</a:t>
-            </a:r>
-          </a:p>
-        </p:txBody>
-      </p:sp>
-      <p:sp>
-        <p:nvSpPr>
-          <p:cNvPr id="5" name="Content Placeholder 4">
-            <a:extLst>
-              <a:ext uri="{FF2B5EF4-FFF2-40B4-BE49-F238E27FC236}">
-                <a16:creationId xmlns:a16="http://schemas.microsoft.com/office/drawing/2014/main" id="{EBE9FDA0-7A85-47BA-80D0-B2D9322886EB}"/>
+              <a:t>Best Practices (I think)</a:t>
+            </a:r>
+          </a:p>
+        </p:txBody>
+      </p:sp>
+      <p:sp>
+        <p:nvSpPr>
+          <p:cNvPr id="3" name="Content Placeholder 2">
+            <a:extLst>
+              <a:ext uri="{FF2B5EF4-FFF2-40B4-BE49-F238E27FC236}">
+                <a16:creationId xmlns:a16="http://schemas.microsoft.com/office/drawing/2014/main" id="{9419CCEA-5AAA-44C7-8039-ACE03F9F7A9B}"/>
               </a:ext>
             </a:extLst>
           </p:cNvPr>
@@ -10360,101 +11074,64 @@
         <p:spPr/>
         <p:txBody>
           <a:bodyPr>
-            <a:normAutofit lnSpcReduction="10000"/>
+            <a:normAutofit fontScale="92500"/>
           </a:bodyPr>
           <a:lstStyle/>
           <a:p>
             <a:r>
-              <a:rPr lang="en-US" dirty="0">
-                <a:hlinkClick r:id="rId2"/>
-              </a:rPr>
-              <a:t>https://rstudio.github.io/learnr/</a:t>
-            </a:r>
-            <a:r>
-              <a:rPr lang="en-US" dirty="0"/>
-              <a:t> - A nice, clear manual for using </a:t>
-            </a:r>
-            <a:r>
-              <a:rPr lang="en-US" dirty="0" err="1"/>
-              <a:t>learnr</a:t>
-            </a:r>
-            <a:endParaRPr lang="en-US" dirty="0"/>
-          </a:p>
-          <a:p>
-            <a:r>
-              <a:rPr lang="en-US" dirty="0">
-                <a:hlinkClick r:id="rId3"/>
-              </a:rPr>
-              <a:t>https://github.com/chrisaberson/</a:t>
-            </a:r>
-            <a:r>
-              <a:rPr lang="en-US" dirty="0"/>
-              <a:t> - my </a:t>
-            </a:r>
-            <a:r>
-              <a:rPr lang="en-US" dirty="0" err="1"/>
-              <a:t>github</a:t>
-            </a:r>
-            <a:r>
-              <a:rPr lang="en-US" dirty="0"/>
-              <a:t>. Please feel free to take my work and adapt it if that lessens your workload in any way! </a:t>
-            </a:r>
-          </a:p>
-          <a:p>
-            <a:r>
-              <a:rPr lang="en-US" dirty="0">
-                <a:hlinkClick r:id="rId4"/>
-              </a:rPr>
-              <a:t>https://github.com/profandyfield/adventr</a:t>
-            </a:r>
-            <a:r>
-              <a:rPr lang="en-US" dirty="0"/>
-              <a:t> - Andy Field wrote </a:t>
-            </a:r>
-            <a:r>
-              <a:rPr lang="en-US" dirty="0" err="1"/>
-              <a:t>learnr</a:t>
-            </a:r>
-            <a:r>
-              <a:rPr lang="en-US" dirty="0"/>
-              <a:t> materials to accompany one of his statistics texts. Several very good tutorials to mine for content</a:t>
-            </a:r>
-          </a:p>
-          <a:p>
-            <a:r>
-              <a:rPr lang="en-US" dirty="0">
-                <a:hlinkClick r:id="rId5"/>
-              </a:rPr>
-              <a:t>http://r-pkgs.had.co.nz/</a:t>
-            </a:r>
-            <a:r>
-              <a:rPr lang="en-US" dirty="0"/>
-              <a:t> - Hadley Wickham’s book on writing R packages (free online version)</a:t>
-            </a:r>
-          </a:p>
-          <a:p>
-            <a:r>
-              <a:rPr lang="en-US" dirty="0">
-                <a:hlinkClick r:id="rId6"/>
-              </a:rPr>
-              <a:t>https://kbroman.org/pkg_primer/</a:t>
-            </a:r>
-            <a:r>
-              <a:rPr lang="en-US" dirty="0"/>
-              <a:t> - Another good primer on writing packages</a:t>
-            </a:r>
-          </a:p>
-          <a:p>
-            <a:endParaRPr lang="en-US" dirty="0"/>
-          </a:p>
-        </p:txBody>
-      </p:sp>
-      <p:sp>
-        <p:nvSpPr>
-          <p:cNvPr id="3" name="Slide Number Placeholder 2">
-            <a:extLst>
-              <a:ext uri="{FF2B5EF4-FFF2-40B4-BE49-F238E27FC236}">
-                <a16:creationId xmlns:a16="http://schemas.microsoft.com/office/drawing/2014/main" id="{DD7F6266-768F-4EB9-877E-A1A29E75E34F}"/>
+              <a:rPr lang="en-US" dirty="0"/>
+              <a:t>Check package build on multiple platforms (Windows and Mac)</a:t>
+            </a:r>
+          </a:p>
+          <a:p>
+            <a:pPr lvl="1"/>
+            <a:r>
+              <a:rPr lang="en-US" dirty="0"/>
+              <a:t>The rhub package accomplishes this easily (if you don’t have both types of machines available)</a:t>
+            </a:r>
+          </a:p>
+          <a:p>
+            <a:pPr lvl="1" latinLnBrk="1"/>
+            <a:r>
+              <a:rPr lang="en-US" dirty="0"/>
+              <a:t>rhub::check_for_cran(email="cla18@humboldt.edu") – this does windows and linux</a:t>
+            </a:r>
+            <a:endParaRPr lang="en-US" sz="3600" dirty="0"/>
+          </a:p>
+          <a:p>
+            <a:pPr lvl="1" latinLnBrk="1"/>
+            <a:r>
+              <a:rPr lang="en-US" dirty="0"/>
+              <a:t>rhub::check_on_macos(email="cla18@humboldt.edu") – this does mac</a:t>
+            </a:r>
+            <a:endParaRPr lang="en-US" sz="3600" dirty="0"/>
+          </a:p>
+          <a:p>
+            <a:r>
+              <a:rPr lang="en-US" dirty="0"/>
+              <a:t>I like to install the package on a different machine to make sure it is OK for distribution</a:t>
+            </a:r>
+          </a:p>
+          <a:p>
+            <a:r>
+              <a:rPr lang="en-US" dirty="0"/>
+              <a:t>Ask students with previous installs to update to the latest R and RStudio</a:t>
+            </a:r>
+          </a:p>
+          <a:p>
+            <a:r>
+              <a:rPr lang="en-US" dirty="0"/>
+              <a:t>To hedge my bets, I usually also have a direct link to videos and detailed instructions for running analyses as part of a handout</a:t>
+            </a:r>
+          </a:p>
+        </p:txBody>
+      </p:sp>
+      <p:sp>
+        <p:nvSpPr>
+          <p:cNvPr id="5" name="Slide Number Placeholder 4">
+            <a:extLst>
+              <a:ext uri="{FF2B5EF4-FFF2-40B4-BE49-F238E27FC236}">
+                <a16:creationId xmlns:a16="http://schemas.microsoft.com/office/drawing/2014/main" id="{C07A29A2-F2D7-4F78-9659-811E75E54EB5}"/>
               </a:ext>
             </a:extLst>
           </p:cNvPr>
@@ -10475,14 +11152,43 @@
               <a:pPr/>
               <a:t>41</a:t>
             </a:fld>
-            <a:endParaRPr lang="en-US"/>
+            <a:endParaRPr lang="en-US" dirty="0"/>
+          </a:p>
+        </p:txBody>
+      </p:sp>
+      <p:sp>
+        <p:nvSpPr>
+          <p:cNvPr id="4" name="Footer Placeholder 3">
+            <a:extLst>
+              <a:ext uri="{FF2B5EF4-FFF2-40B4-BE49-F238E27FC236}">
+                <a16:creationId xmlns:a16="http://schemas.microsoft.com/office/drawing/2014/main" id="{A50B884C-A573-44ED-99AA-3807810C218C}"/>
+              </a:ext>
+            </a:extLst>
+          </p:cNvPr>
+          <p:cNvSpPr>
+            <a:spLocks noGrp="1"/>
+          </p:cNvSpPr>
+          <p:nvPr>
+            <p:ph type="ftr" sz="quarter" idx="11"/>
+          </p:nvPr>
+        </p:nvSpPr>
+        <p:spPr/>
+        <p:txBody>
+          <a:bodyPr/>
+          <a:lstStyle/>
+          <a:p>
+            <a:r>
+              <a:rPr lang="en-US"/>
+              <a:t>https://github.com/chrisaberson/IntroStatsTutorials</a:t>
+            </a:r>
+            <a:endParaRPr lang="en-US" dirty="0"/>
           </a:p>
         </p:txBody>
       </p:sp>
     </p:spTree>
     <p:extLst>
       <p:ext uri="{BB962C8B-B14F-4D97-AF65-F5344CB8AC3E}">
-        <p14:creationId xmlns:p14="http://schemas.microsoft.com/office/powerpoint/2010/main" val="2763361133"/>
+        <p14:creationId xmlns:p14="http://schemas.microsoft.com/office/powerpoint/2010/main" val="1789036504"/>
       </p:ext>
     </p:extLst>
   </p:cSld>
@@ -10514,7 +11220,7 @@
           <p:cNvPr id="2" name="Title 1">
             <a:extLst>
               <a:ext uri="{FF2B5EF4-FFF2-40B4-BE49-F238E27FC236}">
-                <a16:creationId xmlns:a16="http://schemas.microsoft.com/office/drawing/2014/main" id="{BF7BF4F1-B317-4E17-BB6B-1EDE19FDAC5C}"/>
+                <a16:creationId xmlns:a16="http://schemas.microsoft.com/office/drawing/2014/main" id="{8CC32C8F-1EBD-4193-A69E-D1D7D050716D}"/>
               </a:ext>
             </a:extLst>
           </p:cNvPr>
@@ -10530,11 +11236,601 @@
           <a:bodyPr/>
           <a:lstStyle/>
           <a:p>
-            <a:pPr algn="ctr"/>
-            <a:r>
-              <a:rPr lang="en-US" dirty="0"/>
-              <a:t>Questions, Comments, Ideas for Moving Forward?</a:t>
-            </a:r>
+            <a:r>
+              <a:rPr lang="en-US" dirty="0"/>
+              <a:t>New RStudio learnr Features</a:t>
+            </a:r>
+          </a:p>
+        </p:txBody>
+      </p:sp>
+      <p:sp>
+        <p:nvSpPr>
+          <p:cNvPr id="3" name="Content Placeholder 2">
+            <a:extLst>
+              <a:ext uri="{FF2B5EF4-FFF2-40B4-BE49-F238E27FC236}">
+                <a16:creationId xmlns:a16="http://schemas.microsoft.com/office/drawing/2014/main" id="{D200B0D9-B404-486F-872F-198C09FAD46D}"/>
+              </a:ext>
+            </a:extLst>
+          </p:cNvPr>
+          <p:cNvSpPr>
+            <a:spLocks noGrp="1"/>
+          </p:cNvSpPr>
+          <p:nvPr>
+            <p:ph sz="half" idx="1"/>
+          </p:nvPr>
+        </p:nvSpPr>
+        <p:spPr>
+          <a:xfrm>
+            <a:off x="838200" y="1825625"/>
+            <a:ext cx="4527884" cy="4351338"/>
+          </a:xfrm>
+        </p:spPr>
+        <p:txBody>
+          <a:bodyPr>
+            <a:normAutofit lnSpcReduction="10000"/>
+          </a:bodyPr>
+          <a:lstStyle/>
+          <a:p>
+            <a:r>
+              <a:rPr lang="en-US" dirty="0"/>
+              <a:t>RStudio’s latest release added greater learnr functionality</a:t>
+            </a:r>
+          </a:p>
+          <a:p>
+            <a:r>
+              <a:rPr lang="en-US" dirty="0"/>
+              <a:t>There is now a tutorials tab</a:t>
+            </a:r>
+          </a:p>
+          <a:p>
+            <a:r>
+              <a:rPr lang="en-US" dirty="0"/>
+              <a:t>Automatically searches for installed tutorials so students can start them with one click</a:t>
+            </a:r>
+          </a:p>
+          <a:p>
+            <a:r>
+              <a:rPr lang="en-US" dirty="0"/>
+              <a:t>Note: Does not currently have an “open in browser” option, so don’t use if you have external Shiny</a:t>
+            </a:r>
+          </a:p>
+          <a:p>
+            <a:pPr marL="0" indent="0">
+              <a:buNone/>
+            </a:pPr>
+            <a:endParaRPr lang="en-US" dirty="0"/>
+          </a:p>
+        </p:txBody>
+      </p:sp>
+      <p:pic>
+        <p:nvPicPr>
+          <p:cNvPr id="4" name="Picture 3">
+            <a:extLst>
+              <a:ext uri="{FF2B5EF4-FFF2-40B4-BE49-F238E27FC236}">
+                <a16:creationId xmlns:a16="http://schemas.microsoft.com/office/drawing/2014/main" id="{59EC3D97-91AC-4E39-ADFB-B3CC0DE5BBAF}"/>
+              </a:ext>
+            </a:extLst>
+          </p:cNvPr>
+          <p:cNvPicPr>
+            <a:picLocks noChangeAspect="1"/>
+          </p:cNvPicPr>
+          <p:nvPr/>
+        </p:nvPicPr>
+        <p:blipFill>
+          <a:blip r:embed="rId2"/>
+          <a:stretch>
+            <a:fillRect/>
+          </a:stretch>
+        </p:blipFill>
+        <p:spPr>
+          <a:xfrm>
+            <a:off x="5719512" y="1750846"/>
+            <a:ext cx="6251860" cy="3749040"/>
+          </a:xfrm>
+          <a:prstGeom prst="rect">
+            <a:avLst/>
+          </a:prstGeom>
+        </p:spPr>
+      </p:pic>
+      <p:sp>
+        <p:nvSpPr>
+          <p:cNvPr id="5" name="Slide Number Placeholder 4">
+            <a:extLst>
+              <a:ext uri="{FF2B5EF4-FFF2-40B4-BE49-F238E27FC236}">
+                <a16:creationId xmlns:a16="http://schemas.microsoft.com/office/drawing/2014/main" id="{91907E05-C0A7-487E-B7BB-E703AC61512E}"/>
+              </a:ext>
+            </a:extLst>
+          </p:cNvPr>
+          <p:cNvSpPr>
+            <a:spLocks noGrp="1"/>
+          </p:cNvSpPr>
+          <p:nvPr>
+            <p:ph type="sldNum" sz="quarter" idx="12"/>
+          </p:nvPr>
+        </p:nvSpPr>
+        <p:spPr/>
+        <p:txBody>
+          <a:bodyPr/>
+          <a:lstStyle/>
+          <a:p>
+            <a:fld id="{86085797-AB24-4E99-8BDA-AEB3302E61E9}" type="slidenum">
+              <a:rPr lang="en-US" smtClean="0"/>
+              <a:t>42</a:t>
+            </a:fld>
+            <a:endParaRPr lang="en-US" dirty="0"/>
+          </a:p>
+        </p:txBody>
+      </p:sp>
+      <p:sp>
+        <p:nvSpPr>
+          <p:cNvPr id="6" name="Footer Placeholder 5">
+            <a:extLst>
+              <a:ext uri="{FF2B5EF4-FFF2-40B4-BE49-F238E27FC236}">
+                <a16:creationId xmlns:a16="http://schemas.microsoft.com/office/drawing/2014/main" id="{71EBD602-89A8-4B80-9F9D-29B5A9CE4B66}"/>
+              </a:ext>
+            </a:extLst>
+          </p:cNvPr>
+          <p:cNvSpPr>
+            <a:spLocks noGrp="1"/>
+          </p:cNvSpPr>
+          <p:nvPr>
+            <p:ph type="ftr" sz="quarter" idx="11"/>
+          </p:nvPr>
+        </p:nvSpPr>
+        <p:spPr/>
+        <p:txBody>
+          <a:bodyPr/>
+          <a:lstStyle/>
+          <a:p>
+            <a:r>
+              <a:rPr lang="en-US"/>
+              <a:t>https://github.com/chrisaberson/IntroStatsTutorials</a:t>
+            </a:r>
+            <a:endParaRPr lang="en-US" dirty="0"/>
+          </a:p>
+        </p:txBody>
+      </p:sp>
+    </p:spTree>
+    <p:extLst>
+      <p:ext uri="{BB962C8B-B14F-4D97-AF65-F5344CB8AC3E}">
+        <p14:creationId xmlns:p14="http://schemas.microsoft.com/office/powerpoint/2010/main" val="3477735297"/>
+      </p:ext>
+    </p:extLst>
+  </p:cSld>
+  <p:clrMapOvr>
+    <a:masterClrMapping/>
+  </p:clrMapOvr>
+</p:sld>
+</file>
+
+<file path=ppt/slides/slide43.xml><?xml version="1.0" encoding="utf-8"?>
+<p:sld xmlns:a="http://schemas.openxmlformats.org/drawingml/2006/main" xmlns:r="http://schemas.openxmlformats.org/officeDocument/2006/relationships" xmlns:p="http://schemas.openxmlformats.org/presentationml/2006/main">
+  <p:cSld>
+    <p:spTree>
+      <p:nvGrpSpPr>
+        <p:cNvPr id="1" name=""/>
+        <p:cNvGrpSpPr/>
+        <p:nvPr/>
+      </p:nvGrpSpPr>
+      <p:grpSpPr>
+        <a:xfrm>
+          <a:off x="0" y="0"/>
+          <a:ext cx="0" cy="0"/>
+          <a:chOff x="0" y="0"/>
+          <a:chExt cx="0" cy="0"/>
+        </a:xfrm>
+      </p:grpSpPr>
+      <p:sp>
+        <p:nvSpPr>
+          <p:cNvPr id="2" name="Title 1">
+            <a:extLst>
+              <a:ext uri="{FF2B5EF4-FFF2-40B4-BE49-F238E27FC236}">
+                <a16:creationId xmlns:a16="http://schemas.microsoft.com/office/drawing/2014/main" id="{B3B2BE59-D8E7-4FCB-842A-9AE923C8BF04}"/>
+              </a:ext>
+            </a:extLst>
+          </p:cNvPr>
+          <p:cNvSpPr>
+            <a:spLocks noGrp="1"/>
+          </p:cNvSpPr>
+          <p:nvPr>
+            <p:ph type="title"/>
+          </p:nvPr>
+        </p:nvSpPr>
+        <p:spPr/>
+        <p:txBody>
+          <a:bodyPr/>
+          <a:lstStyle/>
+          <a:p>
+            <a:r>
+              <a:rPr lang="en-US" dirty="0"/>
+              <a:t>Troubleshooting Student Installation Issues</a:t>
+            </a:r>
+          </a:p>
+        </p:txBody>
+      </p:sp>
+      <p:sp>
+        <p:nvSpPr>
+          <p:cNvPr id="6" name="Content Placeholder 5">
+            <a:extLst>
+              <a:ext uri="{FF2B5EF4-FFF2-40B4-BE49-F238E27FC236}">
+                <a16:creationId xmlns:a16="http://schemas.microsoft.com/office/drawing/2014/main" id="{2FEABCC9-8C28-4C61-AFA3-D37750448B1E}"/>
+              </a:ext>
+            </a:extLst>
+          </p:cNvPr>
+          <p:cNvSpPr>
+            <a:spLocks noGrp="1"/>
+          </p:cNvSpPr>
+          <p:nvPr>
+            <p:ph idx="1"/>
+          </p:nvPr>
+        </p:nvSpPr>
+        <p:spPr/>
+        <p:txBody>
+          <a:bodyPr>
+            <a:normAutofit lnSpcReduction="10000"/>
+          </a:bodyPr>
+          <a:lstStyle/>
+          <a:p>
+            <a:r>
+              <a:rPr lang="en-US" dirty="0" err="1"/>
+              <a:t>learnr</a:t>
+            </a:r>
+            <a:r>
+              <a:rPr lang="en-US" dirty="0"/>
+              <a:t> tutorials often require numerous packages</a:t>
+            </a:r>
+          </a:p>
+          <a:p>
+            <a:pPr lvl="1"/>
+            <a:r>
+              <a:rPr lang="en-US" dirty="0"/>
+              <a:t>If you use ggplot2 you need </a:t>
+            </a:r>
+            <a:r>
+              <a:rPr lang="en-US" dirty="0">
+                <a:hlinkClick r:id="rId2"/>
+              </a:rPr>
+              <a:t>digest</a:t>
+            </a:r>
+            <a:r>
+              <a:rPr lang="en-US" dirty="0"/>
+              <a:t>, </a:t>
+            </a:r>
+            <a:r>
+              <a:rPr lang="en-US" dirty="0">
+                <a:hlinkClick r:id="rId3"/>
+              </a:rPr>
+              <a:t>glue</a:t>
+            </a:r>
+            <a:r>
+              <a:rPr lang="en-US" dirty="0"/>
+              <a:t>, </a:t>
+            </a:r>
+            <a:r>
+              <a:rPr lang="en-US" dirty="0" err="1"/>
+              <a:t>grDevices</a:t>
+            </a:r>
+            <a:r>
+              <a:rPr lang="en-US" dirty="0"/>
+              <a:t>, grid, </a:t>
+            </a:r>
+            <a:r>
+              <a:rPr lang="en-US" dirty="0" err="1">
+                <a:hlinkClick r:id="rId4"/>
+              </a:rPr>
+              <a:t>gtable</a:t>
+            </a:r>
+            <a:r>
+              <a:rPr lang="en-US" dirty="0"/>
+              <a:t>, </a:t>
+            </a:r>
+            <a:r>
+              <a:rPr lang="en-US" dirty="0" err="1">
+                <a:hlinkClick r:id="rId5"/>
+              </a:rPr>
+              <a:t>isoband</a:t>
+            </a:r>
+            <a:r>
+              <a:rPr lang="en-US" dirty="0"/>
+              <a:t>, </a:t>
+            </a:r>
+            <a:r>
+              <a:rPr lang="en-US" dirty="0">
+                <a:hlinkClick r:id="rId6"/>
+              </a:rPr>
+              <a:t>MASS</a:t>
+            </a:r>
+            <a:r>
+              <a:rPr lang="en-US" dirty="0"/>
+              <a:t>, </a:t>
+            </a:r>
+            <a:r>
+              <a:rPr lang="en-US" dirty="0" err="1">
+                <a:hlinkClick r:id="rId7"/>
+              </a:rPr>
+              <a:t>mgcv</a:t>
+            </a:r>
+            <a:r>
+              <a:rPr lang="en-US" dirty="0"/>
+              <a:t>, </a:t>
+            </a:r>
+            <a:r>
+              <a:rPr lang="en-US" dirty="0" err="1">
+                <a:hlinkClick r:id="rId8"/>
+              </a:rPr>
+              <a:t>rlang</a:t>
+            </a:r>
+            <a:r>
+              <a:rPr lang="en-US" dirty="0"/>
+              <a:t>, </a:t>
+            </a:r>
+            <a:r>
+              <a:rPr lang="en-US" dirty="0">
+                <a:hlinkClick r:id="rId9"/>
+              </a:rPr>
+              <a:t>scales</a:t>
+            </a:r>
+            <a:r>
+              <a:rPr lang="en-US" dirty="0"/>
+              <a:t>, stats, </a:t>
+            </a:r>
+            <a:r>
+              <a:rPr lang="en-US" dirty="0" err="1">
+                <a:hlinkClick r:id="rId10"/>
+              </a:rPr>
+              <a:t>tibble</a:t>
+            </a:r>
+            <a:r>
+              <a:rPr lang="en-US" dirty="0"/>
+              <a:t>, </a:t>
+            </a:r>
+            <a:r>
+              <a:rPr lang="en-US" dirty="0" err="1">
+                <a:hlinkClick r:id="rId11"/>
+              </a:rPr>
+              <a:t>withr</a:t>
+            </a:r>
+            <a:r>
+              <a:rPr lang="en-US" dirty="0"/>
+              <a:t> … many of those come with additional dependencies</a:t>
+            </a:r>
+          </a:p>
+          <a:p>
+            <a:pPr lvl="1"/>
+            <a:r>
+              <a:rPr lang="en-US" dirty="0"/>
+              <a:t>Fix: manually install dependent packages before installing the tutorial</a:t>
+            </a:r>
+          </a:p>
+          <a:p>
+            <a:r>
+              <a:rPr lang="en-US" dirty="0"/>
+              <a:t>Occasionally one or more of these installs fail and create an error</a:t>
+            </a:r>
+          </a:p>
+          <a:p>
+            <a:pPr lvl="1"/>
+            <a:r>
+              <a:rPr lang="en-US" dirty="0"/>
+              <a:t>Fix: install that package manually. Error message will indicate which one caused the failure (may need to do this a few times)</a:t>
+            </a:r>
+          </a:p>
+          <a:p>
+            <a:r>
+              <a:rPr lang="en-US" dirty="0"/>
+              <a:t>On Windows machines, the stand-alone program </a:t>
+            </a:r>
+            <a:r>
+              <a:rPr lang="en-US" dirty="0" err="1"/>
+              <a:t>rtools</a:t>
+            </a:r>
+            <a:r>
+              <a:rPr lang="en-US" dirty="0"/>
+              <a:t> is required (this is not a package). </a:t>
+            </a:r>
+            <a:r>
+              <a:rPr lang="en-US" dirty="0">
+                <a:hlinkClick r:id="rId12"/>
+              </a:rPr>
+              <a:t>https://cran.r-project.org/bin/windows/Rtools/</a:t>
+            </a:r>
+            <a:endParaRPr lang="en-US" dirty="0"/>
+          </a:p>
+          <a:p>
+            <a:pPr lvl="1"/>
+            <a:r>
+              <a:rPr lang="en-US" dirty="0"/>
+              <a:t>Fix: Include in basic instructions for downloading R and RStudio</a:t>
+            </a:r>
+          </a:p>
+        </p:txBody>
+      </p:sp>
+      <p:sp>
+        <p:nvSpPr>
+          <p:cNvPr id="5" name="Slide Number Placeholder 4">
+            <a:extLst>
+              <a:ext uri="{FF2B5EF4-FFF2-40B4-BE49-F238E27FC236}">
+                <a16:creationId xmlns:a16="http://schemas.microsoft.com/office/drawing/2014/main" id="{E263D588-DF68-4C96-8F19-C2C3F53435A6}"/>
+              </a:ext>
+            </a:extLst>
+          </p:cNvPr>
+          <p:cNvSpPr>
+            <a:spLocks noGrp="1"/>
+          </p:cNvSpPr>
+          <p:nvPr>
+            <p:ph type="sldNum" sz="quarter" idx="12"/>
+          </p:nvPr>
+        </p:nvSpPr>
+        <p:spPr/>
+        <p:txBody>
+          <a:bodyPr/>
+          <a:lstStyle/>
+          <a:p>
+            <a:fld id="{86085797-AB24-4E99-8BDA-AEB3302E61E9}" type="slidenum">
+              <a:rPr lang="en-US" smtClean="0"/>
+              <a:t>43</a:t>
+            </a:fld>
+            <a:endParaRPr lang="en-US" dirty="0"/>
+          </a:p>
+        </p:txBody>
+      </p:sp>
+      <p:sp>
+        <p:nvSpPr>
+          <p:cNvPr id="7" name="Footer Placeholder 6">
+            <a:extLst>
+              <a:ext uri="{FF2B5EF4-FFF2-40B4-BE49-F238E27FC236}">
+                <a16:creationId xmlns:a16="http://schemas.microsoft.com/office/drawing/2014/main" id="{020AD696-2FB0-49C5-88C6-B2BA3AFFCE70}"/>
+              </a:ext>
+            </a:extLst>
+          </p:cNvPr>
+          <p:cNvSpPr>
+            <a:spLocks noGrp="1"/>
+          </p:cNvSpPr>
+          <p:nvPr>
+            <p:ph type="ftr" sz="quarter" idx="11"/>
+          </p:nvPr>
+        </p:nvSpPr>
+        <p:spPr/>
+        <p:txBody>
+          <a:bodyPr/>
+          <a:lstStyle/>
+          <a:p>
+            <a:r>
+              <a:rPr lang="en-US"/>
+              <a:t>https://github.com/chrisaberson/IntroStatsTutorials</a:t>
+            </a:r>
+            <a:endParaRPr lang="en-US" dirty="0"/>
+          </a:p>
+        </p:txBody>
+      </p:sp>
+    </p:spTree>
+    <p:extLst>
+      <p:ext uri="{BB962C8B-B14F-4D97-AF65-F5344CB8AC3E}">
+        <p14:creationId xmlns:p14="http://schemas.microsoft.com/office/powerpoint/2010/main" val="1978959528"/>
+      </p:ext>
+    </p:extLst>
+  </p:cSld>
+  <p:clrMapOvr>
+    <a:masterClrMapping/>
+  </p:clrMapOvr>
+</p:sld>
+</file>
+
+<file path=ppt/slides/slide44.xml><?xml version="1.0" encoding="utf-8"?>
+<p:sld xmlns:a="http://schemas.openxmlformats.org/drawingml/2006/main" xmlns:r="http://schemas.openxmlformats.org/officeDocument/2006/relationships" xmlns:p="http://schemas.openxmlformats.org/presentationml/2006/main">
+  <p:cSld>
+    <p:spTree>
+      <p:nvGrpSpPr>
+        <p:cNvPr id="1" name=""/>
+        <p:cNvGrpSpPr/>
+        <p:nvPr/>
+      </p:nvGrpSpPr>
+      <p:grpSpPr>
+        <a:xfrm>
+          <a:off x="0" y="0"/>
+          <a:ext cx="0" cy="0"/>
+          <a:chOff x="0" y="0"/>
+          <a:chExt cx="0" cy="0"/>
+        </a:xfrm>
+      </p:grpSpPr>
+      <p:sp>
+        <p:nvSpPr>
+          <p:cNvPr id="2" name="Title 1">
+            <a:extLst>
+              <a:ext uri="{FF2B5EF4-FFF2-40B4-BE49-F238E27FC236}">
+                <a16:creationId xmlns:a16="http://schemas.microsoft.com/office/drawing/2014/main" id="{8FF54FBF-BE95-4A8E-A348-DBCF58C5EDDC}"/>
+              </a:ext>
+            </a:extLst>
+          </p:cNvPr>
+          <p:cNvSpPr>
+            <a:spLocks noGrp="1"/>
+          </p:cNvSpPr>
+          <p:nvPr>
+            <p:ph type="title"/>
+          </p:nvPr>
+        </p:nvSpPr>
+        <p:spPr/>
+        <p:txBody>
+          <a:bodyPr/>
+          <a:lstStyle/>
+          <a:p>
+            <a:r>
+              <a:rPr lang="en-US" dirty="0"/>
+              <a:t>Troubleshooting Student Installation Issues (cont.)</a:t>
+            </a:r>
+          </a:p>
+        </p:txBody>
+      </p:sp>
+      <p:sp>
+        <p:nvSpPr>
+          <p:cNvPr id="3" name="Content Placeholder 2">
+            <a:extLst>
+              <a:ext uri="{FF2B5EF4-FFF2-40B4-BE49-F238E27FC236}">
+                <a16:creationId xmlns:a16="http://schemas.microsoft.com/office/drawing/2014/main" id="{D3FADC45-4494-4F61-97E3-BF7150095BB3}"/>
+              </a:ext>
+            </a:extLst>
+          </p:cNvPr>
+          <p:cNvSpPr>
+            <a:spLocks noGrp="1"/>
+          </p:cNvSpPr>
+          <p:nvPr>
+            <p:ph idx="1"/>
+          </p:nvPr>
+        </p:nvSpPr>
+        <p:spPr/>
+        <p:txBody>
+          <a:bodyPr/>
+          <a:lstStyle/>
+          <a:p>
+            <a:r>
+              <a:rPr lang="en-US" dirty="0"/>
+              <a:t>If possible, install on a machine that is not your primary one</a:t>
+            </a:r>
+          </a:p>
+          <a:p>
+            <a:pPr lvl="1"/>
+            <a:r>
+              <a:rPr lang="en-US" dirty="0"/>
+              <a:t>Ideally, an older, slow machine</a:t>
+            </a:r>
+          </a:p>
+          <a:p>
+            <a:r>
+              <a:rPr lang="en-US" dirty="0"/>
+              <a:t>Packages distributed as source files tend to cause fewer problems</a:t>
+            </a:r>
+          </a:p>
+          <a:p>
+            <a:r>
+              <a:rPr lang="en-US" dirty="0"/>
+              <a:t>Remind students who have previously used R to update everything!</a:t>
+            </a:r>
+          </a:p>
+          <a:p>
+            <a:r>
+              <a:rPr lang="en-US" dirty="0"/>
+              <a:t>Have a backup options</a:t>
+            </a:r>
+          </a:p>
+          <a:p>
+            <a:pPr lvl="1"/>
+            <a:r>
+              <a:rPr lang="en-US" dirty="0"/>
+              <a:t>Video links, written copies of exercises, stand alone data from the tutorial</a:t>
+            </a:r>
+          </a:p>
+          <a:p>
+            <a:pPr lvl="1"/>
+            <a:r>
+              <a:rPr lang="en-US" dirty="0"/>
+              <a:t>Likely only need these early on to prevent students from falling behind</a:t>
+            </a:r>
+          </a:p>
+          <a:p>
+            <a:pPr marL="0" indent="0">
+              <a:buNone/>
+            </a:pPr>
+            <a:endParaRPr lang="en-US" dirty="0"/>
           </a:p>
         </p:txBody>
       </p:sp>
@@ -10543,7 +11839,7 @@
           <p:cNvPr id="4" name="Slide Number Placeholder 3">
             <a:extLst>
               <a:ext uri="{FF2B5EF4-FFF2-40B4-BE49-F238E27FC236}">
-                <a16:creationId xmlns:a16="http://schemas.microsoft.com/office/drawing/2014/main" id="{4584DAF7-9730-4936-896E-A1BB9FE41BE5}"/>
+                <a16:creationId xmlns:a16="http://schemas.microsoft.com/office/drawing/2014/main" id="{0FCE78B8-0437-4AAF-83C1-20583EC69240}"/>
               </a:ext>
             </a:extLst>
           </p:cNvPr>
@@ -10562,9 +11858,360 @@
             <a:fld id="{86085797-AB24-4E99-8BDA-AEB3302E61E9}" type="slidenum">
               <a:rPr lang="en-US" smtClean="0"/>
               <a:pPr/>
-              <a:t>42</a:t>
+              <a:t>44</a:t>
             </a:fld>
-            <a:endParaRPr lang="en-US"/>
+            <a:endParaRPr lang="en-US" dirty="0"/>
+          </a:p>
+        </p:txBody>
+      </p:sp>
+      <p:sp>
+        <p:nvSpPr>
+          <p:cNvPr id="5" name="Footer Placeholder 4">
+            <a:extLst>
+              <a:ext uri="{FF2B5EF4-FFF2-40B4-BE49-F238E27FC236}">
+                <a16:creationId xmlns:a16="http://schemas.microsoft.com/office/drawing/2014/main" id="{14C4A225-A0E4-4D7A-8681-40AF9B9EDDA5}"/>
+              </a:ext>
+            </a:extLst>
+          </p:cNvPr>
+          <p:cNvSpPr>
+            <a:spLocks noGrp="1"/>
+          </p:cNvSpPr>
+          <p:nvPr>
+            <p:ph type="ftr" sz="quarter" idx="11"/>
+          </p:nvPr>
+        </p:nvSpPr>
+        <p:spPr/>
+        <p:txBody>
+          <a:bodyPr/>
+          <a:lstStyle/>
+          <a:p>
+            <a:r>
+              <a:rPr lang="en-US"/>
+              <a:t>https://github.com/chrisaberson/IntroStatsTutorials</a:t>
+            </a:r>
+            <a:endParaRPr lang="en-US" dirty="0"/>
+          </a:p>
+        </p:txBody>
+      </p:sp>
+    </p:spTree>
+    <p:extLst>
+      <p:ext uri="{BB962C8B-B14F-4D97-AF65-F5344CB8AC3E}">
+        <p14:creationId xmlns:p14="http://schemas.microsoft.com/office/powerpoint/2010/main" val="439570241"/>
+      </p:ext>
+    </p:extLst>
+  </p:cSld>
+  <p:clrMapOvr>
+    <a:masterClrMapping/>
+  </p:clrMapOvr>
+</p:sld>
+</file>
+
+<file path=ppt/slides/slide45.xml><?xml version="1.0" encoding="utf-8"?>
+<p:sld xmlns:a="http://schemas.openxmlformats.org/drawingml/2006/main" xmlns:r="http://schemas.openxmlformats.org/officeDocument/2006/relationships" xmlns:p="http://schemas.openxmlformats.org/presentationml/2006/main">
+  <p:cSld>
+    <p:spTree>
+      <p:nvGrpSpPr>
+        <p:cNvPr id="1" name=""/>
+        <p:cNvGrpSpPr/>
+        <p:nvPr/>
+      </p:nvGrpSpPr>
+      <p:grpSpPr>
+        <a:xfrm>
+          <a:off x="0" y="0"/>
+          <a:ext cx="0" cy="0"/>
+          <a:chOff x="0" y="0"/>
+          <a:chExt cx="0" cy="0"/>
+        </a:xfrm>
+      </p:grpSpPr>
+      <p:sp>
+        <p:nvSpPr>
+          <p:cNvPr id="2" name="Title 1">
+            <a:extLst>
+              <a:ext uri="{FF2B5EF4-FFF2-40B4-BE49-F238E27FC236}">
+                <a16:creationId xmlns:a16="http://schemas.microsoft.com/office/drawing/2014/main" id="{663C1AC5-0773-4158-8E44-30C2E12EBA1C}"/>
+              </a:ext>
+            </a:extLst>
+          </p:cNvPr>
+          <p:cNvSpPr>
+            <a:spLocks noGrp="1"/>
+          </p:cNvSpPr>
+          <p:nvPr>
+            <p:ph type="title"/>
+          </p:nvPr>
+        </p:nvSpPr>
+        <p:spPr/>
+        <p:txBody>
+          <a:bodyPr/>
+          <a:lstStyle/>
+          <a:p>
+            <a:r>
+              <a:rPr lang="en-US" dirty="0"/>
+              <a:t>Resources</a:t>
+            </a:r>
+          </a:p>
+        </p:txBody>
+      </p:sp>
+      <p:sp>
+        <p:nvSpPr>
+          <p:cNvPr id="5" name="Content Placeholder 4">
+            <a:extLst>
+              <a:ext uri="{FF2B5EF4-FFF2-40B4-BE49-F238E27FC236}">
+                <a16:creationId xmlns:a16="http://schemas.microsoft.com/office/drawing/2014/main" id="{EBE9FDA0-7A85-47BA-80D0-B2D9322886EB}"/>
+              </a:ext>
+            </a:extLst>
+          </p:cNvPr>
+          <p:cNvSpPr>
+            <a:spLocks noGrp="1"/>
+          </p:cNvSpPr>
+          <p:nvPr>
+            <p:ph idx="1"/>
+          </p:nvPr>
+        </p:nvSpPr>
+        <p:spPr/>
+        <p:txBody>
+          <a:bodyPr>
+            <a:normAutofit lnSpcReduction="10000"/>
+          </a:bodyPr>
+          <a:lstStyle/>
+          <a:p>
+            <a:r>
+              <a:rPr lang="en-US" dirty="0">
+                <a:hlinkClick r:id="rId2"/>
+              </a:rPr>
+              <a:t>https://rstudio.github.io/learnr/</a:t>
+            </a:r>
+            <a:r>
+              <a:rPr lang="en-US" dirty="0"/>
+              <a:t> - A nice, clear manual for using learnr</a:t>
+            </a:r>
+          </a:p>
+          <a:p>
+            <a:r>
+              <a:rPr lang="en-US" dirty="0">
+                <a:hlinkClick r:id="rId3"/>
+              </a:rPr>
+              <a:t>https://github.com/chrisaberson/</a:t>
+            </a:r>
+            <a:r>
+              <a:rPr lang="en-US" dirty="0"/>
+              <a:t> - my GitHub. Please feel free to take my work and adapt it if that lessens your workload in any way! </a:t>
+            </a:r>
+          </a:p>
+          <a:p>
+            <a:r>
+              <a:rPr lang="en-US" dirty="0">
+                <a:hlinkClick r:id="rId4"/>
+              </a:rPr>
+              <a:t>https://github.com/profandyfield/adventr</a:t>
+            </a:r>
+            <a:r>
+              <a:rPr lang="en-US" dirty="0"/>
+              <a:t> - Andy Field wrote learnr materials to accompany one of his statistics texts. Several very good tutorials to mine for content</a:t>
+            </a:r>
+          </a:p>
+          <a:p>
+            <a:r>
+              <a:rPr lang="en-US" dirty="0">
+                <a:hlinkClick r:id="rId5"/>
+              </a:rPr>
+              <a:t>http://r-pkgs.had.co.nz/</a:t>
+            </a:r>
+            <a:r>
+              <a:rPr lang="en-US" dirty="0"/>
+              <a:t> - Hadley Wickham’s book on writing R packages (free online version)</a:t>
+            </a:r>
+          </a:p>
+          <a:p>
+            <a:r>
+              <a:rPr lang="en-US" dirty="0">
+                <a:hlinkClick r:id="rId6"/>
+              </a:rPr>
+              <a:t>https://kbroman.org/pkg_primer/</a:t>
+            </a:r>
+            <a:r>
+              <a:rPr lang="en-US" dirty="0"/>
+              <a:t> - Another good primer on writing packages</a:t>
+            </a:r>
+          </a:p>
+          <a:p>
+            <a:endParaRPr lang="en-US" dirty="0"/>
+          </a:p>
+        </p:txBody>
+      </p:sp>
+      <p:sp>
+        <p:nvSpPr>
+          <p:cNvPr id="3" name="Slide Number Placeholder 2">
+            <a:extLst>
+              <a:ext uri="{FF2B5EF4-FFF2-40B4-BE49-F238E27FC236}">
+                <a16:creationId xmlns:a16="http://schemas.microsoft.com/office/drawing/2014/main" id="{DD7F6266-768F-4EB9-877E-A1A29E75E34F}"/>
+              </a:ext>
+            </a:extLst>
+          </p:cNvPr>
+          <p:cNvSpPr>
+            <a:spLocks noGrp="1"/>
+          </p:cNvSpPr>
+          <p:nvPr>
+            <p:ph type="sldNum" sz="quarter" idx="12"/>
+          </p:nvPr>
+        </p:nvSpPr>
+        <p:spPr/>
+        <p:txBody>
+          <a:bodyPr/>
+          <a:lstStyle/>
+          <a:p>
+            <a:fld id="{86085797-AB24-4E99-8BDA-AEB3302E61E9}" type="slidenum">
+              <a:rPr lang="en-US" smtClean="0"/>
+              <a:pPr/>
+              <a:t>45</a:t>
+            </a:fld>
+            <a:endParaRPr lang="en-US" dirty="0"/>
+          </a:p>
+        </p:txBody>
+      </p:sp>
+      <p:sp>
+        <p:nvSpPr>
+          <p:cNvPr id="4" name="Footer Placeholder 3">
+            <a:extLst>
+              <a:ext uri="{FF2B5EF4-FFF2-40B4-BE49-F238E27FC236}">
+                <a16:creationId xmlns:a16="http://schemas.microsoft.com/office/drawing/2014/main" id="{AE9C35FC-0F01-42A1-AC0C-8B8287ACCFB6}"/>
+              </a:ext>
+            </a:extLst>
+          </p:cNvPr>
+          <p:cNvSpPr>
+            <a:spLocks noGrp="1"/>
+          </p:cNvSpPr>
+          <p:nvPr>
+            <p:ph type="ftr" sz="quarter" idx="11"/>
+          </p:nvPr>
+        </p:nvSpPr>
+        <p:spPr/>
+        <p:txBody>
+          <a:bodyPr/>
+          <a:lstStyle/>
+          <a:p>
+            <a:r>
+              <a:rPr lang="en-US"/>
+              <a:t>https://github.com/chrisaberson/IntroStatsTutorials</a:t>
+            </a:r>
+            <a:endParaRPr lang="en-US" dirty="0"/>
+          </a:p>
+        </p:txBody>
+      </p:sp>
+    </p:spTree>
+    <p:extLst>
+      <p:ext uri="{BB962C8B-B14F-4D97-AF65-F5344CB8AC3E}">
+        <p14:creationId xmlns:p14="http://schemas.microsoft.com/office/powerpoint/2010/main" val="2763361133"/>
+      </p:ext>
+    </p:extLst>
+  </p:cSld>
+  <p:clrMapOvr>
+    <a:masterClrMapping/>
+  </p:clrMapOvr>
+</p:sld>
+</file>
+
+<file path=ppt/slides/slide46.xml><?xml version="1.0" encoding="utf-8"?>
+<p:sld xmlns:a="http://schemas.openxmlformats.org/drawingml/2006/main" xmlns:r="http://schemas.openxmlformats.org/officeDocument/2006/relationships" xmlns:p="http://schemas.openxmlformats.org/presentationml/2006/main">
+  <p:cSld>
+    <p:spTree>
+      <p:nvGrpSpPr>
+        <p:cNvPr id="1" name=""/>
+        <p:cNvGrpSpPr/>
+        <p:nvPr/>
+      </p:nvGrpSpPr>
+      <p:grpSpPr>
+        <a:xfrm>
+          <a:off x="0" y="0"/>
+          <a:ext cx="0" cy="0"/>
+          <a:chOff x="0" y="0"/>
+          <a:chExt cx="0" cy="0"/>
+        </a:xfrm>
+      </p:grpSpPr>
+      <p:sp>
+        <p:nvSpPr>
+          <p:cNvPr id="2" name="Title 1">
+            <a:extLst>
+              <a:ext uri="{FF2B5EF4-FFF2-40B4-BE49-F238E27FC236}">
+                <a16:creationId xmlns:a16="http://schemas.microsoft.com/office/drawing/2014/main" id="{BF7BF4F1-B317-4E17-BB6B-1EDE19FDAC5C}"/>
+              </a:ext>
+            </a:extLst>
+          </p:cNvPr>
+          <p:cNvSpPr>
+            <a:spLocks noGrp="1"/>
+          </p:cNvSpPr>
+          <p:nvPr>
+            <p:ph type="title"/>
+          </p:nvPr>
+        </p:nvSpPr>
+        <p:spPr/>
+        <p:txBody>
+          <a:bodyPr/>
+          <a:lstStyle/>
+          <a:p>
+            <a:pPr algn="ctr"/>
+            <a:r>
+              <a:rPr lang="en-US" dirty="0"/>
+              <a:t>Questions, Comments, Ideas for Moving Forward?</a:t>
+            </a:r>
+          </a:p>
+        </p:txBody>
+      </p:sp>
+      <p:sp>
+        <p:nvSpPr>
+          <p:cNvPr id="4" name="Slide Number Placeholder 3">
+            <a:extLst>
+              <a:ext uri="{FF2B5EF4-FFF2-40B4-BE49-F238E27FC236}">
+                <a16:creationId xmlns:a16="http://schemas.microsoft.com/office/drawing/2014/main" id="{4584DAF7-9730-4936-896E-A1BB9FE41BE5}"/>
+              </a:ext>
+            </a:extLst>
+          </p:cNvPr>
+          <p:cNvSpPr>
+            <a:spLocks noGrp="1"/>
+          </p:cNvSpPr>
+          <p:nvPr>
+            <p:ph type="sldNum" sz="quarter" idx="12"/>
+          </p:nvPr>
+        </p:nvSpPr>
+        <p:spPr/>
+        <p:txBody>
+          <a:bodyPr/>
+          <a:lstStyle/>
+          <a:p>
+            <a:fld id="{86085797-AB24-4E99-8BDA-AEB3302E61E9}" type="slidenum">
+              <a:rPr lang="en-US" smtClean="0"/>
+              <a:pPr/>
+              <a:t>46</a:t>
+            </a:fld>
+            <a:endParaRPr lang="en-US" dirty="0"/>
+          </a:p>
+        </p:txBody>
+      </p:sp>
+      <p:sp>
+        <p:nvSpPr>
+          <p:cNvPr id="3" name="Footer Placeholder 2">
+            <a:extLst>
+              <a:ext uri="{FF2B5EF4-FFF2-40B4-BE49-F238E27FC236}">
+                <a16:creationId xmlns:a16="http://schemas.microsoft.com/office/drawing/2014/main" id="{B1FDB5A1-D04D-44D8-82BC-90181D8A2B91}"/>
+              </a:ext>
+            </a:extLst>
+          </p:cNvPr>
+          <p:cNvSpPr>
+            <a:spLocks noGrp="1"/>
+          </p:cNvSpPr>
+          <p:nvPr>
+            <p:ph type="ftr" sz="quarter" idx="11"/>
+          </p:nvPr>
+        </p:nvSpPr>
+        <p:spPr/>
+        <p:txBody>
+          <a:bodyPr/>
+          <a:lstStyle/>
+          <a:p>
+            <a:r>
+              <a:rPr lang="en-US"/>
+              <a:t>https://github.com/chrisaberson/IntroStatsTutorials</a:t>
+            </a:r>
+            <a:endParaRPr lang="en-US" dirty="0"/>
           </a:p>
         </p:txBody>
       </p:sp>
@@ -10662,15 +12309,7 @@
           <a:p>
             <a:r>
               <a:rPr lang="en-US" dirty="0"/>
-              <a:t>First code chunk loads </a:t>
-            </a:r>
-            <a:r>
-              <a:rPr lang="en-US" dirty="0" err="1"/>
-              <a:t>learnr</a:t>
-            </a:r>
-            <a:r>
-              <a:rPr lang="en-US" dirty="0"/>
-              <a:t>, add whatever packages you are using inside this chunk</a:t>
+              <a:t>First code chunk loads learnr, add whatever packages you are using inside this chunk (be sure to include your package!)</a:t>
             </a:r>
           </a:p>
           <a:p>
@@ -10737,7 +12376,36 @@
               <a:pPr/>
               <a:t>5</a:t>
             </a:fld>
-            <a:endParaRPr lang="en-US"/>
+            <a:endParaRPr lang="en-US" dirty="0"/>
+          </a:p>
+        </p:txBody>
+      </p:sp>
+      <p:sp>
+        <p:nvSpPr>
+          <p:cNvPr id="3" name="Footer Placeholder 2">
+            <a:extLst>
+              <a:ext uri="{FF2B5EF4-FFF2-40B4-BE49-F238E27FC236}">
+                <a16:creationId xmlns:a16="http://schemas.microsoft.com/office/drawing/2014/main" id="{C3641616-BA89-444B-874B-DE363FE38A93}"/>
+              </a:ext>
+            </a:extLst>
+          </p:cNvPr>
+          <p:cNvSpPr>
+            <a:spLocks noGrp="1"/>
+          </p:cNvSpPr>
+          <p:nvPr>
+            <p:ph type="ftr" sz="quarter" idx="11"/>
+          </p:nvPr>
+        </p:nvSpPr>
+        <p:spPr/>
+        <p:txBody>
+          <a:bodyPr/>
+          <a:lstStyle/>
+          <a:p>
+            <a:r>
+              <a:rPr lang="en-US"/>
+              <a:t>https://github.com/chrisaberson/IntroStatsTutorials</a:t>
+            </a:r>
+            <a:endParaRPr lang="en-US" dirty="0"/>
           </a:p>
         </p:txBody>
       </p:sp>
@@ -10889,7 +12557,36 @@
               <a:pPr/>
               <a:t>6</a:t>
             </a:fld>
-            <a:endParaRPr lang="en-US"/>
+            <a:endParaRPr lang="en-US" dirty="0"/>
+          </a:p>
+        </p:txBody>
+      </p:sp>
+      <p:sp>
+        <p:nvSpPr>
+          <p:cNvPr id="5" name="Footer Placeholder 4">
+            <a:extLst>
+              <a:ext uri="{FF2B5EF4-FFF2-40B4-BE49-F238E27FC236}">
+                <a16:creationId xmlns:a16="http://schemas.microsoft.com/office/drawing/2014/main" id="{9C15C9D8-062C-402A-9960-0B70312F1256}"/>
+              </a:ext>
+            </a:extLst>
+          </p:cNvPr>
+          <p:cNvSpPr>
+            <a:spLocks noGrp="1"/>
+          </p:cNvSpPr>
+          <p:nvPr>
+            <p:ph type="ftr" sz="quarter" idx="11"/>
+          </p:nvPr>
+        </p:nvSpPr>
+        <p:spPr/>
+        <p:txBody>
+          <a:bodyPr/>
+          <a:lstStyle/>
+          <a:p>
+            <a:r>
+              <a:rPr lang="en-US"/>
+              <a:t>https://github.com/chrisaberson/IntroStatsTutorials</a:t>
+            </a:r>
+            <a:endParaRPr lang="en-US" dirty="0"/>
           </a:p>
         </p:txBody>
       </p:sp>
@@ -11007,7 +12704,36 @@
               <a:pPr/>
               <a:t>7</a:t>
             </a:fld>
-            <a:endParaRPr lang="en-US"/>
+            <a:endParaRPr lang="en-US" dirty="0"/>
+          </a:p>
+        </p:txBody>
+      </p:sp>
+      <p:sp>
+        <p:nvSpPr>
+          <p:cNvPr id="5" name="Footer Placeholder 4">
+            <a:extLst>
+              <a:ext uri="{FF2B5EF4-FFF2-40B4-BE49-F238E27FC236}">
+                <a16:creationId xmlns:a16="http://schemas.microsoft.com/office/drawing/2014/main" id="{0DFB94E7-45E7-44BD-A3ED-9567E9A8C557}"/>
+              </a:ext>
+            </a:extLst>
+          </p:cNvPr>
+          <p:cNvSpPr>
+            <a:spLocks noGrp="1"/>
+          </p:cNvSpPr>
+          <p:nvPr>
+            <p:ph type="ftr" sz="quarter" idx="11"/>
+          </p:nvPr>
+        </p:nvSpPr>
+        <p:spPr/>
+        <p:txBody>
+          <a:bodyPr/>
+          <a:lstStyle/>
+          <a:p>
+            <a:r>
+              <a:rPr lang="en-US"/>
+              <a:t>https://github.com/chrisaberson/IntroStatsTutorials</a:t>
+            </a:r>
+            <a:endParaRPr lang="en-US" dirty="0"/>
           </a:p>
         </p:txBody>
       </p:sp>
@@ -11185,7 +12911,36 @@
               <a:pPr/>
               <a:t>8</a:t>
             </a:fld>
-            <a:endParaRPr lang="en-US"/>
+            <a:endParaRPr lang="en-US" dirty="0"/>
+          </a:p>
+        </p:txBody>
+      </p:sp>
+      <p:sp>
+        <p:nvSpPr>
+          <p:cNvPr id="6" name="Footer Placeholder 5">
+            <a:extLst>
+              <a:ext uri="{FF2B5EF4-FFF2-40B4-BE49-F238E27FC236}">
+                <a16:creationId xmlns:a16="http://schemas.microsoft.com/office/drawing/2014/main" id="{DACE49CE-1415-4601-A175-80BF74C4A6B0}"/>
+              </a:ext>
+            </a:extLst>
+          </p:cNvPr>
+          <p:cNvSpPr>
+            <a:spLocks noGrp="1"/>
+          </p:cNvSpPr>
+          <p:nvPr>
+            <p:ph type="ftr" sz="quarter" idx="11"/>
+          </p:nvPr>
+        </p:nvSpPr>
+        <p:spPr/>
+        <p:txBody>
+          <a:bodyPr/>
+          <a:lstStyle/>
+          <a:p>
+            <a:r>
+              <a:rPr lang="en-US"/>
+              <a:t>https://github.com/chrisaberson/IntroStatsTutorials</a:t>
+            </a:r>
+            <a:endParaRPr lang="en-US" dirty="0"/>
           </a:p>
         </p:txBody>
       </p:sp>
@@ -11321,7 +13076,7 @@
               <a:pPr/>
               <a:t>9</a:t>
             </a:fld>
-            <a:endParaRPr lang="en-US"/>
+            <a:endParaRPr lang="en-US" dirty="0"/>
           </a:p>
         </p:txBody>
       </p:sp>
@@ -11355,6 +13110,35 @@
           </a:prstGeom>
         </p:spPr>
       </p:pic>
+      <p:sp>
+        <p:nvSpPr>
+          <p:cNvPr id="4" name="Footer Placeholder 3">
+            <a:extLst>
+              <a:ext uri="{FF2B5EF4-FFF2-40B4-BE49-F238E27FC236}">
+                <a16:creationId xmlns:a16="http://schemas.microsoft.com/office/drawing/2014/main" id="{437021E3-6D4E-4FB7-9BC6-771B57BF4CC0}"/>
+              </a:ext>
+            </a:extLst>
+          </p:cNvPr>
+          <p:cNvSpPr>
+            <a:spLocks noGrp="1"/>
+          </p:cNvSpPr>
+          <p:nvPr>
+            <p:ph type="ftr" sz="quarter" idx="11"/>
+          </p:nvPr>
+        </p:nvSpPr>
+        <p:spPr/>
+        <p:txBody>
+          <a:bodyPr/>
+          <a:lstStyle/>
+          <a:p>
+            <a:r>
+              <a:rPr lang="en-US"/>
+              <a:t>https://github.com/chrisaberson/IntroStatsTutorials</a:t>
+            </a:r>
+            <a:endParaRPr lang="en-US" dirty="0"/>
+          </a:p>
+        </p:txBody>
+      </p:sp>
     </p:spTree>
     <p:extLst>
       <p:ext uri="{BB962C8B-B14F-4D97-AF65-F5344CB8AC3E}">
